--- a/LESSONS/001.pptx
+++ b/LESSONS/001.pptx
@@ -16,30 +16,31 @@
     <p:sldId id="267" r:id="rId11"/>
     <p:sldId id="261" r:id="rId12"/>
     <p:sldId id="268" r:id="rId13"/>
-    <p:sldId id="262" r:id="rId14"/>
-    <p:sldId id="269" r:id="rId15"/>
-    <p:sldId id="270" r:id="rId16"/>
-    <p:sldId id="271" r:id="rId17"/>
-    <p:sldId id="272" r:id="rId18"/>
-    <p:sldId id="273" r:id="rId19"/>
-    <p:sldId id="274" r:id="rId20"/>
-    <p:sldId id="275" r:id="rId21"/>
-    <p:sldId id="276" r:id="rId22"/>
-    <p:sldId id="277" r:id="rId23"/>
-    <p:sldId id="282" r:id="rId24"/>
-    <p:sldId id="278" r:id="rId25"/>
-    <p:sldId id="281" r:id="rId26"/>
-    <p:sldId id="283" r:id="rId27"/>
-    <p:sldId id="284" r:id="rId28"/>
-    <p:sldId id="285" r:id="rId29"/>
-    <p:sldId id="286" r:id="rId30"/>
-    <p:sldId id="294" r:id="rId31"/>
-    <p:sldId id="295" r:id="rId32"/>
-    <p:sldId id="296" r:id="rId33"/>
-    <p:sldId id="290" r:id="rId34"/>
-    <p:sldId id="291" r:id="rId35"/>
-    <p:sldId id="292" r:id="rId36"/>
-    <p:sldId id="293" r:id="rId37"/>
+    <p:sldId id="301" r:id="rId14"/>
+    <p:sldId id="262" r:id="rId15"/>
+    <p:sldId id="269" r:id="rId16"/>
+    <p:sldId id="270" r:id="rId17"/>
+    <p:sldId id="271" r:id="rId18"/>
+    <p:sldId id="272" r:id="rId19"/>
+    <p:sldId id="273" r:id="rId20"/>
+    <p:sldId id="274" r:id="rId21"/>
+    <p:sldId id="275" r:id="rId22"/>
+    <p:sldId id="276" r:id="rId23"/>
+    <p:sldId id="277" r:id="rId24"/>
+    <p:sldId id="282" r:id="rId25"/>
+    <p:sldId id="278" r:id="rId26"/>
+    <p:sldId id="281" r:id="rId27"/>
+    <p:sldId id="283" r:id="rId28"/>
+    <p:sldId id="284" r:id="rId29"/>
+    <p:sldId id="285" r:id="rId30"/>
+    <p:sldId id="286" r:id="rId31"/>
+    <p:sldId id="294" r:id="rId32"/>
+    <p:sldId id="295" r:id="rId33"/>
+    <p:sldId id="296" r:id="rId34"/>
+    <p:sldId id="290" r:id="rId35"/>
+    <p:sldId id="291" r:id="rId36"/>
+    <p:sldId id="292" r:id="rId37"/>
+    <p:sldId id="293" r:id="rId38"/>
   </p:sldIdLst>
   <p:sldSz cx="12192000" cy="6858000"/>
   <p:notesSz cx="6858000" cy="9144000"/>
@@ -3285,9 +3286,8 @@
     <p:bg>
       <p:bgPr>
         <a:solidFill>
-          <a:schemeClr val="accent3">
-            <a:lumMod val="40000"/>
-            <a:lumOff val="60000"/>
+          <a:schemeClr val="bg1">
+            <a:lumMod val="85000"/>
           </a:schemeClr>
         </a:solidFill>
         <a:effectLst/>
@@ -3302,14 +3302,14 @@
       <p:grpSpPr/>
       <p:sp>
         <p:nvSpPr>
-          <p:cNvPr id="4" name="文本框 3"/>
+          <p:cNvPr id="7" name="文本框 6"/>
           <p:cNvSpPr txBox="1"/>
           <p:nvPr/>
         </p:nvSpPr>
         <p:spPr>
           <a:xfrm>
-            <a:off x="1056005" y="2644775"/>
-            <a:ext cx="10080000" cy="1568450"/>
+            <a:off x="1934210" y="1875790"/>
+            <a:ext cx="8637270" cy="645160"/>
           </a:xfrm>
           <a:prstGeom prst="rect">
             <a:avLst/>
@@ -3317,48 +3317,123 @@
           <a:noFill/>
         </p:spPr>
         <p:txBody>
+          <a:bodyPr wrap="square" rtlCol="0">
+            <a:spAutoFit/>
+          </a:bodyPr>
+          <a:p>
+            <a:r>
+              <a:rPr lang="zh-CN" altLang="en-US"/>
+              <a:t>第31届国际信息学奥林匹克中国队选拔（CCF CTS2019）获奖名单http://www.noi.cn/RequireFile.do?fid=JERYBEbe&amp;attach=n</a:t>
+            </a:r>
+            <a:endParaRPr lang="zh-CN" altLang="en-US"/>
+          </a:p>
+        </p:txBody>
+      </p:sp>
+      <p:sp>
+        <p:nvSpPr>
+          <p:cNvPr id="8" name="文本框 7"/>
+          <p:cNvSpPr txBox="1"/>
+          <p:nvPr/>
+        </p:nvSpPr>
+        <p:spPr>
+          <a:xfrm>
+            <a:off x="1934210" y="930275"/>
+            <a:ext cx="8684260" cy="645160"/>
+          </a:xfrm>
+          <a:prstGeom prst="rect">
+            <a:avLst/>
+          </a:prstGeom>
+          <a:noFill/>
+        </p:spPr>
+        <p:txBody>
           <a:bodyPr wrap="square" rtlCol="0" anchor="t">
             <a:spAutoFit/>
           </a:bodyPr>
           <a:p>
-            <a:pPr algn="ctr"/>
-            <a:r>
-              <a:rPr lang="en-US" altLang="zh-CN" sz="9600">
-                <a:solidFill>
-                  <a:srgbClr val="666666"/>
-                </a:solidFill>
-                <a:latin typeface="Times New Roman" panose="02020603050405020304" charset="0"/>
-                <a:cs typeface="Times New Roman" panose="02020603050405020304" charset="0"/>
-              </a:rPr>
-              <a:t>C/</a:t>
-            </a:r>
-            <a:r>
-              <a:rPr lang="en-US" altLang="zh-CN" sz="9600">
-                <a:solidFill>
-                  <a:srgbClr val="FF0000"/>
-                </a:solidFill>
-                <a:latin typeface="Times New Roman" panose="02020603050405020304" charset="0"/>
-                <a:cs typeface="Times New Roman" panose="02020603050405020304" charset="0"/>
-              </a:rPr>
-              <a:t>C++</a:t>
-            </a:r>
-            <a:r>
-              <a:rPr lang="en-US" altLang="zh-CN" sz="9600">
-                <a:solidFill>
-                  <a:srgbClr val="666666"/>
-                </a:solidFill>
-                <a:latin typeface="Times New Roman" panose="02020603050405020304" charset="0"/>
-                <a:cs typeface="Times New Roman" panose="02020603050405020304" charset="0"/>
-              </a:rPr>
-              <a:t>/Pascal</a:t>
-            </a:r>
-            <a:endParaRPr lang="zh-CN" altLang="en-US" sz="9600">
-              <a:solidFill>
-                <a:srgbClr val="666666"/>
-              </a:solidFill>
-              <a:latin typeface="Times New Roman" panose="02020603050405020304" charset="0"/>
-              <a:cs typeface="Times New Roman" panose="02020603050405020304" charset="0"/>
-            </a:endParaRPr>
+            <a:r>
+              <a:rPr lang="zh-CN" altLang="en-US"/>
+              <a:t>第十三届亚洲和太平洋地区信息学奥林匹克（APIO2019）中国区获奖名单</a:t>
+            </a:r>
+            <a:endParaRPr lang="zh-CN" altLang="en-US"/>
+          </a:p>
+          <a:p>
+            <a:r>
+              <a:rPr lang="zh-CN" altLang="en-US"/>
+              <a:t>http://www.noi.cn/RequireFile.do?fid=9n2ebb4m%20&amp;attach=n</a:t>
+            </a:r>
+            <a:endParaRPr lang="zh-CN" altLang="en-US"/>
+          </a:p>
+        </p:txBody>
+      </p:sp>
+      <p:sp>
+        <p:nvSpPr>
+          <p:cNvPr id="9" name="文本框 8"/>
+          <p:cNvSpPr txBox="1"/>
+          <p:nvPr/>
+        </p:nvSpPr>
+        <p:spPr>
+          <a:xfrm>
+            <a:off x="1934845" y="3106420"/>
+            <a:ext cx="7602220" cy="645160"/>
+          </a:xfrm>
+          <a:prstGeom prst="rect">
+            <a:avLst/>
+          </a:prstGeom>
+          <a:noFill/>
+        </p:spPr>
+        <p:txBody>
+          <a:bodyPr wrap="square" rtlCol="0" anchor="t">
+            <a:spAutoFit/>
+          </a:bodyPr>
+          <a:p>
+            <a:r>
+              <a:rPr lang="zh-CN" altLang="en-US"/>
+              <a:t>NOI2019冬令营获奖名单</a:t>
+            </a:r>
+            <a:endParaRPr lang="zh-CN" altLang="en-US"/>
+          </a:p>
+          <a:p>
+            <a:r>
+              <a:rPr lang="zh-CN" altLang="en-US"/>
+              <a:t>http://www.noi.cn/RequireFile.do?fid=LHmtdrNB&amp;attach=n</a:t>
+            </a:r>
+            <a:endParaRPr lang="zh-CN" altLang="en-US"/>
+          </a:p>
+        </p:txBody>
+      </p:sp>
+      <p:sp>
+        <p:nvSpPr>
+          <p:cNvPr id="10" name="文本框 9"/>
+          <p:cNvSpPr txBox="1"/>
+          <p:nvPr/>
+        </p:nvSpPr>
+        <p:spPr>
+          <a:xfrm>
+            <a:off x="2011680" y="4109720"/>
+            <a:ext cx="6191250" cy="645160"/>
+          </a:xfrm>
+          <a:prstGeom prst="rect">
+            <a:avLst/>
+          </a:prstGeom>
+          <a:noFill/>
+        </p:spPr>
+        <p:txBody>
+          <a:bodyPr wrap="square" rtlCol="0" anchor="t">
+            <a:spAutoFit/>
+          </a:bodyPr>
+          <a:p>
+            <a:r>
+              <a:rPr lang="zh-CN" altLang="en-US"/>
+              <a:t>CCF NOIP2018复赛获奖名单</a:t>
+            </a:r>
+            <a:endParaRPr lang="zh-CN" altLang="en-US"/>
+          </a:p>
+          <a:p>
+            <a:r>
+              <a:rPr lang="zh-CN" altLang="en-US"/>
+              <a:t>https://www.ccf.org.cn/ccf/preview/zgjsjxh/noi/noi2018/2.htm</a:t>
+            </a:r>
+            <a:endParaRPr lang="zh-CN" altLang="en-US"/>
           </a:p>
         </p:txBody>
       </p:sp>
@@ -3399,8 +3474,8 @@
         </p:nvSpPr>
         <p:spPr>
           <a:xfrm>
-            <a:off x="1056005" y="1013460"/>
-            <a:ext cx="10080000" cy="4831080"/>
+            <a:off x="1056005" y="2644775"/>
+            <a:ext cx="10080000" cy="1568450"/>
           </a:xfrm>
           <a:prstGeom prst="rect">
             <a:avLst/>
@@ -3412,99 +3487,41 @@
             <a:spAutoFit/>
           </a:bodyPr>
           <a:p>
-            <a:pPr algn="l"/>
-            <a:r>
-              <a:rPr lang="en-US" altLang="zh-CN" sz="4400">
+            <a:pPr algn="ctr"/>
+            <a:r>
+              <a:rPr lang="en-US" altLang="zh-CN" sz="9600">
+                <a:solidFill>
+                  <a:srgbClr val="666666"/>
+                </a:solidFill>
                 <a:latin typeface="Times New Roman" panose="02020603050405020304" charset="0"/>
                 <a:cs typeface="Times New Roman" panose="02020603050405020304" charset="0"/>
               </a:rPr>
-              <a:t>#include &lt;iostream&gt;</a:t>
-            </a:r>
-            <a:endParaRPr lang="en-US" altLang="zh-CN" sz="4400">
-              <a:latin typeface="Times New Roman" panose="02020603050405020304" charset="0"/>
-              <a:cs typeface="Times New Roman" panose="02020603050405020304" charset="0"/>
-            </a:endParaRPr>
-          </a:p>
-          <a:p>
-            <a:pPr algn="l"/>
-            <a:r>
-              <a:rPr lang="en-US" altLang="zh-CN" sz="4400">
+              <a:t>C/</a:t>
+            </a:r>
+            <a:r>
+              <a:rPr lang="en-US" altLang="zh-CN" sz="9600">
+                <a:solidFill>
+                  <a:srgbClr val="FF0000"/>
+                </a:solidFill>
                 <a:latin typeface="Times New Roman" panose="02020603050405020304" charset="0"/>
                 <a:cs typeface="Times New Roman" panose="02020603050405020304" charset="0"/>
               </a:rPr>
-              <a:t>using namespace std;</a:t>
-            </a:r>
-            <a:endParaRPr lang="en-US" altLang="zh-CN" sz="4400">
-              <a:latin typeface="Times New Roman" panose="02020603050405020304" charset="0"/>
-              <a:cs typeface="Times New Roman" panose="02020603050405020304" charset="0"/>
-            </a:endParaRPr>
-          </a:p>
-          <a:p>
-            <a:pPr algn="l"/>
-            <a:r>
-              <a:rPr lang="en-US" altLang="zh-CN" sz="4400">
+              <a:t>C++</a:t>
+            </a:r>
+            <a:r>
+              <a:rPr lang="en-US" altLang="zh-CN" sz="9600">
+                <a:solidFill>
+                  <a:srgbClr val="666666"/>
+                </a:solidFill>
                 <a:latin typeface="Times New Roman" panose="02020603050405020304" charset="0"/>
                 <a:cs typeface="Times New Roman" panose="02020603050405020304" charset="0"/>
               </a:rPr>
-              <a:t>int main()</a:t>
-            </a:r>
-            <a:endParaRPr lang="en-US" altLang="zh-CN" sz="4400">
-              <a:latin typeface="Times New Roman" panose="02020603050405020304" charset="0"/>
-              <a:cs typeface="Times New Roman" panose="02020603050405020304" charset="0"/>
-            </a:endParaRPr>
-          </a:p>
-          <a:p>
-            <a:pPr algn="l"/>
-            <a:r>
-              <a:rPr lang="en-US" altLang="zh-CN" sz="4400">
-                <a:latin typeface="Times New Roman" panose="02020603050405020304" charset="0"/>
-                <a:cs typeface="Times New Roman" panose="02020603050405020304" charset="0"/>
-              </a:rPr>
-              <a:t>{</a:t>
-            </a:r>
-            <a:endParaRPr lang="en-US" altLang="zh-CN" sz="4400">
-              <a:latin typeface="Times New Roman" panose="02020603050405020304" charset="0"/>
-              <a:cs typeface="Times New Roman" panose="02020603050405020304" charset="0"/>
-            </a:endParaRPr>
-          </a:p>
-          <a:p>
-            <a:pPr algn="l"/>
-            <a:r>
-              <a:rPr lang="en-US" altLang="zh-CN" sz="4400">
-                <a:latin typeface="Times New Roman" panose="02020603050405020304" charset="0"/>
-                <a:cs typeface="Times New Roman" panose="02020603050405020304" charset="0"/>
-              </a:rPr>
-              <a:t>    cout &lt;&lt; "Hello, world!" &lt;&lt; endl;</a:t>
-            </a:r>
-            <a:endParaRPr lang="en-US" altLang="zh-CN" sz="4400">
-              <a:latin typeface="Times New Roman" panose="02020603050405020304" charset="0"/>
-              <a:cs typeface="Times New Roman" panose="02020603050405020304" charset="0"/>
-            </a:endParaRPr>
-          </a:p>
-          <a:p>
-            <a:pPr algn="l"/>
-            <a:r>
-              <a:rPr lang="en-US" altLang="zh-CN" sz="4400">
-                <a:latin typeface="Times New Roman" panose="02020603050405020304" charset="0"/>
-                <a:cs typeface="Times New Roman" panose="02020603050405020304" charset="0"/>
-              </a:rPr>
-              <a:t>    return 0;</a:t>
-            </a:r>
-            <a:endParaRPr lang="en-US" altLang="zh-CN" sz="4400">
-              <a:latin typeface="Times New Roman" panose="02020603050405020304" charset="0"/>
-              <a:cs typeface="Times New Roman" panose="02020603050405020304" charset="0"/>
-            </a:endParaRPr>
-          </a:p>
-          <a:p>
-            <a:pPr algn="l"/>
-            <a:r>
-              <a:rPr lang="en-US" altLang="zh-CN" sz="4400">
-                <a:latin typeface="Times New Roman" panose="02020603050405020304" charset="0"/>
-                <a:cs typeface="Times New Roman" panose="02020603050405020304" charset="0"/>
-              </a:rPr>
-              <a:t>}</a:t>
-            </a:r>
-            <a:endParaRPr lang="en-US" altLang="zh-CN" sz="4400">
+              <a:t>/Pascal</a:t>
+            </a:r>
+            <a:endParaRPr lang="zh-CN" altLang="en-US" sz="9600">
+              <a:solidFill>
+                <a:srgbClr val="666666"/>
+              </a:solidFill>
               <a:latin typeface="Times New Roman" panose="02020603050405020304" charset="0"/>
               <a:cs typeface="Times New Roman" panose="02020603050405020304" charset="0"/>
             </a:endParaRPr>
@@ -3548,8 +3565,8 @@
         </p:nvSpPr>
         <p:spPr>
           <a:xfrm>
-            <a:off x="1056005" y="1890395"/>
-            <a:ext cx="10080000" cy="3076575"/>
+            <a:off x="1056005" y="1013460"/>
+            <a:ext cx="10080000" cy="4831080"/>
           </a:xfrm>
           <a:prstGeom prst="rect">
             <a:avLst/>
@@ -3563,20 +3580,27 @@
           <a:p>
             <a:pPr algn="l"/>
             <a:r>
-              <a:rPr lang="en-US" altLang="zh-CN" sz="5400">
+              <a:rPr lang="en-US" altLang="zh-CN" sz="4400">
                 <a:latin typeface="Times New Roman" panose="02020603050405020304" charset="0"/>
                 <a:cs typeface="Times New Roman" panose="02020603050405020304" charset="0"/>
               </a:rPr>
-              <a:t>http://oj.noi.cn/oj/#main/show/1001</a:t>
-            </a:r>
-            <a:endParaRPr lang="en-US" altLang="zh-CN" sz="2800">
+              <a:t>#include &lt;iostream&gt;</a:t>
+            </a:r>
+            <a:endParaRPr lang="en-US" altLang="zh-CN" sz="4400">
               <a:latin typeface="Times New Roman" panose="02020603050405020304" charset="0"/>
               <a:cs typeface="Times New Roman" panose="02020603050405020304" charset="0"/>
             </a:endParaRPr>
           </a:p>
           <a:p>
             <a:pPr algn="l"/>
-            <a:endParaRPr lang="en-US" altLang="zh-CN" sz="2000">
+            <a:r>
+              <a:rPr lang="en-US" altLang="zh-CN" sz="4400">
+                <a:latin typeface="Times New Roman" panose="02020603050405020304" charset="0"/>
+                <a:cs typeface="Times New Roman" panose="02020603050405020304" charset="0"/>
+              </a:rPr>
+              <a:t>using namespace std;</a:t>
+            </a:r>
+            <a:endParaRPr lang="en-US" altLang="zh-CN" sz="4400">
               <a:latin typeface="Times New Roman" panose="02020603050405020304" charset="0"/>
               <a:cs typeface="Times New Roman" panose="02020603050405020304" charset="0"/>
             </a:endParaRPr>
@@ -3584,13 +3608,13 @@
           <a:p>
             <a:pPr algn="l"/>
             <a:r>
-              <a:rPr lang="en-US" altLang="zh-CN" sz="2000">
+              <a:rPr lang="en-US" altLang="zh-CN" sz="4400">
                 <a:latin typeface="Times New Roman" panose="02020603050405020304" charset="0"/>
                 <a:cs typeface="Times New Roman" panose="02020603050405020304" charset="0"/>
               </a:rPr>
-              <a:t>题目描述：将输入的华氏温度转换为摄氏温度。</a:t>
-            </a:r>
-            <a:endParaRPr lang="en-US" altLang="zh-CN" sz="2000">
+              <a:t>int main()</a:t>
+            </a:r>
+            <a:endParaRPr lang="en-US" altLang="zh-CN" sz="4400">
               <a:latin typeface="Times New Roman" panose="02020603050405020304" charset="0"/>
               <a:cs typeface="Times New Roman" panose="02020603050405020304" charset="0"/>
             </a:endParaRPr>
@@ -3598,13 +3622,13 @@
           <a:p>
             <a:pPr algn="l"/>
             <a:r>
-              <a:rPr lang="en-US" altLang="zh-CN" sz="2000">
+              <a:rPr lang="en-US" altLang="zh-CN" sz="4400">
                 <a:latin typeface="Times New Roman" panose="02020603050405020304" charset="0"/>
                 <a:cs typeface="Times New Roman" panose="02020603050405020304" charset="0"/>
               </a:rPr>
-              <a:t>由华氏温度F与摄氏温度C的转换公式为：F＝C×9/5＋32。</a:t>
-            </a:r>
-            <a:endParaRPr lang="en-US" altLang="zh-CN" sz="2000">
+              <a:t>{</a:t>
+            </a:r>
+            <a:endParaRPr lang="en-US" altLang="zh-CN" sz="4400">
               <a:latin typeface="Times New Roman" panose="02020603050405020304" charset="0"/>
               <a:cs typeface="Times New Roman" panose="02020603050405020304" charset="0"/>
             </a:endParaRPr>
@@ -3612,13 +3636,13 @@
           <a:p>
             <a:pPr algn="l"/>
             <a:r>
-              <a:rPr lang="en-US" altLang="zh-CN" sz="2000">
+              <a:rPr lang="en-US" altLang="zh-CN" sz="4400">
                 <a:latin typeface="Times New Roman" panose="02020603050405020304" charset="0"/>
                 <a:cs typeface="Times New Roman" panose="02020603050405020304" charset="0"/>
               </a:rPr>
-              <a:t>输入：输入一个实数，表示华氏温度</a:t>
-            </a:r>
-            <a:endParaRPr lang="en-US" altLang="zh-CN" sz="2000">
+              <a:t>    cout &lt;&lt; "Hello, world!" &lt;&lt; endl;</a:t>
+            </a:r>
+            <a:endParaRPr lang="en-US" altLang="zh-CN" sz="4400">
               <a:latin typeface="Times New Roman" panose="02020603050405020304" charset="0"/>
               <a:cs typeface="Times New Roman" panose="02020603050405020304" charset="0"/>
             </a:endParaRPr>
@@ -3626,13 +3650,13 @@
           <a:p>
             <a:pPr algn="l"/>
             <a:r>
-              <a:rPr lang="en-US" altLang="zh-CN" sz="2000">
+              <a:rPr lang="en-US" altLang="zh-CN" sz="4400">
                 <a:latin typeface="Times New Roman" panose="02020603050405020304" charset="0"/>
                 <a:cs typeface="Times New Roman" panose="02020603050405020304" charset="0"/>
               </a:rPr>
-              <a:t>输出： 输出对应的摄氏温度，答案保留4位小数。</a:t>
-            </a:r>
-            <a:endParaRPr lang="en-US" altLang="zh-CN" sz="2000">
+              <a:t>    return 0;</a:t>
+            </a:r>
+            <a:endParaRPr lang="en-US" altLang="zh-CN" sz="4400">
               <a:latin typeface="Times New Roman" panose="02020603050405020304" charset="0"/>
               <a:cs typeface="Times New Roman" panose="02020603050405020304" charset="0"/>
             </a:endParaRPr>
@@ -3640,27 +3664,13 @@
           <a:p>
             <a:pPr algn="l"/>
             <a:r>
-              <a:rPr lang="en-US" altLang="zh-CN" sz="2000">
+              <a:rPr lang="en-US" altLang="zh-CN" sz="4400">
                 <a:latin typeface="Times New Roman" panose="02020603050405020304" charset="0"/>
                 <a:cs typeface="Times New Roman" panose="02020603050405020304" charset="0"/>
               </a:rPr>
-              <a:t>样例输入：50</a:t>
-            </a:r>
-            <a:endParaRPr lang="en-US" altLang="zh-CN" sz="2000">
-              <a:latin typeface="Times New Roman" panose="02020603050405020304" charset="0"/>
-              <a:cs typeface="Times New Roman" panose="02020603050405020304" charset="0"/>
-            </a:endParaRPr>
-          </a:p>
-          <a:p>
-            <a:pPr algn="l"/>
-            <a:r>
-              <a:rPr lang="en-US" altLang="zh-CN" sz="2000">
-                <a:latin typeface="Times New Roman" panose="02020603050405020304" charset="0"/>
-                <a:cs typeface="Times New Roman" panose="02020603050405020304" charset="0"/>
-              </a:rPr>
-              <a:t>样例输出：10.0000</a:t>
-            </a:r>
-            <a:endParaRPr lang="en-US" altLang="zh-CN" sz="2000">
+              <a:t>}</a:t>
+            </a:r>
+            <a:endParaRPr lang="en-US" altLang="zh-CN" sz="4400">
               <a:latin typeface="Times New Roman" panose="02020603050405020304" charset="0"/>
               <a:cs typeface="Times New Roman" panose="02020603050405020304" charset="0"/>
             </a:endParaRPr>
@@ -3704,8 +3714,8 @@
         </p:nvSpPr>
         <p:spPr>
           <a:xfrm>
-            <a:off x="1056005" y="59690"/>
-            <a:ext cx="10080000" cy="6739255"/>
+            <a:off x="1056005" y="1890395"/>
+            <a:ext cx="10080000" cy="3076575"/>
           </a:xfrm>
           <a:prstGeom prst="rect">
             <a:avLst/>
@@ -3719,27 +3729,34 @@
           <a:p>
             <a:pPr algn="l"/>
             <a:r>
-              <a:rPr lang="en-US" altLang="zh-CN" sz="3600">
+              <a:rPr lang="en-US" altLang="zh-CN" sz="5400">
                 <a:latin typeface="Times New Roman" panose="02020603050405020304" charset="0"/>
                 <a:cs typeface="Times New Roman" panose="02020603050405020304" charset="0"/>
               </a:rPr>
-              <a:t>#include &lt;iostream&gt;</a:t>
-            </a:r>
-            <a:endParaRPr lang="en-US" altLang="zh-CN" sz="3600">
+              <a:t>http://oj.noi.cn/oj/#main/show/1001</a:t>
+            </a:r>
+            <a:endParaRPr lang="en-US" altLang="zh-CN" sz="2800">
               <a:latin typeface="Times New Roman" panose="02020603050405020304" charset="0"/>
               <a:cs typeface="Times New Roman" panose="02020603050405020304" charset="0"/>
             </a:endParaRPr>
           </a:p>
           <a:p>
             <a:pPr algn="l"/>
-            <a:r>
-              <a:rPr lang="en-US" altLang="zh-CN" sz="3600">
+            <a:endParaRPr lang="en-US" altLang="zh-CN" sz="2000">
+              <a:latin typeface="Times New Roman" panose="02020603050405020304" charset="0"/>
+              <a:cs typeface="Times New Roman" panose="02020603050405020304" charset="0"/>
+            </a:endParaRPr>
+          </a:p>
+          <a:p>
+            <a:pPr algn="l"/>
+            <a:r>
+              <a:rPr lang="en-US" altLang="zh-CN" sz="2000">
                 <a:latin typeface="Times New Roman" panose="02020603050405020304" charset="0"/>
                 <a:cs typeface="Times New Roman" panose="02020603050405020304" charset="0"/>
               </a:rPr>
-              <a:t>#include &lt;stdio.h&gt;</a:t>
-            </a:r>
-            <a:endParaRPr lang="en-US" altLang="zh-CN" sz="3600">
+              <a:t>题目描述：将输入的华氏温度转换为摄氏温度。</a:t>
+            </a:r>
+            <a:endParaRPr lang="en-US" altLang="zh-CN" sz="2000">
               <a:latin typeface="Times New Roman" panose="02020603050405020304" charset="0"/>
               <a:cs typeface="Times New Roman" panose="02020603050405020304" charset="0"/>
             </a:endParaRPr>
@@ -3747,20 +3764,27 @@
           <a:p>
             <a:pPr algn="l"/>
             <a:r>
-              <a:rPr lang="en-US" altLang="zh-CN" sz="3600">
+              <a:rPr lang="en-US" altLang="zh-CN" sz="2000">
                 <a:latin typeface="Times New Roman" panose="02020603050405020304" charset="0"/>
                 <a:cs typeface="Times New Roman" panose="02020603050405020304" charset="0"/>
               </a:rPr>
-              <a:t>using namespace std;</a:t>
-            </a:r>
-            <a:endParaRPr lang="en-US" altLang="zh-CN" sz="3600">
+              <a:t>由华氏温度F与摄氏温度C的转换公式为：F＝C×9/5＋32。</a:t>
+            </a:r>
+            <a:endParaRPr lang="en-US" altLang="zh-CN" sz="2000">
               <a:latin typeface="Times New Roman" panose="02020603050405020304" charset="0"/>
               <a:cs typeface="Times New Roman" panose="02020603050405020304" charset="0"/>
             </a:endParaRPr>
           </a:p>
           <a:p>
             <a:pPr algn="l"/>
-            <a:endParaRPr lang="en-US" altLang="zh-CN" sz="3600">
+            <a:r>
+              <a:rPr lang="en-US" altLang="zh-CN" sz="2000">
+                <a:latin typeface="Times New Roman" panose="02020603050405020304" charset="0"/>
+                <a:cs typeface="Times New Roman" panose="02020603050405020304" charset="0"/>
+              </a:rPr>
+              <a:t>输入：输入一个实数，表示华氏温度</a:t>
+            </a:r>
+            <a:endParaRPr lang="en-US" altLang="zh-CN" sz="2000">
               <a:latin typeface="Times New Roman" panose="02020603050405020304" charset="0"/>
               <a:cs typeface="Times New Roman" panose="02020603050405020304" charset="0"/>
             </a:endParaRPr>
@@ -3768,13 +3792,13 @@
           <a:p>
             <a:pPr algn="l"/>
             <a:r>
-              <a:rPr lang="en-US" altLang="zh-CN" sz="3600">
+              <a:rPr lang="en-US" altLang="zh-CN" sz="2000">
                 <a:latin typeface="Times New Roman" panose="02020603050405020304" charset="0"/>
                 <a:cs typeface="Times New Roman" panose="02020603050405020304" charset="0"/>
               </a:rPr>
-              <a:t>int main(int argc, char** argv) {</a:t>
-            </a:r>
-            <a:endParaRPr lang="en-US" altLang="zh-CN" sz="3600">
+              <a:t>输出： 输出对应的摄氏温度，答案保留4位小数。</a:t>
+            </a:r>
+            <a:endParaRPr lang="en-US" altLang="zh-CN" sz="2000">
               <a:latin typeface="Times New Roman" panose="02020603050405020304" charset="0"/>
               <a:cs typeface="Times New Roman" panose="02020603050405020304" charset="0"/>
             </a:endParaRPr>
@@ -3782,13 +3806,13 @@
           <a:p>
             <a:pPr algn="l"/>
             <a:r>
-              <a:rPr lang="en-US" altLang="zh-CN" sz="3600">
+              <a:rPr lang="en-US" altLang="zh-CN" sz="2000">
                 <a:latin typeface="Times New Roman" panose="02020603050405020304" charset="0"/>
                 <a:cs typeface="Times New Roman" panose="02020603050405020304" charset="0"/>
               </a:rPr>
-              <a:t>	float f, c;</a:t>
-            </a:r>
-            <a:endParaRPr lang="en-US" altLang="zh-CN" sz="3600">
+              <a:t>样例输入：50</a:t>
+            </a:r>
+            <a:endParaRPr lang="en-US" altLang="zh-CN" sz="2000">
               <a:latin typeface="Times New Roman" panose="02020603050405020304" charset="0"/>
               <a:cs typeface="Times New Roman" panose="02020603050405020304" charset="0"/>
             </a:endParaRPr>
@@ -3796,83 +3820,13 @@
           <a:p>
             <a:pPr algn="l"/>
             <a:r>
-              <a:rPr lang="en-US" altLang="zh-CN" sz="3600">
+              <a:rPr lang="en-US" altLang="zh-CN" sz="2000">
                 <a:latin typeface="Times New Roman" panose="02020603050405020304" charset="0"/>
                 <a:cs typeface="Times New Roman" panose="02020603050405020304" charset="0"/>
               </a:rPr>
-              <a:t>	while(scanf("%f", &amp;f) != EOF) {</a:t>
-            </a:r>
-            <a:endParaRPr lang="en-US" altLang="zh-CN" sz="3600">
-              <a:latin typeface="Times New Roman" panose="02020603050405020304" charset="0"/>
-              <a:cs typeface="Times New Roman" panose="02020603050405020304" charset="0"/>
-            </a:endParaRPr>
-          </a:p>
-          <a:p>
-            <a:pPr algn="l"/>
-            <a:r>
-              <a:rPr lang="en-US" altLang="zh-CN" sz="3600">
-                <a:latin typeface="Times New Roman" panose="02020603050405020304" charset="0"/>
-                <a:cs typeface="Times New Roman" panose="02020603050405020304" charset="0"/>
-              </a:rPr>
-              <a:t>		c = (f - 32) * 5 / 9;</a:t>
-            </a:r>
-            <a:endParaRPr lang="en-US" altLang="zh-CN" sz="3600">
-              <a:latin typeface="Times New Roman" panose="02020603050405020304" charset="0"/>
-              <a:cs typeface="Times New Roman" panose="02020603050405020304" charset="0"/>
-            </a:endParaRPr>
-          </a:p>
-          <a:p>
-            <a:pPr algn="l"/>
-            <a:r>
-              <a:rPr lang="en-US" altLang="zh-CN" sz="3600">
-                <a:latin typeface="Times New Roman" panose="02020603050405020304" charset="0"/>
-                <a:cs typeface="Times New Roman" panose="02020603050405020304" charset="0"/>
-              </a:rPr>
-              <a:t>		printf("%.4f\r\n", c);</a:t>
-            </a:r>
-            <a:endParaRPr lang="en-US" altLang="zh-CN" sz="3600">
-              <a:latin typeface="Times New Roman" panose="02020603050405020304" charset="0"/>
-              <a:cs typeface="Times New Roman" panose="02020603050405020304" charset="0"/>
-            </a:endParaRPr>
-          </a:p>
-          <a:p>
-            <a:pPr algn="l"/>
-            <a:r>
-              <a:rPr lang="en-US" altLang="zh-CN" sz="3600">
-                <a:latin typeface="Times New Roman" panose="02020603050405020304" charset="0"/>
-                <a:cs typeface="Times New Roman" panose="02020603050405020304" charset="0"/>
-              </a:rPr>
-              <a:t>	}</a:t>
-            </a:r>
-            <a:endParaRPr lang="en-US" altLang="zh-CN" sz="3600">
-              <a:latin typeface="Times New Roman" panose="02020603050405020304" charset="0"/>
-              <a:cs typeface="Times New Roman" panose="02020603050405020304" charset="0"/>
-            </a:endParaRPr>
-          </a:p>
-          <a:p>
-            <a:pPr algn="l"/>
-            <a:r>
-              <a:rPr lang="en-US" altLang="zh-CN" sz="3600">
-                <a:latin typeface="Times New Roman" panose="02020603050405020304" charset="0"/>
-                <a:cs typeface="Times New Roman" panose="02020603050405020304" charset="0"/>
-              </a:rPr>
-              <a:t>	return 0;</a:t>
-            </a:r>
-            <a:endParaRPr lang="en-US" altLang="zh-CN" sz="3600">
-              <a:latin typeface="Times New Roman" panose="02020603050405020304" charset="0"/>
-              <a:cs typeface="Times New Roman" panose="02020603050405020304" charset="0"/>
-            </a:endParaRPr>
-          </a:p>
-          <a:p>
-            <a:pPr algn="l"/>
-            <a:r>
-              <a:rPr lang="en-US" altLang="zh-CN" sz="3600">
-                <a:latin typeface="Times New Roman" panose="02020603050405020304" charset="0"/>
-                <a:cs typeface="Times New Roman" panose="02020603050405020304" charset="0"/>
-              </a:rPr>
-              <a:t>}</a:t>
-            </a:r>
-            <a:endParaRPr lang="en-US" altLang="zh-CN" sz="3600">
+              <a:t>样例输出：10.0000</a:t>
+            </a:r>
+            <a:endParaRPr lang="en-US" altLang="zh-CN" sz="2000">
               <a:latin typeface="Times New Roman" panose="02020603050405020304" charset="0"/>
               <a:cs typeface="Times New Roman" panose="02020603050405020304" charset="0"/>
             </a:endParaRPr>
@@ -3888,6 +3842,218 @@
 </file>
 
 <file path=ppt/slides/slide16.xml><?xml version="1.0" encoding="utf-8"?>
+<p:sld xmlns:a="http://schemas.openxmlformats.org/drawingml/2006/main" xmlns:r="http://schemas.openxmlformats.org/officeDocument/2006/relationships" xmlns:p="http://schemas.openxmlformats.org/presentationml/2006/main">
+  <p:cSld>
+    <p:bg>
+      <p:bgPr>
+        <a:solidFill>
+          <a:schemeClr val="accent3">
+            <a:lumMod val="40000"/>
+            <a:lumOff val="60000"/>
+          </a:schemeClr>
+        </a:solidFill>
+        <a:effectLst/>
+      </p:bgPr>
+    </p:bg>
+    <p:spTree>
+      <p:nvGrpSpPr>
+        <p:cNvPr id="1" name=""/>
+        <p:cNvGrpSpPr/>
+        <p:nvPr/>
+      </p:nvGrpSpPr>
+      <p:grpSpPr/>
+      <p:sp>
+        <p:nvSpPr>
+          <p:cNvPr id="4" name="文本框 3"/>
+          <p:cNvSpPr txBox="1"/>
+          <p:nvPr/>
+        </p:nvSpPr>
+        <p:spPr>
+          <a:xfrm>
+            <a:off x="1056005" y="59690"/>
+            <a:ext cx="10080000" cy="6739255"/>
+          </a:xfrm>
+          <a:prstGeom prst="rect">
+            <a:avLst/>
+          </a:prstGeom>
+          <a:noFill/>
+        </p:spPr>
+        <p:txBody>
+          <a:bodyPr wrap="square" rtlCol="0" anchor="t">
+            <a:spAutoFit/>
+          </a:bodyPr>
+          <a:p>
+            <a:pPr algn="l"/>
+            <a:r>
+              <a:rPr lang="en-US" altLang="zh-CN" sz="3600">
+                <a:latin typeface="Times New Roman" panose="02020603050405020304" charset="0"/>
+                <a:cs typeface="Times New Roman" panose="02020603050405020304" charset="0"/>
+              </a:rPr>
+              <a:t>#include &lt;iostream&gt;</a:t>
+            </a:r>
+            <a:endParaRPr lang="en-US" altLang="zh-CN" sz="3600">
+              <a:latin typeface="Times New Roman" panose="02020603050405020304" charset="0"/>
+              <a:cs typeface="Times New Roman" panose="02020603050405020304" charset="0"/>
+            </a:endParaRPr>
+          </a:p>
+          <a:p>
+            <a:pPr algn="l"/>
+            <a:r>
+              <a:rPr lang="en-US" altLang="zh-CN" sz="3600">
+                <a:latin typeface="Times New Roman" panose="02020603050405020304" charset="0"/>
+                <a:cs typeface="Times New Roman" panose="02020603050405020304" charset="0"/>
+              </a:rPr>
+              <a:t>#include &lt;stdio.h&gt;</a:t>
+            </a:r>
+            <a:endParaRPr lang="en-US" altLang="zh-CN" sz="3600">
+              <a:latin typeface="Times New Roman" panose="02020603050405020304" charset="0"/>
+              <a:cs typeface="Times New Roman" panose="02020603050405020304" charset="0"/>
+            </a:endParaRPr>
+          </a:p>
+          <a:p>
+            <a:pPr algn="l"/>
+            <a:r>
+              <a:rPr lang="en-US" altLang="zh-CN" sz="3600">
+                <a:latin typeface="Times New Roman" panose="02020603050405020304" charset="0"/>
+                <a:cs typeface="Times New Roman" panose="02020603050405020304" charset="0"/>
+              </a:rPr>
+              <a:t>using namespace std;</a:t>
+            </a:r>
+            <a:endParaRPr lang="en-US" altLang="zh-CN" sz="3600">
+              <a:latin typeface="Times New Roman" panose="02020603050405020304" charset="0"/>
+              <a:cs typeface="Times New Roman" panose="02020603050405020304" charset="0"/>
+            </a:endParaRPr>
+          </a:p>
+          <a:p>
+            <a:pPr algn="l"/>
+            <a:endParaRPr lang="en-US" altLang="zh-CN" sz="3600">
+              <a:latin typeface="Times New Roman" panose="02020603050405020304" charset="0"/>
+              <a:cs typeface="Times New Roman" panose="02020603050405020304" charset="0"/>
+            </a:endParaRPr>
+          </a:p>
+          <a:p>
+            <a:pPr algn="l"/>
+            <a:r>
+              <a:rPr lang="en-US" altLang="zh-CN" sz="3600">
+                <a:latin typeface="Times New Roman" panose="02020603050405020304" charset="0"/>
+                <a:cs typeface="Times New Roman" panose="02020603050405020304" charset="0"/>
+              </a:rPr>
+              <a:t>int main(int argc, char** argv) {</a:t>
+            </a:r>
+            <a:endParaRPr lang="en-US" altLang="zh-CN" sz="3600">
+              <a:latin typeface="Times New Roman" panose="02020603050405020304" charset="0"/>
+              <a:cs typeface="Times New Roman" panose="02020603050405020304" charset="0"/>
+            </a:endParaRPr>
+          </a:p>
+          <a:p>
+            <a:pPr algn="l"/>
+            <a:r>
+              <a:rPr lang="en-US" altLang="zh-CN" sz="3600">
+                <a:latin typeface="Times New Roman" panose="02020603050405020304" charset="0"/>
+                <a:cs typeface="Times New Roman" panose="02020603050405020304" charset="0"/>
+              </a:rPr>
+              <a:t>	float f, c;</a:t>
+            </a:r>
+            <a:endParaRPr lang="en-US" altLang="zh-CN" sz="3600">
+              <a:latin typeface="Times New Roman" panose="02020603050405020304" charset="0"/>
+              <a:cs typeface="Times New Roman" panose="02020603050405020304" charset="0"/>
+            </a:endParaRPr>
+          </a:p>
+          <a:p>
+            <a:pPr algn="l"/>
+            <a:r>
+              <a:rPr lang="en-US" altLang="zh-CN" sz="3600">
+                <a:latin typeface="Times New Roman" panose="02020603050405020304" charset="0"/>
+                <a:cs typeface="Times New Roman" panose="02020603050405020304" charset="0"/>
+              </a:rPr>
+              <a:t>	while(scanf("%f", &amp;f) != EOF) {</a:t>
+            </a:r>
+            <a:endParaRPr lang="en-US" altLang="zh-CN" sz="3600">
+              <a:latin typeface="Times New Roman" panose="02020603050405020304" charset="0"/>
+              <a:cs typeface="Times New Roman" panose="02020603050405020304" charset="0"/>
+            </a:endParaRPr>
+          </a:p>
+          <a:p>
+            <a:pPr algn="l"/>
+            <a:r>
+              <a:rPr lang="en-US" altLang="zh-CN" sz="3600">
+                <a:latin typeface="Times New Roman" panose="02020603050405020304" charset="0"/>
+                <a:cs typeface="Times New Roman" panose="02020603050405020304" charset="0"/>
+              </a:rPr>
+              <a:t>		c = (f - 32) * 5 / 9;</a:t>
+            </a:r>
+            <a:endParaRPr lang="en-US" altLang="zh-CN" sz="3600">
+              <a:latin typeface="Times New Roman" panose="02020603050405020304" charset="0"/>
+              <a:cs typeface="Times New Roman" panose="02020603050405020304" charset="0"/>
+            </a:endParaRPr>
+          </a:p>
+          <a:p>
+            <a:pPr algn="l"/>
+            <a:r>
+              <a:rPr lang="en-US" altLang="zh-CN" sz="3600">
+                <a:latin typeface="Times New Roman" panose="02020603050405020304" charset="0"/>
+                <a:cs typeface="Times New Roman" panose="02020603050405020304" charset="0"/>
+              </a:rPr>
+              <a:t>		printf("%.4f\r\n", c);</a:t>
+            </a:r>
+            <a:endParaRPr lang="en-US" altLang="zh-CN" sz="3600">
+              <a:latin typeface="Times New Roman" panose="02020603050405020304" charset="0"/>
+              <a:cs typeface="Times New Roman" panose="02020603050405020304" charset="0"/>
+            </a:endParaRPr>
+          </a:p>
+          <a:p>
+            <a:pPr algn="l"/>
+            <a:r>
+              <a:rPr lang="en-US" altLang="zh-CN" sz="3600">
+                <a:latin typeface="Times New Roman" panose="02020603050405020304" charset="0"/>
+                <a:cs typeface="Times New Roman" panose="02020603050405020304" charset="0"/>
+              </a:rPr>
+              <a:t>	}</a:t>
+            </a:r>
+            <a:endParaRPr lang="en-US" altLang="zh-CN" sz="3600">
+              <a:latin typeface="Times New Roman" panose="02020603050405020304" charset="0"/>
+              <a:cs typeface="Times New Roman" panose="02020603050405020304" charset="0"/>
+            </a:endParaRPr>
+          </a:p>
+          <a:p>
+            <a:pPr algn="l"/>
+            <a:r>
+              <a:rPr lang="en-US" altLang="zh-CN" sz="3600">
+                <a:latin typeface="Times New Roman" panose="02020603050405020304" charset="0"/>
+                <a:cs typeface="Times New Roman" panose="02020603050405020304" charset="0"/>
+              </a:rPr>
+              <a:t>	return 0;</a:t>
+            </a:r>
+            <a:endParaRPr lang="en-US" altLang="zh-CN" sz="3600">
+              <a:latin typeface="Times New Roman" panose="02020603050405020304" charset="0"/>
+              <a:cs typeface="Times New Roman" panose="02020603050405020304" charset="0"/>
+            </a:endParaRPr>
+          </a:p>
+          <a:p>
+            <a:pPr algn="l"/>
+            <a:r>
+              <a:rPr lang="en-US" altLang="zh-CN" sz="3600">
+                <a:latin typeface="Times New Roman" panose="02020603050405020304" charset="0"/>
+                <a:cs typeface="Times New Roman" panose="02020603050405020304" charset="0"/>
+              </a:rPr>
+              <a:t>}</a:t>
+            </a:r>
+            <a:endParaRPr lang="en-US" altLang="zh-CN" sz="3600">
+              <a:latin typeface="Times New Roman" panose="02020603050405020304" charset="0"/>
+              <a:cs typeface="Times New Roman" panose="02020603050405020304" charset="0"/>
+            </a:endParaRPr>
+          </a:p>
+        </p:txBody>
+      </p:sp>
+    </p:spTree>
+  </p:cSld>
+  <p:clrMapOvr>
+    <a:masterClrMapping/>
+  </p:clrMapOvr>
+</p:sld>
+</file>
+
+<file path=ppt/slides/slide17.xml><?xml version="1.0" encoding="utf-8"?>
 <p:sld xmlns:a="http://schemas.openxmlformats.org/drawingml/2006/main" xmlns:r="http://schemas.openxmlformats.org/officeDocument/2006/relationships" xmlns:p="http://schemas.openxmlformats.org/presentationml/2006/main">
   <p:cSld>
     <p:bg>
@@ -3940,7 +4106,7 @@
 </p:sld>
 </file>
 
-<file path=ppt/slides/slide17.xml><?xml version="1.0" encoding="utf-8"?>
+<file path=ppt/slides/slide18.xml><?xml version="1.0" encoding="utf-8"?>
 <p:sld xmlns:a="http://schemas.openxmlformats.org/drawingml/2006/main" xmlns:r="http://schemas.openxmlformats.org/officeDocument/2006/relationships" xmlns:p="http://schemas.openxmlformats.org/presentationml/2006/main">
   <p:cSld>
     <p:bg>
@@ -3993,7 +4159,7 @@
 </p:sld>
 </file>
 
-<file path=ppt/slides/slide18.xml><?xml version="1.0" encoding="utf-8"?>
+<file path=ppt/slides/slide19.xml><?xml version="1.0" encoding="utf-8"?>
 <p:sld xmlns:a="http://schemas.openxmlformats.org/drawingml/2006/main" xmlns:r="http://schemas.openxmlformats.org/officeDocument/2006/relationships" xmlns:p="http://schemas.openxmlformats.org/presentationml/2006/main">
   <p:cSld>
     <p:bg>
@@ -4046,7 +4212,121 @@
 </p:sld>
 </file>
 
-<file path=ppt/slides/slide19.xml><?xml version="1.0" encoding="utf-8"?>
+<file path=ppt/slides/slide2.xml><?xml version="1.0" encoding="utf-8"?>
+<p:sld xmlns:a="http://schemas.openxmlformats.org/drawingml/2006/main" xmlns:r="http://schemas.openxmlformats.org/officeDocument/2006/relationships" xmlns:p="http://schemas.openxmlformats.org/presentationml/2006/main">
+  <p:cSld>
+    <p:bg>
+      <p:bgPr>
+        <a:solidFill>
+          <a:schemeClr val="accent3">
+            <a:lumMod val="40000"/>
+            <a:lumOff val="60000"/>
+          </a:schemeClr>
+        </a:solidFill>
+        <a:effectLst/>
+      </p:bgPr>
+    </p:bg>
+    <p:spTree>
+      <p:nvGrpSpPr>
+        <p:cNvPr id="1" name=""/>
+        <p:cNvGrpSpPr/>
+        <p:nvPr/>
+      </p:nvGrpSpPr>
+      <p:grpSpPr/>
+      <p:sp>
+        <p:nvSpPr>
+          <p:cNvPr id="4" name="文本框 3"/>
+          <p:cNvSpPr txBox="1"/>
+          <p:nvPr/>
+        </p:nvSpPr>
+        <p:spPr>
+          <a:xfrm>
+            <a:off x="1056005" y="2275840"/>
+            <a:ext cx="10080000" cy="2306955"/>
+          </a:xfrm>
+          <a:prstGeom prst="rect">
+            <a:avLst/>
+          </a:prstGeom>
+          <a:noFill/>
+        </p:spPr>
+        <p:txBody>
+          <a:bodyPr wrap="square" rtlCol="0" anchor="t">
+            <a:spAutoFit/>
+          </a:bodyPr>
+          <a:p>
+            <a:r>
+              <a:rPr lang="zh-CN" altLang="en-US" sz="7200">
+                <a:solidFill>
+                  <a:srgbClr val="666666"/>
+                </a:solidFill>
+                <a:latin typeface="Times New Roman" panose="02020603050405020304" charset="0"/>
+                <a:ea typeface="楷体" panose="02010609060101010101" charset="-122"/>
+                <a:cs typeface="Times New Roman" panose="02020603050405020304" charset="0"/>
+              </a:rPr>
+              <a:t>NOIP</a:t>
+            </a:r>
+            <a:endParaRPr lang="zh-CN" altLang="en-US" sz="3600">
+              <a:solidFill>
+                <a:srgbClr val="666666"/>
+              </a:solidFill>
+              <a:latin typeface="Times New Roman" panose="02020603050405020304" charset="0"/>
+              <a:ea typeface="楷体" panose="02010609060101010101" charset="-122"/>
+              <a:cs typeface="Times New Roman" panose="02020603050405020304" charset="0"/>
+            </a:endParaRPr>
+          </a:p>
+          <a:p>
+            <a:r>
+              <a:rPr lang="zh-CN" altLang="en-US" sz="3600">
+                <a:solidFill>
+                  <a:srgbClr val="666666"/>
+                </a:solidFill>
+                <a:latin typeface="Times New Roman" panose="02020603050405020304" charset="0"/>
+                <a:ea typeface="楷体" panose="02010609060101010101" charset="-122"/>
+                <a:cs typeface="Times New Roman" panose="02020603050405020304" charset="0"/>
+              </a:rPr>
+              <a:t>National Olympic Informatics in Provinces</a:t>
+            </a:r>
+            <a:endParaRPr lang="zh-CN" altLang="en-US" sz="3600">
+              <a:solidFill>
+                <a:srgbClr val="666666"/>
+              </a:solidFill>
+              <a:latin typeface="Times New Roman" panose="02020603050405020304" charset="0"/>
+              <a:ea typeface="楷体" panose="02010609060101010101" charset="-122"/>
+              <a:cs typeface="Times New Roman" panose="02020603050405020304" charset="0"/>
+            </a:endParaRPr>
+          </a:p>
+          <a:p>
+            <a:r>
+              <a:rPr lang="zh-CN" altLang="en-US" sz="3600">
+                <a:solidFill>
+                  <a:srgbClr val="666666"/>
+                </a:solidFill>
+                <a:latin typeface="楷体" panose="02010609060101010101" charset="-122"/>
+                <a:ea typeface="楷体" panose="02010609060101010101" charset="-122"/>
+                <a:cs typeface="楷体" panose="02010609060101010101" charset="-122"/>
+              </a:rPr>
+              <a:t>全国青少年信息学奥林匹克联赛</a:t>
+            </a:r>
+            <a:endParaRPr lang="zh-CN" altLang="en-US" sz="3600">
+              <a:solidFill>
+                <a:srgbClr val="666666"/>
+              </a:solidFill>
+              <a:latin typeface="楷体" panose="02010609060101010101" charset="-122"/>
+              <a:ea typeface="楷体" panose="02010609060101010101" charset="-122"/>
+              <a:cs typeface="楷体" panose="02010609060101010101" charset="-122"/>
+            </a:endParaRPr>
+          </a:p>
+        </p:txBody>
+      </p:sp>
+    </p:spTree>
+  </p:cSld>
+  <p:clrMapOvr>
+    <a:masterClrMapping/>
+  </p:clrMapOvr>
+</p:sld>
+</file>
+
+<file path=ppt/slides/slide20.xml><?xml version="1.0" encoding="utf-8"?>
 <p:sld xmlns:a="http://schemas.openxmlformats.org/drawingml/2006/main" xmlns:r="http://schemas.openxmlformats.org/officeDocument/2006/relationships" xmlns:p="http://schemas.openxmlformats.org/presentationml/2006/main">
   <p:cSld>
     <p:bg>
@@ -4099,121 +4379,7 @@
 </p:sld>
 </file>
 
-<file path=ppt/slides/slide2.xml><?xml version="1.0" encoding="utf-8"?>
-<p:sld xmlns:a="http://schemas.openxmlformats.org/drawingml/2006/main" xmlns:r="http://schemas.openxmlformats.org/officeDocument/2006/relationships" xmlns:p="http://schemas.openxmlformats.org/presentationml/2006/main">
-  <p:cSld>
-    <p:bg>
-      <p:bgPr>
-        <a:solidFill>
-          <a:schemeClr val="accent3">
-            <a:lumMod val="40000"/>
-            <a:lumOff val="60000"/>
-          </a:schemeClr>
-        </a:solidFill>
-        <a:effectLst/>
-      </p:bgPr>
-    </p:bg>
-    <p:spTree>
-      <p:nvGrpSpPr>
-        <p:cNvPr id="1" name=""/>
-        <p:cNvGrpSpPr/>
-        <p:nvPr/>
-      </p:nvGrpSpPr>
-      <p:grpSpPr/>
-      <p:sp>
-        <p:nvSpPr>
-          <p:cNvPr id="4" name="文本框 3"/>
-          <p:cNvSpPr txBox="1"/>
-          <p:nvPr/>
-        </p:nvSpPr>
-        <p:spPr>
-          <a:xfrm>
-            <a:off x="1056005" y="2275840"/>
-            <a:ext cx="10080000" cy="2306955"/>
-          </a:xfrm>
-          <a:prstGeom prst="rect">
-            <a:avLst/>
-          </a:prstGeom>
-          <a:noFill/>
-        </p:spPr>
-        <p:txBody>
-          <a:bodyPr wrap="square" rtlCol="0" anchor="t">
-            <a:spAutoFit/>
-          </a:bodyPr>
-          <a:p>
-            <a:r>
-              <a:rPr lang="zh-CN" altLang="en-US" sz="7200">
-                <a:solidFill>
-                  <a:srgbClr val="666666"/>
-                </a:solidFill>
-                <a:latin typeface="Times New Roman" panose="02020603050405020304" charset="0"/>
-                <a:ea typeface="楷体" panose="02010609060101010101" charset="-122"/>
-                <a:cs typeface="Times New Roman" panose="02020603050405020304" charset="0"/>
-              </a:rPr>
-              <a:t>NOIP</a:t>
-            </a:r>
-            <a:endParaRPr lang="zh-CN" altLang="en-US" sz="3600">
-              <a:solidFill>
-                <a:srgbClr val="666666"/>
-              </a:solidFill>
-              <a:latin typeface="Times New Roman" panose="02020603050405020304" charset="0"/>
-              <a:ea typeface="楷体" panose="02010609060101010101" charset="-122"/>
-              <a:cs typeface="Times New Roman" panose="02020603050405020304" charset="0"/>
-            </a:endParaRPr>
-          </a:p>
-          <a:p>
-            <a:r>
-              <a:rPr lang="zh-CN" altLang="en-US" sz="3600">
-                <a:solidFill>
-                  <a:srgbClr val="666666"/>
-                </a:solidFill>
-                <a:latin typeface="Times New Roman" panose="02020603050405020304" charset="0"/>
-                <a:ea typeface="楷体" panose="02010609060101010101" charset="-122"/>
-                <a:cs typeface="Times New Roman" panose="02020603050405020304" charset="0"/>
-              </a:rPr>
-              <a:t>National Olympic Informatics in Provinces</a:t>
-            </a:r>
-            <a:endParaRPr lang="zh-CN" altLang="en-US" sz="3600">
-              <a:solidFill>
-                <a:srgbClr val="666666"/>
-              </a:solidFill>
-              <a:latin typeface="Times New Roman" panose="02020603050405020304" charset="0"/>
-              <a:ea typeface="楷体" panose="02010609060101010101" charset="-122"/>
-              <a:cs typeface="Times New Roman" panose="02020603050405020304" charset="0"/>
-            </a:endParaRPr>
-          </a:p>
-          <a:p>
-            <a:r>
-              <a:rPr lang="zh-CN" altLang="en-US" sz="3600">
-                <a:solidFill>
-                  <a:srgbClr val="666666"/>
-                </a:solidFill>
-                <a:latin typeface="楷体" panose="02010609060101010101" charset="-122"/>
-                <a:ea typeface="楷体" panose="02010609060101010101" charset="-122"/>
-                <a:cs typeface="楷体" panose="02010609060101010101" charset="-122"/>
-              </a:rPr>
-              <a:t>全国青少年信息学奥林匹克联赛</a:t>
-            </a:r>
-            <a:endParaRPr lang="zh-CN" altLang="en-US" sz="3600">
-              <a:solidFill>
-                <a:srgbClr val="666666"/>
-              </a:solidFill>
-              <a:latin typeface="楷体" panose="02010609060101010101" charset="-122"/>
-              <a:ea typeface="楷体" panose="02010609060101010101" charset="-122"/>
-              <a:cs typeface="楷体" panose="02010609060101010101" charset="-122"/>
-            </a:endParaRPr>
-          </a:p>
-        </p:txBody>
-      </p:sp>
-    </p:spTree>
-  </p:cSld>
-  <p:clrMapOvr>
-    <a:masterClrMapping/>
-  </p:clrMapOvr>
-</p:sld>
-</file>
-
-<file path=ppt/slides/slide20.xml><?xml version="1.0" encoding="utf-8"?>
+<file path=ppt/slides/slide21.xml><?xml version="1.0" encoding="utf-8"?>
 <p:sld xmlns:a="http://schemas.openxmlformats.org/drawingml/2006/main" xmlns:r="http://schemas.openxmlformats.org/officeDocument/2006/relationships" xmlns:p="http://schemas.openxmlformats.org/presentationml/2006/main">
   <p:cSld>
     <p:bg>
@@ -4266,7 +4432,7 @@
 </p:sld>
 </file>
 
-<file path=ppt/slides/slide21.xml><?xml version="1.0" encoding="utf-8"?>
+<file path=ppt/slides/slide22.xml><?xml version="1.0" encoding="utf-8"?>
 <p:sld xmlns:a="http://schemas.openxmlformats.org/drawingml/2006/main" xmlns:r="http://schemas.openxmlformats.org/officeDocument/2006/relationships" xmlns:p="http://schemas.openxmlformats.org/presentationml/2006/main">
   <p:cSld>
     <p:bg>
@@ -4319,71 +4485,6 @@
 </p:sld>
 </file>
 
-<file path=ppt/slides/slide22.xml><?xml version="1.0" encoding="utf-8"?>
-<p:sld xmlns:a="http://schemas.openxmlformats.org/drawingml/2006/main" xmlns:r="http://schemas.openxmlformats.org/officeDocument/2006/relationships" xmlns:p="http://schemas.openxmlformats.org/presentationml/2006/main">
-  <p:cSld>
-    <p:bg>
-      <p:bgPr>
-        <a:solidFill>
-          <a:schemeClr val="accent3">
-            <a:lumMod val="40000"/>
-            <a:lumOff val="60000"/>
-          </a:schemeClr>
-        </a:solidFill>
-        <a:effectLst/>
-      </p:bgPr>
-    </p:bg>
-    <p:spTree>
-      <p:nvGrpSpPr>
-        <p:cNvPr id="1" name=""/>
-        <p:cNvGrpSpPr/>
-        <p:nvPr/>
-      </p:nvGrpSpPr>
-      <p:grpSpPr/>
-      <p:sp>
-        <p:nvSpPr>
-          <p:cNvPr id="2" name="文本框 1"/>
-          <p:cNvSpPr txBox="1"/>
-          <p:nvPr/>
-        </p:nvSpPr>
-        <p:spPr>
-          <a:xfrm>
-            <a:off x="3062605" y="2644775"/>
-            <a:ext cx="6067425" cy="1568450"/>
-          </a:xfrm>
-          <a:prstGeom prst="rect">
-            <a:avLst/>
-          </a:prstGeom>
-          <a:noFill/>
-        </p:spPr>
-        <p:txBody>
-          <a:bodyPr wrap="square" rtlCol="0">
-            <a:spAutoFit/>
-          </a:bodyPr>
-          <a:p>
-            <a:pPr algn="ctr"/>
-            <a:r>
-              <a:rPr lang="en-US" altLang="zh-CN" sz="9600">
-                <a:latin typeface="Times New Roman" panose="02020603050405020304" charset="0"/>
-                <a:cs typeface="Times New Roman" panose="02020603050405020304" charset="0"/>
-              </a:rPr>
-              <a:t>main</a:t>
-            </a:r>
-            <a:endParaRPr lang="en-US" altLang="zh-CN" sz="9600">
-              <a:latin typeface="Times New Roman" panose="02020603050405020304" charset="0"/>
-              <a:cs typeface="Times New Roman" panose="02020603050405020304" charset="0"/>
-            </a:endParaRPr>
-          </a:p>
-        </p:txBody>
-      </p:sp>
-    </p:spTree>
-  </p:cSld>
-  <p:clrMapOvr>
-    <a:masterClrMapping/>
-  </p:clrMapOvr>
-</p:sld>
-</file>
-
 <file path=ppt/slides/slide23.xml><?xml version="1.0" encoding="utf-8"?>
 <p:sld xmlns:a="http://schemas.openxmlformats.org/drawingml/2006/main" xmlns:r="http://schemas.openxmlformats.org/officeDocument/2006/relationships" xmlns:p="http://schemas.openxmlformats.org/presentationml/2006/main">
   <p:cSld>
@@ -4413,7 +4514,7 @@
         </p:nvSpPr>
         <p:spPr>
           <a:xfrm>
-            <a:off x="3061970" y="2644775"/>
+            <a:off x="3062605" y="2644775"/>
             <a:ext cx="6067425" cy="1568450"/>
           </a:xfrm>
           <a:prstGeom prst="rect">
@@ -4432,7 +4533,7 @@
                 <a:latin typeface="Times New Roman" panose="02020603050405020304" charset="0"/>
                 <a:cs typeface="Times New Roman" panose="02020603050405020304" charset="0"/>
               </a:rPr>
-              <a:t>cin &gt;&gt;</a:t>
+              <a:t>main</a:t>
             </a:r>
             <a:endParaRPr lang="en-US" altLang="zh-CN" sz="9600">
               <a:latin typeface="Times New Roman" panose="02020603050405020304" charset="0"/>
@@ -4497,7 +4598,7 @@
                 <a:latin typeface="Times New Roman" panose="02020603050405020304" charset="0"/>
                 <a:cs typeface="Times New Roman" panose="02020603050405020304" charset="0"/>
               </a:rPr>
-              <a:t>cout &lt;&lt;</a:t>
+              <a:t>cin &gt;&gt;</a:t>
             </a:r>
             <a:endParaRPr lang="en-US" altLang="zh-CN" sz="9600">
               <a:latin typeface="Times New Roman" panose="02020603050405020304" charset="0"/>
@@ -4562,7 +4663,7 @@
                 <a:latin typeface="Times New Roman" panose="02020603050405020304" charset="0"/>
                 <a:cs typeface="Times New Roman" panose="02020603050405020304" charset="0"/>
               </a:rPr>
-              <a:t>int</a:t>
+              <a:t>cout &lt;&lt;</a:t>
             </a:r>
             <a:endParaRPr lang="en-US" altLang="zh-CN" sz="9600">
               <a:latin typeface="Times New Roman" panose="02020603050405020304" charset="0"/>
@@ -4627,7 +4728,7 @@
                 <a:latin typeface="Times New Roman" panose="02020603050405020304" charset="0"/>
                 <a:cs typeface="Times New Roman" panose="02020603050405020304" charset="0"/>
               </a:rPr>
-              <a:t>float</a:t>
+              <a:t>int</a:t>
             </a:r>
             <a:endParaRPr lang="en-US" altLang="zh-CN" sz="9600">
               <a:latin typeface="Times New Roman" panose="02020603050405020304" charset="0"/>
@@ -4692,7 +4793,7 @@
                 <a:latin typeface="Times New Roman" panose="02020603050405020304" charset="0"/>
                 <a:cs typeface="Times New Roman" panose="02020603050405020304" charset="0"/>
               </a:rPr>
-              <a:t>=</a:t>
+              <a:t>float</a:t>
             </a:r>
             <a:endParaRPr lang="en-US" altLang="zh-CN" sz="9600">
               <a:latin typeface="Times New Roman" panose="02020603050405020304" charset="0"/>
@@ -4753,16 +4854,14 @@
           <a:p>
             <a:pPr algn="ctr"/>
             <a:r>
-              <a:rPr lang="zh-CN" altLang="en-US" sz="9600">
-                <a:latin typeface="楷体" panose="02010609060101010101" charset="-122"/>
-                <a:ea typeface="楷体" panose="02010609060101010101" charset="-122"/>
+              <a:rPr lang="en-US" altLang="zh-CN" sz="9600">
+                <a:latin typeface="Times New Roman" panose="02020603050405020304" charset="0"/>
                 <a:cs typeface="Times New Roman" panose="02020603050405020304" charset="0"/>
               </a:rPr>
-              <a:t>加法</a:t>
-            </a:r>
-            <a:endParaRPr lang="zh-CN" altLang="en-US" sz="9600">
-              <a:latin typeface="楷体" panose="02010609060101010101" charset="-122"/>
-              <a:ea typeface="楷体" panose="02010609060101010101" charset="-122"/>
+              <a:t>=</a:t>
+            </a:r>
+            <a:endParaRPr lang="en-US" altLang="zh-CN" sz="9600">
+              <a:latin typeface="Times New Roman" panose="02020603050405020304" charset="0"/>
               <a:cs typeface="Times New Roman" panose="02020603050405020304" charset="0"/>
             </a:endParaRPr>
           </a:p>
@@ -4825,7 +4924,7 @@
                 <a:ea typeface="楷体" panose="02010609060101010101" charset="-122"/>
                 <a:cs typeface="Times New Roman" panose="02020603050405020304" charset="0"/>
               </a:rPr>
-              <a:t>减法</a:t>
+              <a:t>加法</a:t>
             </a:r>
             <a:endParaRPr lang="zh-CN" altLang="en-US" sz="9600">
               <a:latin typeface="楷体" panose="02010609060101010101" charset="-122"/>
@@ -5048,7 +5147,7 @@
                 <a:ea typeface="楷体" panose="02010609060101010101" charset="-122"/>
                 <a:cs typeface="Times New Roman" panose="02020603050405020304" charset="0"/>
               </a:rPr>
-              <a:t>乘法</a:t>
+              <a:t>减法</a:t>
             </a:r>
             <a:endParaRPr lang="zh-CN" altLang="en-US" sz="9600">
               <a:latin typeface="楷体" panose="02010609060101010101" charset="-122"/>
@@ -5115,7 +5214,7 @@
                 <a:ea typeface="楷体" panose="02010609060101010101" charset="-122"/>
                 <a:cs typeface="Times New Roman" panose="02020603050405020304" charset="0"/>
               </a:rPr>
-              <a:t>除法</a:t>
+              <a:t>乘法</a:t>
             </a:r>
             <a:endParaRPr lang="zh-CN" altLang="en-US" sz="9600">
               <a:latin typeface="楷体" panose="02010609060101010101" charset="-122"/>
@@ -5134,6 +5233,73 @@
 </file>
 
 <file path=ppt/slides/slide32.xml><?xml version="1.0" encoding="utf-8"?>
+<p:sld xmlns:a="http://schemas.openxmlformats.org/drawingml/2006/main" xmlns:r="http://schemas.openxmlformats.org/officeDocument/2006/relationships" xmlns:p="http://schemas.openxmlformats.org/presentationml/2006/main">
+  <p:cSld>
+    <p:bg>
+      <p:bgPr>
+        <a:solidFill>
+          <a:schemeClr val="accent3">
+            <a:lumMod val="40000"/>
+            <a:lumOff val="60000"/>
+          </a:schemeClr>
+        </a:solidFill>
+        <a:effectLst/>
+      </p:bgPr>
+    </p:bg>
+    <p:spTree>
+      <p:nvGrpSpPr>
+        <p:cNvPr id="1" name=""/>
+        <p:cNvGrpSpPr/>
+        <p:nvPr/>
+      </p:nvGrpSpPr>
+      <p:grpSpPr/>
+      <p:sp>
+        <p:nvSpPr>
+          <p:cNvPr id="2" name="文本框 1"/>
+          <p:cNvSpPr txBox="1"/>
+          <p:nvPr/>
+        </p:nvSpPr>
+        <p:spPr>
+          <a:xfrm>
+            <a:off x="3061970" y="2644775"/>
+            <a:ext cx="6067425" cy="1568450"/>
+          </a:xfrm>
+          <a:prstGeom prst="rect">
+            <a:avLst/>
+          </a:prstGeom>
+          <a:noFill/>
+        </p:spPr>
+        <p:txBody>
+          <a:bodyPr wrap="square" rtlCol="0">
+            <a:spAutoFit/>
+          </a:bodyPr>
+          <a:p>
+            <a:pPr algn="ctr"/>
+            <a:r>
+              <a:rPr lang="zh-CN" altLang="en-US" sz="9600">
+                <a:latin typeface="楷体" panose="02010609060101010101" charset="-122"/>
+                <a:ea typeface="楷体" panose="02010609060101010101" charset="-122"/>
+                <a:cs typeface="Times New Roman" panose="02020603050405020304" charset="0"/>
+              </a:rPr>
+              <a:t>除法</a:t>
+            </a:r>
+            <a:endParaRPr lang="zh-CN" altLang="en-US" sz="9600">
+              <a:latin typeface="楷体" panose="02010609060101010101" charset="-122"/>
+              <a:ea typeface="楷体" panose="02010609060101010101" charset="-122"/>
+              <a:cs typeface="Times New Roman" panose="02020603050405020304" charset="0"/>
+            </a:endParaRPr>
+          </a:p>
+        </p:txBody>
+      </p:sp>
+    </p:spTree>
+  </p:cSld>
+  <p:clrMapOvr>
+    <a:masterClrMapping/>
+  </p:clrMapOvr>
+</p:sld>
+</file>
+
+<file path=ppt/slides/slide33.xml><?xml version="1.0" encoding="utf-8"?>
 <p:sld xmlns:a="http://schemas.openxmlformats.org/drawingml/2006/main" xmlns:r="http://schemas.openxmlformats.org/officeDocument/2006/relationships" xmlns:p="http://schemas.openxmlformats.org/presentationml/2006/main">
   <p:cSld>
     <p:bg>
@@ -5347,7 +5513,7 @@
 </p:sld>
 </file>
 
-<file path=ppt/slides/slide33.xml><?xml version="1.0" encoding="utf-8"?>
+<file path=ppt/slides/slide34.xml><?xml version="1.0" encoding="utf-8"?>
 <p:sld xmlns:a="http://schemas.openxmlformats.org/drawingml/2006/main" xmlns:r="http://schemas.openxmlformats.org/officeDocument/2006/relationships" xmlns:p="http://schemas.openxmlformats.org/presentationml/2006/main">
   <p:cSld>
     <p:bg>
@@ -5647,7 +5813,7 @@
 </p:sld>
 </file>
 
-<file path=ppt/slides/slide34.xml><?xml version="1.0" encoding="utf-8"?>
+<file path=ppt/slides/slide35.xml><?xml version="1.0" encoding="utf-8"?>
 <p:sld xmlns:a="http://schemas.openxmlformats.org/drawingml/2006/main" xmlns:r="http://schemas.openxmlformats.org/officeDocument/2006/relationships" xmlns:p="http://schemas.openxmlformats.org/presentationml/2006/main">
   <p:cSld>
     <p:bg>
@@ -5695,7 +5861,7 @@
 </p:sld>
 </file>
 
-<file path=ppt/slides/slide35.xml><?xml version="1.0" encoding="utf-8"?>
+<file path=ppt/slides/slide36.xml><?xml version="1.0" encoding="utf-8"?>
 <p:sld xmlns:a="http://schemas.openxmlformats.org/drawingml/2006/main" xmlns:r="http://schemas.openxmlformats.org/officeDocument/2006/relationships" xmlns:p="http://schemas.openxmlformats.org/presentationml/2006/main">
   <p:cSld>
     <p:bg>

--- a/LESSONS/001.pptx
+++ b/LESSONS/001.pptx
@@ -6,41 +6,44 @@
   </p:sldMasterIdLst>
   <p:sldIdLst>
     <p:sldId id="256" r:id="rId3"/>
-    <p:sldId id="258" r:id="rId4"/>
-    <p:sldId id="264" r:id="rId5"/>
-    <p:sldId id="257" r:id="rId6"/>
-    <p:sldId id="265" r:id="rId7"/>
-    <p:sldId id="259" r:id="rId8"/>
-    <p:sldId id="266" r:id="rId9"/>
-    <p:sldId id="260" r:id="rId10"/>
-    <p:sldId id="267" r:id="rId11"/>
-    <p:sldId id="261" r:id="rId12"/>
-    <p:sldId id="268" r:id="rId13"/>
-    <p:sldId id="301" r:id="rId14"/>
-    <p:sldId id="262" r:id="rId15"/>
-    <p:sldId id="269" r:id="rId16"/>
-    <p:sldId id="270" r:id="rId17"/>
-    <p:sldId id="271" r:id="rId18"/>
-    <p:sldId id="272" r:id="rId19"/>
-    <p:sldId id="273" r:id="rId20"/>
-    <p:sldId id="274" r:id="rId21"/>
-    <p:sldId id="275" r:id="rId22"/>
-    <p:sldId id="276" r:id="rId23"/>
-    <p:sldId id="277" r:id="rId24"/>
-    <p:sldId id="282" r:id="rId25"/>
-    <p:sldId id="278" r:id="rId26"/>
-    <p:sldId id="281" r:id="rId27"/>
-    <p:sldId id="283" r:id="rId28"/>
-    <p:sldId id="284" r:id="rId29"/>
-    <p:sldId id="285" r:id="rId30"/>
-    <p:sldId id="286" r:id="rId31"/>
-    <p:sldId id="294" r:id="rId32"/>
-    <p:sldId id="295" r:id="rId33"/>
-    <p:sldId id="296" r:id="rId34"/>
-    <p:sldId id="290" r:id="rId35"/>
-    <p:sldId id="291" r:id="rId36"/>
-    <p:sldId id="292" r:id="rId37"/>
-    <p:sldId id="293" r:id="rId38"/>
+    <p:sldId id="327" r:id="rId4"/>
+    <p:sldId id="328" r:id="rId5"/>
+    <p:sldId id="326" r:id="rId6"/>
+    <p:sldId id="258" r:id="rId7"/>
+    <p:sldId id="264" r:id="rId8"/>
+    <p:sldId id="257" r:id="rId9"/>
+    <p:sldId id="265" r:id="rId10"/>
+    <p:sldId id="259" r:id="rId11"/>
+    <p:sldId id="266" r:id="rId12"/>
+    <p:sldId id="260" r:id="rId13"/>
+    <p:sldId id="267" r:id="rId14"/>
+    <p:sldId id="261" r:id="rId15"/>
+    <p:sldId id="268" r:id="rId16"/>
+    <p:sldId id="301" r:id="rId17"/>
+    <p:sldId id="262" r:id="rId18"/>
+    <p:sldId id="269" r:id="rId19"/>
+    <p:sldId id="270" r:id="rId20"/>
+    <p:sldId id="271" r:id="rId21"/>
+    <p:sldId id="272" r:id="rId22"/>
+    <p:sldId id="273" r:id="rId23"/>
+    <p:sldId id="274" r:id="rId24"/>
+    <p:sldId id="275" r:id="rId25"/>
+    <p:sldId id="276" r:id="rId26"/>
+    <p:sldId id="277" r:id="rId27"/>
+    <p:sldId id="282" r:id="rId28"/>
+    <p:sldId id="278" r:id="rId29"/>
+    <p:sldId id="281" r:id="rId30"/>
+    <p:sldId id="283" r:id="rId31"/>
+    <p:sldId id="284" r:id="rId32"/>
+    <p:sldId id="285" r:id="rId33"/>
+    <p:sldId id="286" r:id="rId34"/>
+    <p:sldId id="294" r:id="rId35"/>
+    <p:sldId id="295" r:id="rId36"/>
+    <p:sldId id="296" r:id="rId37"/>
+    <p:sldId id="290" r:id="rId38"/>
+    <p:sldId id="291" r:id="rId39"/>
+    <p:sldId id="292" r:id="rId40"/>
+    <p:sldId id="293" r:id="rId41"/>
   </p:sldIdLst>
   <p:sldSz cx="12192000" cy="6858000"/>
   <p:notesSz cx="6858000" cy="9144000"/>
@@ -2944,12 +2947,7 @@
   <p:cSld>
     <p:bg>
       <p:bgPr>
-        <a:solidFill>
-          <a:schemeClr val="accent3">
-            <a:lumMod val="40000"/>
-            <a:lumOff val="60000"/>
-          </a:schemeClr>
-        </a:solidFill>
+        <a:noFill/>
         <a:effectLst/>
       </p:bgPr>
     </p:bg>
@@ -2968,8 +2966,8 @@
         </p:nvSpPr>
         <p:spPr>
           <a:xfrm>
-            <a:off x="1056005" y="2552700"/>
-            <a:ext cx="10080000" cy="1753235"/>
+            <a:off x="1056005" y="2829560"/>
+            <a:ext cx="10080000" cy="1198880"/>
           </a:xfrm>
           <a:prstGeom prst="rect">
             <a:avLst/>
@@ -2987,45 +2985,23 @@
           <a:p>
             <a:pPr algn="ctr"/>
             <a:r>
-              <a:rPr lang="zh-CN" altLang="en-US" sz="7200">
+              <a:rPr lang="en-US" altLang="zh-CN" sz="7200">
                 <a:solidFill>
                   <a:srgbClr val="666666"/>
                 </a:solidFill>
-                <a:latin typeface="楷体" panose="02010609060101010101" charset="-122"/>
+                <a:latin typeface="Palatino Linotype" panose="02040502050505030304" charset="0"/>
                 <a:ea typeface="楷体" panose="02010609060101010101" charset="-122"/>
-                <a:cs typeface="Times New Roman" panose="02020603050405020304" charset="0"/>
-              </a:rPr>
-              <a:t>信息学奥赛</a:t>
-            </a:r>
-            <a:endParaRPr lang="zh-CN" altLang="en-US" sz="7200">
+                <a:cs typeface="Palatino Linotype" panose="02040502050505030304" charset="0"/>
+              </a:rPr>
+              <a:t>Scratch</a:t>
+            </a:r>
+            <a:endParaRPr lang="zh-CN" altLang="en-US" sz="3600">
               <a:solidFill>
                 <a:srgbClr val="666666"/>
               </a:solidFill>
-              <a:latin typeface="楷体" panose="02010609060101010101" charset="-122"/>
+              <a:latin typeface="Palatino Linotype" panose="02040502050505030304" charset="0"/>
               <a:ea typeface="楷体" panose="02010609060101010101" charset="-122"/>
-              <a:cs typeface="Times New Roman" panose="02020603050405020304" charset="0"/>
-            </a:endParaRPr>
-          </a:p>
-          <a:p>
-            <a:pPr algn="ctr"/>
-            <a:r>
-              <a:rPr lang="en-US" altLang="zh-CN" sz="3600">
-                <a:solidFill>
-                  <a:srgbClr val="666666"/>
-                </a:solidFill>
-                <a:latin typeface="Times New Roman" panose="02020603050405020304" charset="0"/>
-                <a:ea typeface="楷体" panose="02010609060101010101" charset="-122"/>
-                <a:cs typeface="Times New Roman" panose="02020603050405020304" charset="0"/>
-              </a:rPr>
-              <a:t>langzhenjun@gmail.com</a:t>
-            </a:r>
-            <a:endParaRPr lang="en-US" altLang="zh-CN" sz="3600">
-              <a:solidFill>
-                <a:srgbClr val="666666"/>
-              </a:solidFill>
-              <a:latin typeface="Times New Roman" panose="02020603050405020304" charset="0"/>
-              <a:ea typeface="楷体" panose="02010609060101010101" charset="-122"/>
-              <a:cs typeface="Times New Roman" panose="02020603050405020304" charset="0"/>
+              <a:cs typeface="Palatino Linotype" panose="02040502050505030304" charset="0"/>
             </a:endParaRPr>
           </a:p>
         </p:txBody>
@@ -3070,8 +3046,8 @@
         </p:nvSpPr>
         <p:spPr>
           <a:xfrm>
-            <a:off x="1056005" y="1998345"/>
-            <a:ext cx="10080000" cy="2861310"/>
+            <a:off x="1056005" y="1659890"/>
+            <a:ext cx="10080000" cy="3538220"/>
           </a:xfrm>
           <a:prstGeom prst="rect">
             <a:avLst/>
@@ -3084,7 +3060,7 @@
           </a:bodyPr>
           <a:p>
             <a:r>
-              <a:rPr lang="zh-CN" altLang="en-US" sz="7200">
+              <a:rPr lang="zh-CN" altLang="en-US" sz="3200">
                 <a:solidFill>
                   <a:srgbClr val="666666"/>
                 </a:solidFill>
@@ -3092,9 +3068,31 @@
                 <a:ea typeface="楷体" panose="02010609060101010101" charset="-122"/>
                 <a:cs typeface="Times New Roman" panose="02020603050405020304" charset="0"/>
               </a:rPr>
-              <a:t>IOI</a:t>
-            </a:r>
-            <a:endParaRPr lang="zh-CN" altLang="en-US" sz="7200">
+              <a:t>该竞赛为区域性的网上准同步赛，是</a:t>
+            </a:r>
+            <a:r>
+              <a:rPr lang="zh-CN" altLang="en-US" sz="3200" b="1">
+                <a:solidFill>
+                  <a:srgbClr val="666666"/>
+                </a:solidFill>
+                <a:latin typeface="Times New Roman" panose="02020603050405020304" charset="0"/>
+                <a:ea typeface="楷体" panose="02010609060101010101" charset="-122"/>
+                <a:cs typeface="Times New Roman" panose="02020603050405020304" charset="0"/>
+              </a:rPr>
+              <a:t>亚洲和太平洋地区</a:t>
+            </a:r>
+            <a:r>
+              <a:rPr lang="zh-CN" altLang="en-US" sz="3200">
+                <a:solidFill>
+                  <a:srgbClr val="666666"/>
+                </a:solidFill>
+                <a:latin typeface="Times New Roman" panose="02020603050405020304" charset="0"/>
+                <a:ea typeface="楷体" panose="02010609060101010101" charset="-122"/>
+                <a:cs typeface="Times New Roman" panose="02020603050405020304" charset="0"/>
+              </a:rPr>
+              <a:t>每年一次的国际性赛事；</a:t>
+            </a:r>
+            <a:endParaRPr lang="zh-CN" altLang="en-US" sz="3200">
               <a:solidFill>
                 <a:srgbClr val="666666"/>
               </a:solidFill>
@@ -3105,18 +3103,17 @@
           </a:p>
           <a:p>
             <a:r>
-              <a:rPr lang="zh-CN" altLang="en-US" sz="3600">
+              <a:rPr lang="zh-CN" altLang="en-US" sz="3200">
                 <a:solidFill>
                   <a:srgbClr val="666666"/>
                 </a:solidFill>
                 <a:latin typeface="Times New Roman" panose="02020603050405020304" charset="0"/>
                 <a:ea typeface="楷体" panose="02010609060101010101" charset="-122"/>
                 <a:cs typeface="Times New Roman" panose="02020603050405020304" charset="0"/>
-                <a:sym typeface="+mn-ea"/>
-              </a:rPr>
-              <a:t>International Olympiad in Informatics</a:t>
-            </a:r>
-            <a:endParaRPr lang="zh-CN" altLang="en-US" sz="3600">
+              </a:rPr>
+              <a:t>APIO每年5月举行，由不同的国家轮流主办。</a:t>
+            </a:r>
+            <a:endParaRPr lang="zh-CN" altLang="en-US" sz="3200">
               <a:solidFill>
                 <a:srgbClr val="666666"/>
               </a:solidFill>
@@ -3127,7 +3124,7 @@
           </a:p>
           <a:p>
             <a:r>
-              <a:rPr lang="zh-CN" altLang="en-US" sz="3600">
+              <a:rPr lang="zh-CN" altLang="en-US" sz="3200">
                 <a:solidFill>
                   <a:srgbClr val="666666"/>
                 </a:solidFill>
@@ -3135,9 +3132,9 @@
                 <a:ea typeface="楷体" panose="02010609060101010101" charset="-122"/>
                 <a:cs typeface="Times New Roman" panose="02020603050405020304" charset="0"/>
               </a:rPr>
-              <a:t>国际信息学奥林匹克竞赛</a:t>
-            </a:r>
-            <a:endParaRPr lang="zh-CN" altLang="en-US" sz="3600">
+              <a:t>每个参赛团参赛选手上限为100名，其中成绩排在前6名的选 手作为代表该参赛团的正式选手统计成绩。</a:t>
+            </a:r>
+            <a:endParaRPr lang="zh-CN" altLang="en-US" sz="3200">
               <a:solidFill>
                 <a:srgbClr val="666666"/>
               </a:solidFill>
@@ -3147,7 +3144,18 @@
             </a:endParaRPr>
           </a:p>
           <a:p>
-            <a:endParaRPr lang="zh-CN" altLang="en-US" sz="3600">
+            <a:r>
+              <a:rPr lang="zh-CN" altLang="en-US" sz="3200">
+                <a:solidFill>
+                  <a:srgbClr val="666666"/>
+                </a:solidFill>
+                <a:latin typeface="Times New Roman" panose="02020603050405020304" charset="0"/>
+                <a:ea typeface="楷体" panose="02010609060101010101" charset="-122"/>
+                <a:cs typeface="Times New Roman" panose="02020603050405020304" charset="0"/>
+              </a:rPr>
+              <a:t>APIO中国赛区由中国计算机学会组织参赛，获奖比例将参照IOI。</a:t>
+            </a:r>
+            <a:endParaRPr lang="zh-CN" altLang="en-US" sz="3200">
               <a:solidFill>
                 <a:srgbClr val="666666"/>
               </a:solidFill>
@@ -3195,8 +3203,8 @@
         </p:nvSpPr>
         <p:spPr>
           <a:xfrm>
-            <a:off x="1056005" y="2736850"/>
-            <a:ext cx="10080000" cy="1383665"/>
+            <a:off x="1056005" y="2598420"/>
+            <a:ext cx="10080000" cy="1660525"/>
           </a:xfrm>
           <a:prstGeom prst="rect">
             <a:avLst/>
@@ -3209,7 +3217,7 @@
           </a:bodyPr>
           <a:p>
             <a:r>
-              <a:rPr lang="zh-CN" altLang="en-US" sz="2800">
+              <a:rPr lang="zh-CN" altLang="en-US" sz="6600">
                 <a:solidFill>
                   <a:srgbClr val="666666"/>
                 </a:solidFill>
@@ -3217,9 +3225,9 @@
                 <a:ea typeface="楷体" panose="02010609060101010101" charset="-122"/>
                 <a:cs typeface="Times New Roman" panose="02020603050405020304" charset="0"/>
               </a:rPr>
-              <a:t>由中国计算机学会组织，代表中国参加国际每年一次的IOI。</a:t>
-            </a:r>
-            <a:endParaRPr lang="zh-CN" altLang="en-US" sz="2800">
+              <a:t>选拔赛</a:t>
+            </a:r>
+            <a:endParaRPr lang="zh-CN" altLang="en-US" sz="3600">
               <a:solidFill>
                 <a:srgbClr val="666666"/>
               </a:solidFill>
@@ -3230,7 +3238,7 @@
           </a:p>
           <a:p>
             <a:r>
-              <a:rPr lang="zh-CN" altLang="en-US" sz="2800">
+              <a:rPr lang="zh-CN" altLang="en-US" sz="3600">
                 <a:solidFill>
                   <a:srgbClr val="666666"/>
                 </a:solidFill>
@@ -3238,30 +3246,9 @@
                 <a:ea typeface="楷体" panose="02010609060101010101" charset="-122"/>
                 <a:cs typeface="Times New Roman" panose="02020603050405020304" charset="0"/>
               </a:rPr>
-              <a:t>出国参赛得到中国科协和国家自然科学基金委的资助。</a:t>
-            </a:r>
-            <a:endParaRPr lang="zh-CN" altLang="en-US" sz="2800">
-              <a:solidFill>
-                <a:srgbClr val="666666"/>
-              </a:solidFill>
-              <a:latin typeface="Times New Roman" panose="02020603050405020304" charset="0"/>
-              <a:ea typeface="楷体" panose="02010609060101010101" charset="-122"/>
-              <a:cs typeface="Times New Roman" panose="02020603050405020304" charset="0"/>
-            </a:endParaRPr>
-          </a:p>
-          <a:p>
-            <a:r>
-              <a:rPr lang="zh-CN" altLang="en-US" sz="2800">
-                <a:solidFill>
-                  <a:srgbClr val="666666"/>
-                </a:solidFill>
-                <a:latin typeface="Times New Roman" panose="02020603050405020304" charset="0"/>
-                <a:ea typeface="楷体" panose="02010609060101010101" charset="-122"/>
-                <a:cs typeface="Times New Roman" panose="02020603050405020304" charset="0"/>
-              </a:rPr>
-              <a:t>我国累计获金牌46块、银牌17块，铜牌12块。</a:t>
-            </a:r>
-            <a:endParaRPr lang="zh-CN" altLang="en-US" sz="2800">
+              <a:t>选拔参加国际信息学奥林匹克中国代表队的竞赛</a:t>
+            </a:r>
+            <a:endParaRPr lang="zh-CN" altLang="en-US" sz="3600">
               <a:solidFill>
                 <a:srgbClr val="666666"/>
               </a:solidFill>
@@ -3286,8 +3273,9 @@
     <p:bg>
       <p:bgPr>
         <a:solidFill>
-          <a:schemeClr val="bg1">
-            <a:lumMod val="85000"/>
+          <a:schemeClr val="accent3">
+            <a:lumMod val="40000"/>
+            <a:lumOff val="60000"/>
           </a:schemeClr>
         </a:solidFill>
         <a:effectLst/>
@@ -3302,14 +3290,14 @@
       <p:grpSpPr/>
       <p:sp>
         <p:nvSpPr>
-          <p:cNvPr id="7" name="文本框 6"/>
+          <p:cNvPr id="4" name="文本框 3"/>
           <p:cNvSpPr txBox="1"/>
           <p:nvPr/>
         </p:nvSpPr>
         <p:spPr>
           <a:xfrm>
-            <a:off x="1934210" y="1875790"/>
-            <a:ext cx="8637270" cy="645160"/>
+            <a:off x="1056005" y="1998345"/>
+            <a:ext cx="10080000" cy="2861310"/>
           </a:xfrm>
           <a:prstGeom prst="rect">
             <a:avLst/>
@@ -3317,123 +3305,50 @@
           <a:noFill/>
         </p:spPr>
         <p:txBody>
-          <a:bodyPr wrap="square" rtlCol="0">
-            <a:spAutoFit/>
-          </a:bodyPr>
-          <a:p>
-            <a:r>
-              <a:rPr lang="zh-CN" altLang="en-US"/>
-              <a:t>第31届国际信息学奥林匹克中国队选拔（CCF CTS2019）获奖名单http://www.noi.cn/RequireFile.do?fid=JERYBEbe&amp;attach=n</a:t>
-            </a:r>
-            <a:endParaRPr lang="zh-CN" altLang="en-US"/>
-          </a:p>
-        </p:txBody>
-      </p:sp>
-      <p:sp>
-        <p:nvSpPr>
-          <p:cNvPr id="8" name="文本框 7"/>
-          <p:cNvSpPr txBox="1"/>
-          <p:nvPr/>
-        </p:nvSpPr>
-        <p:spPr>
-          <a:xfrm>
-            <a:off x="1934210" y="930275"/>
-            <a:ext cx="8684260" cy="645160"/>
-          </a:xfrm>
-          <a:prstGeom prst="rect">
-            <a:avLst/>
-          </a:prstGeom>
-          <a:noFill/>
-        </p:spPr>
-        <p:txBody>
           <a:bodyPr wrap="square" rtlCol="0" anchor="t">
             <a:spAutoFit/>
           </a:bodyPr>
           <a:p>
             <a:r>
-              <a:rPr lang="zh-CN" altLang="en-US"/>
-              <a:t>第十三届亚洲和太平洋地区信息学奥林匹克（APIO2019）中国区获奖名单</a:t>
-            </a:r>
-            <a:endParaRPr lang="zh-CN" altLang="en-US"/>
-          </a:p>
-          <a:p>
-            <a:r>
-              <a:rPr lang="zh-CN" altLang="en-US"/>
-              <a:t>http://www.noi.cn/RequireFile.do?fid=9n2ebb4m%20&amp;attach=n</a:t>
-            </a:r>
-            <a:endParaRPr lang="zh-CN" altLang="en-US"/>
-          </a:p>
-        </p:txBody>
-      </p:sp>
-      <p:sp>
-        <p:nvSpPr>
-          <p:cNvPr id="9" name="文本框 8"/>
-          <p:cNvSpPr txBox="1"/>
-          <p:nvPr/>
-        </p:nvSpPr>
-        <p:spPr>
-          <a:xfrm>
-            <a:off x="1934845" y="3106420"/>
-            <a:ext cx="7602220" cy="645160"/>
-          </a:xfrm>
-          <a:prstGeom prst="rect">
-            <a:avLst/>
-          </a:prstGeom>
-          <a:noFill/>
-        </p:spPr>
-        <p:txBody>
-          <a:bodyPr wrap="square" rtlCol="0" anchor="t">
-            <a:spAutoFit/>
-          </a:bodyPr>
-          <a:p>
-            <a:r>
-              <a:rPr lang="zh-CN" altLang="en-US"/>
-              <a:t>NOI2019冬令营获奖名单</a:t>
-            </a:r>
-            <a:endParaRPr lang="zh-CN" altLang="en-US"/>
-          </a:p>
-          <a:p>
-            <a:r>
-              <a:rPr lang="zh-CN" altLang="en-US"/>
-              <a:t>http://www.noi.cn/RequireFile.do?fid=LHmtdrNB&amp;attach=n</a:t>
-            </a:r>
-            <a:endParaRPr lang="zh-CN" altLang="en-US"/>
-          </a:p>
-        </p:txBody>
-      </p:sp>
-      <p:sp>
-        <p:nvSpPr>
-          <p:cNvPr id="10" name="文本框 9"/>
-          <p:cNvSpPr txBox="1"/>
-          <p:nvPr/>
-        </p:nvSpPr>
-        <p:spPr>
-          <a:xfrm>
-            <a:off x="2011680" y="4109720"/>
-            <a:ext cx="6191250" cy="645160"/>
-          </a:xfrm>
-          <a:prstGeom prst="rect">
-            <a:avLst/>
-          </a:prstGeom>
-          <a:noFill/>
-        </p:spPr>
-        <p:txBody>
-          <a:bodyPr wrap="square" rtlCol="0" anchor="t">
-            <a:spAutoFit/>
-          </a:bodyPr>
-          <a:p>
-            <a:r>
-              <a:rPr lang="zh-CN" altLang="en-US"/>
-              <a:t>CCF NOIP2018复赛获奖名单</a:t>
-            </a:r>
-            <a:endParaRPr lang="zh-CN" altLang="en-US"/>
-          </a:p>
-          <a:p>
-            <a:r>
-              <a:rPr lang="zh-CN" altLang="en-US"/>
-              <a:t>https://www.ccf.org.cn/ccf/preview/zgjsjxh/noi/noi2018/2.htm</a:t>
-            </a:r>
-            <a:endParaRPr lang="zh-CN" altLang="en-US"/>
+              <a:rPr lang="zh-CN" altLang="en-US" sz="3600">
+                <a:solidFill>
+                  <a:srgbClr val="666666"/>
+                </a:solidFill>
+                <a:latin typeface="Times New Roman" panose="02020603050405020304" charset="0"/>
+                <a:ea typeface="楷体" panose="02010609060101010101" charset="-122"/>
+                <a:cs typeface="Times New Roman" panose="02020603050405020304" charset="0"/>
+              </a:rPr>
+              <a:t>IOI的选手是从获NOI前20名选手中选拔出来的，获得前4名的优胜者代表中国参 加国际竞赛。</a:t>
+            </a:r>
+            <a:endParaRPr lang="zh-CN" altLang="en-US" sz="3600">
+              <a:solidFill>
+                <a:srgbClr val="666666"/>
+              </a:solidFill>
+              <a:latin typeface="Times New Roman" panose="02020603050405020304" charset="0"/>
+              <a:ea typeface="楷体" panose="02010609060101010101" charset="-122"/>
+              <a:cs typeface="Times New Roman" panose="02020603050405020304" charset="0"/>
+            </a:endParaRPr>
+          </a:p>
+          <a:p>
+            <a:r>
+              <a:rPr lang="zh-CN" altLang="en-US" sz="3600">
+                <a:solidFill>
+                  <a:srgbClr val="666666"/>
+                </a:solidFill>
+                <a:latin typeface="Times New Roman" panose="02020603050405020304" charset="0"/>
+                <a:ea typeface="楷体" panose="02010609060101010101" charset="-122"/>
+                <a:cs typeface="Times New Roman" panose="02020603050405020304" charset="0"/>
+              </a:rPr>
+              <a:t>选拔科目包括：NOI成绩、冬令营成绩、论文和答辩、平时作业、选拔赛成绩、口试。上述项目加权产生最后成绩。</a:t>
+            </a:r>
+            <a:endParaRPr lang="zh-CN" altLang="en-US" sz="3600">
+              <a:solidFill>
+                <a:srgbClr val="666666"/>
+              </a:solidFill>
+              <a:latin typeface="Times New Roman" panose="02020603050405020304" charset="0"/>
+              <a:ea typeface="楷体" panose="02010609060101010101" charset="-122"/>
+              <a:cs typeface="Times New Roman" panose="02020603050405020304" charset="0"/>
+            </a:endParaRPr>
           </a:p>
         </p:txBody>
       </p:sp>
@@ -3474,8 +3389,8 @@
         </p:nvSpPr>
         <p:spPr>
           <a:xfrm>
-            <a:off x="1056005" y="2644775"/>
-            <a:ext cx="10080000" cy="1568450"/>
+            <a:off x="1056005" y="1998345"/>
+            <a:ext cx="10080000" cy="2861310"/>
           </a:xfrm>
           <a:prstGeom prst="rect">
             <a:avLst/>
@@ -3487,42 +3402,76 @@
             <a:spAutoFit/>
           </a:bodyPr>
           <a:p>
-            <a:pPr algn="ctr"/>
-            <a:r>
-              <a:rPr lang="en-US" altLang="zh-CN" sz="9600">
+            <a:r>
+              <a:rPr lang="zh-CN" altLang="en-US" sz="7200">
                 <a:solidFill>
                   <a:srgbClr val="666666"/>
                 </a:solidFill>
                 <a:latin typeface="Times New Roman" panose="02020603050405020304" charset="0"/>
+                <a:ea typeface="楷体" panose="02010609060101010101" charset="-122"/>
                 <a:cs typeface="Times New Roman" panose="02020603050405020304" charset="0"/>
               </a:rPr>
-              <a:t>C/</a:t>
-            </a:r>
-            <a:r>
-              <a:rPr lang="en-US" altLang="zh-CN" sz="9600">
-                <a:solidFill>
-                  <a:srgbClr val="FF0000"/>
-                </a:solidFill>
-                <a:latin typeface="Times New Roman" panose="02020603050405020304" charset="0"/>
-                <a:cs typeface="Times New Roman" panose="02020603050405020304" charset="0"/>
-              </a:rPr>
-              <a:t>C++</a:t>
-            </a:r>
-            <a:r>
-              <a:rPr lang="en-US" altLang="zh-CN" sz="9600">
+              <a:t>IOI</a:t>
+            </a:r>
+            <a:endParaRPr lang="zh-CN" altLang="en-US" sz="7200">
+              <a:solidFill>
+                <a:srgbClr val="666666"/>
+              </a:solidFill>
+              <a:latin typeface="Times New Roman" panose="02020603050405020304" charset="0"/>
+              <a:ea typeface="楷体" panose="02010609060101010101" charset="-122"/>
+              <a:cs typeface="Times New Roman" panose="02020603050405020304" charset="0"/>
+            </a:endParaRPr>
+          </a:p>
+          <a:p>
+            <a:r>
+              <a:rPr lang="zh-CN" altLang="en-US" sz="3600">
                 <a:solidFill>
                   <a:srgbClr val="666666"/>
                 </a:solidFill>
                 <a:latin typeface="Times New Roman" panose="02020603050405020304" charset="0"/>
+                <a:ea typeface="楷体" panose="02010609060101010101" charset="-122"/>
                 <a:cs typeface="Times New Roman" panose="02020603050405020304" charset="0"/>
-              </a:rPr>
-              <a:t>/Pascal</a:t>
-            </a:r>
-            <a:endParaRPr lang="zh-CN" altLang="en-US" sz="9600">
+                <a:sym typeface="+mn-ea"/>
+              </a:rPr>
+              <a:t>International Olympiad in Informatics</a:t>
+            </a:r>
+            <a:endParaRPr lang="zh-CN" altLang="en-US" sz="3600">
               <a:solidFill>
                 <a:srgbClr val="666666"/>
               </a:solidFill>
               <a:latin typeface="Times New Roman" panose="02020603050405020304" charset="0"/>
+              <a:ea typeface="楷体" panose="02010609060101010101" charset="-122"/>
+              <a:cs typeface="Times New Roman" panose="02020603050405020304" charset="0"/>
+            </a:endParaRPr>
+          </a:p>
+          <a:p>
+            <a:r>
+              <a:rPr lang="zh-CN" altLang="en-US" sz="3600">
+                <a:solidFill>
+                  <a:srgbClr val="666666"/>
+                </a:solidFill>
+                <a:latin typeface="Times New Roman" panose="02020603050405020304" charset="0"/>
+                <a:ea typeface="楷体" panose="02010609060101010101" charset="-122"/>
+                <a:cs typeface="Times New Roman" panose="02020603050405020304" charset="0"/>
+              </a:rPr>
+              <a:t>国际信息学奥林匹克竞赛</a:t>
+            </a:r>
+            <a:endParaRPr lang="zh-CN" altLang="en-US" sz="3600">
+              <a:solidFill>
+                <a:srgbClr val="666666"/>
+              </a:solidFill>
+              <a:latin typeface="Times New Roman" panose="02020603050405020304" charset="0"/>
+              <a:ea typeface="楷体" panose="02010609060101010101" charset="-122"/>
+              <a:cs typeface="Times New Roman" panose="02020603050405020304" charset="0"/>
+            </a:endParaRPr>
+          </a:p>
+          <a:p>
+            <a:endParaRPr lang="zh-CN" altLang="en-US" sz="3600">
+              <a:solidFill>
+                <a:srgbClr val="666666"/>
+              </a:solidFill>
+              <a:latin typeface="Times New Roman" panose="02020603050405020304" charset="0"/>
+              <a:ea typeface="楷体" panose="02010609060101010101" charset="-122"/>
               <a:cs typeface="Times New Roman" panose="02020603050405020304" charset="0"/>
             </a:endParaRPr>
           </a:p>
@@ -3565,8 +3514,8 @@
         </p:nvSpPr>
         <p:spPr>
           <a:xfrm>
-            <a:off x="1056005" y="1013460"/>
-            <a:ext cx="10080000" cy="4831080"/>
+            <a:off x="1056005" y="2736850"/>
+            <a:ext cx="10080000" cy="1383665"/>
           </a:xfrm>
           <a:prstGeom prst="rect">
             <a:avLst/>
@@ -3578,100 +3527,65 @@
             <a:spAutoFit/>
           </a:bodyPr>
           <a:p>
-            <a:pPr algn="l"/>
-            <a:r>
-              <a:rPr lang="en-US" altLang="zh-CN" sz="4400">
+            <a:r>
+              <a:rPr lang="zh-CN" altLang="en-US" sz="2800">
+                <a:solidFill>
+                  <a:srgbClr val="666666"/>
+                </a:solidFill>
                 <a:latin typeface="Times New Roman" panose="02020603050405020304" charset="0"/>
+                <a:ea typeface="楷体" panose="02010609060101010101" charset="-122"/>
                 <a:cs typeface="Times New Roman" panose="02020603050405020304" charset="0"/>
               </a:rPr>
-              <a:t>#include &lt;iostream&gt;</a:t>
-            </a:r>
-            <a:endParaRPr lang="en-US" altLang="zh-CN" sz="4400">
+              <a:t>由中国计算机学会组织，代表中国参加国际每年一次的IOI。</a:t>
+            </a:r>
+            <a:endParaRPr lang="zh-CN" altLang="en-US" sz="2800">
+              <a:solidFill>
+                <a:srgbClr val="666666"/>
+              </a:solidFill>
               <a:latin typeface="Times New Roman" panose="02020603050405020304" charset="0"/>
+              <a:ea typeface="楷体" panose="02010609060101010101" charset="-122"/>
               <a:cs typeface="Times New Roman" panose="02020603050405020304" charset="0"/>
             </a:endParaRPr>
           </a:p>
           <a:p>
-            <a:pPr algn="l"/>
-            <a:r>
-              <a:rPr lang="en-US" altLang="zh-CN" sz="4400">
+            <a:r>
+              <a:rPr lang="zh-CN" altLang="en-US" sz="2800">
+                <a:solidFill>
+                  <a:srgbClr val="666666"/>
+                </a:solidFill>
                 <a:latin typeface="Times New Roman" panose="02020603050405020304" charset="0"/>
+                <a:ea typeface="楷体" panose="02010609060101010101" charset="-122"/>
                 <a:cs typeface="Times New Roman" panose="02020603050405020304" charset="0"/>
               </a:rPr>
-              <a:t>using namespace std;</a:t>
-            </a:r>
-            <a:endParaRPr lang="en-US" altLang="zh-CN" sz="4400">
+              <a:t>出国参赛得到中国科协和国家自然科学基金委的资助。</a:t>
+            </a:r>
+            <a:endParaRPr lang="zh-CN" altLang="en-US" sz="2800">
+              <a:solidFill>
+                <a:srgbClr val="666666"/>
+              </a:solidFill>
               <a:latin typeface="Times New Roman" panose="02020603050405020304" charset="0"/>
+              <a:ea typeface="楷体" panose="02010609060101010101" charset="-122"/>
               <a:cs typeface="Times New Roman" panose="02020603050405020304" charset="0"/>
             </a:endParaRPr>
           </a:p>
           <a:p>
-            <a:pPr algn="l"/>
-            <a:r>
-              <a:rPr lang="en-US" altLang="zh-CN" sz="4400">
+            <a:r>
+              <a:rPr lang="zh-CN" altLang="en-US" sz="2800">
+                <a:solidFill>
+                  <a:srgbClr val="666666"/>
+                </a:solidFill>
                 <a:latin typeface="Times New Roman" panose="02020603050405020304" charset="0"/>
+                <a:ea typeface="楷体" panose="02010609060101010101" charset="-122"/>
                 <a:cs typeface="Times New Roman" panose="02020603050405020304" charset="0"/>
               </a:rPr>
-              <a:t>int main()</a:t>
-            </a:r>
-            <a:endParaRPr lang="en-US" altLang="zh-CN" sz="4400">
+              <a:t>我国累计获金牌46块、银牌17块，铜牌12块。</a:t>
+            </a:r>
+            <a:endParaRPr lang="zh-CN" altLang="en-US" sz="2800">
+              <a:solidFill>
+                <a:srgbClr val="666666"/>
+              </a:solidFill>
               <a:latin typeface="Times New Roman" panose="02020603050405020304" charset="0"/>
-              <a:cs typeface="Times New Roman" panose="02020603050405020304" charset="0"/>
-            </a:endParaRPr>
-          </a:p>
-          <a:p>
-            <a:pPr algn="l"/>
-            <a:r>
-              <a:rPr lang="en-US" altLang="zh-CN" sz="4400">
-                <a:latin typeface="Times New Roman" panose="02020603050405020304" charset="0"/>
-                <a:cs typeface="Times New Roman" panose="02020603050405020304" charset="0"/>
-              </a:rPr>
-              <a:t>{</a:t>
-            </a:r>
-            <a:endParaRPr lang="en-US" altLang="zh-CN" sz="4400">
-              <a:latin typeface="Times New Roman" panose="02020603050405020304" charset="0"/>
-              <a:cs typeface="Times New Roman" panose="02020603050405020304" charset="0"/>
-            </a:endParaRPr>
-          </a:p>
-          <a:p>
-            <a:pPr algn="l"/>
-            <a:r>
-              <a:rPr lang="en-US" altLang="zh-CN" sz="4400">
-                <a:latin typeface="Times New Roman" panose="02020603050405020304" charset="0"/>
-                <a:cs typeface="Times New Roman" panose="02020603050405020304" charset="0"/>
-              </a:rPr>
-              <a:t>    cout &lt;&lt; "Hello, world!" &lt;&lt; endl;</a:t>
-            </a:r>
-            <a:endParaRPr lang="en-US" altLang="zh-CN" sz="4400">
-              <a:latin typeface="Times New Roman" panose="02020603050405020304" charset="0"/>
-              <a:cs typeface="Times New Roman" panose="02020603050405020304" charset="0"/>
-            </a:endParaRPr>
-          </a:p>
-          <a:p>
-            <a:pPr algn="l"/>
-            <a:r>
-              <a:rPr lang="en-US" altLang="zh-CN" sz="4400">
-                <a:latin typeface="Times New Roman" panose="02020603050405020304" charset="0"/>
-                <a:cs typeface="Times New Roman" panose="02020603050405020304" charset="0"/>
-              </a:rPr>
-              <a:t>    return 0;</a:t>
-            </a:r>
-            <a:endParaRPr lang="en-US" altLang="zh-CN" sz="4400">
-              <a:latin typeface="Times New Roman" panose="02020603050405020304" charset="0"/>
-              <a:cs typeface="Times New Roman" panose="02020603050405020304" charset="0"/>
-            </a:endParaRPr>
-          </a:p>
-          <a:p>
-            <a:pPr algn="l"/>
-            <a:r>
-              <a:rPr lang="en-US" altLang="zh-CN" sz="4400">
-                <a:latin typeface="Times New Roman" panose="02020603050405020304" charset="0"/>
-                <a:cs typeface="Times New Roman" panose="02020603050405020304" charset="0"/>
-              </a:rPr>
-              <a:t>}</a:t>
-            </a:r>
-            <a:endParaRPr lang="en-US" altLang="zh-CN" sz="4400">
-              <a:latin typeface="Times New Roman" panose="02020603050405020304" charset="0"/>
+              <a:ea typeface="楷体" panose="02010609060101010101" charset="-122"/>
               <a:cs typeface="Times New Roman" panose="02020603050405020304" charset="0"/>
             </a:endParaRPr>
           </a:p>
@@ -3691,9 +3605,8 @@
     <p:bg>
       <p:bgPr>
         <a:solidFill>
-          <a:schemeClr val="accent3">
-            <a:lumMod val="40000"/>
-            <a:lumOff val="60000"/>
+          <a:schemeClr val="bg1">
+            <a:lumMod val="85000"/>
           </a:schemeClr>
         </a:solidFill>
         <a:effectLst/>
@@ -3708,14 +3621,14 @@
       <p:grpSpPr/>
       <p:sp>
         <p:nvSpPr>
-          <p:cNvPr id="4" name="文本框 3"/>
+          <p:cNvPr id="8" name="文本框 7"/>
           <p:cNvSpPr txBox="1"/>
           <p:nvPr/>
         </p:nvSpPr>
         <p:spPr>
           <a:xfrm>
-            <a:off x="1056005" y="1890395"/>
-            <a:ext cx="10080000" cy="3076575"/>
+            <a:off x="1753870" y="1859915"/>
+            <a:ext cx="8684260" cy="3138170"/>
           </a:xfrm>
           <a:prstGeom prst="rect">
             <a:avLst/>
@@ -3727,109 +3640,80 @@
             <a:spAutoFit/>
           </a:bodyPr>
           <a:p>
-            <a:pPr algn="l"/>
-            <a:r>
-              <a:rPr lang="en-US" altLang="zh-CN" sz="5400">
-                <a:latin typeface="Times New Roman" panose="02020603050405020304" charset="0"/>
-                <a:cs typeface="Times New Roman" panose="02020603050405020304" charset="0"/>
-              </a:rPr>
-              <a:t>http://oj.noi.cn/oj/#main/show/1001</a:t>
-            </a:r>
-            <a:endParaRPr lang="en-US" altLang="zh-CN" sz="2800">
-              <a:latin typeface="Times New Roman" panose="02020603050405020304" charset="0"/>
-              <a:cs typeface="Times New Roman" panose="02020603050405020304" charset="0"/>
-            </a:endParaRPr>
-          </a:p>
-          <a:p>
-            <a:pPr algn="l"/>
-            <a:endParaRPr lang="en-US" altLang="zh-CN" sz="2000">
-              <a:latin typeface="Times New Roman" panose="02020603050405020304" charset="0"/>
-              <a:cs typeface="Times New Roman" panose="02020603050405020304" charset="0"/>
-            </a:endParaRPr>
-          </a:p>
-          <a:p>
-            <a:pPr algn="l"/>
-            <a:r>
-              <a:rPr lang="en-US" altLang="zh-CN" sz="2000">
-                <a:latin typeface="Times New Roman" panose="02020603050405020304" charset="0"/>
-                <a:cs typeface="Times New Roman" panose="02020603050405020304" charset="0"/>
-              </a:rPr>
-              <a:t>题目描述：将输入的华氏温度转换为摄氏温度。</a:t>
-            </a:r>
-            <a:endParaRPr lang="en-US" altLang="zh-CN" sz="2000">
-              <a:latin typeface="Times New Roman" panose="02020603050405020304" charset="0"/>
-              <a:cs typeface="Times New Roman" panose="02020603050405020304" charset="0"/>
-            </a:endParaRPr>
-          </a:p>
-          <a:p>
-            <a:pPr algn="l"/>
-            <a:r>
-              <a:rPr lang="en-US" altLang="zh-CN" sz="2000">
-                <a:latin typeface="Times New Roman" panose="02020603050405020304" charset="0"/>
-                <a:cs typeface="Times New Roman" panose="02020603050405020304" charset="0"/>
-              </a:rPr>
-              <a:t>由华氏温度F与摄氏温度C的转换公式为：F＝C×9/5＋32。</a:t>
-            </a:r>
-            <a:endParaRPr lang="en-US" altLang="zh-CN" sz="2000">
-              <a:latin typeface="Times New Roman" panose="02020603050405020304" charset="0"/>
-              <a:cs typeface="Times New Roman" panose="02020603050405020304" charset="0"/>
-            </a:endParaRPr>
-          </a:p>
-          <a:p>
-            <a:pPr algn="l"/>
-            <a:r>
-              <a:rPr lang="en-US" altLang="zh-CN" sz="2000">
-                <a:latin typeface="Times New Roman" panose="02020603050405020304" charset="0"/>
-                <a:cs typeface="Times New Roman" panose="02020603050405020304" charset="0"/>
-              </a:rPr>
-              <a:t>输入：输入一个实数，表示华氏温度</a:t>
-            </a:r>
-            <a:endParaRPr lang="en-US" altLang="zh-CN" sz="2000">
-              <a:latin typeface="Times New Roman" panose="02020603050405020304" charset="0"/>
-              <a:cs typeface="Times New Roman" panose="02020603050405020304" charset="0"/>
-            </a:endParaRPr>
-          </a:p>
-          <a:p>
-            <a:pPr algn="l"/>
-            <a:r>
-              <a:rPr lang="en-US" altLang="zh-CN" sz="2000">
-                <a:latin typeface="Times New Roman" panose="02020603050405020304" charset="0"/>
-                <a:cs typeface="Times New Roman" panose="02020603050405020304" charset="0"/>
-              </a:rPr>
-              <a:t>输出： 输出对应的摄氏温度，答案保留4位小数。</a:t>
-            </a:r>
-            <a:endParaRPr lang="en-US" altLang="zh-CN" sz="2000">
-              <a:latin typeface="Times New Roman" panose="02020603050405020304" charset="0"/>
-              <a:cs typeface="Times New Roman" panose="02020603050405020304" charset="0"/>
-            </a:endParaRPr>
-          </a:p>
-          <a:p>
-            <a:pPr algn="l"/>
-            <a:r>
-              <a:rPr lang="en-US" altLang="zh-CN" sz="2000">
-                <a:latin typeface="Times New Roman" panose="02020603050405020304" charset="0"/>
-                <a:cs typeface="Times New Roman" panose="02020603050405020304" charset="0"/>
-              </a:rPr>
-              <a:t>样例输入：50</a:t>
-            </a:r>
-            <a:endParaRPr lang="en-US" altLang="zh-CN" sz="2000">
-              <a:latin typeface="Times New Roman" panose="02020603050405020304" charset="0"/>
-              <a:cs typeface="Times New Roman" panose="02020603050405020304" charset="0"/>
-            </a:endParaRPr>
-          </a:p>
-          <a:p>
-            <a:pPr algn="l"/>
-            <a:r>
-              <a:rPr lang="en-US" altLang="zh-CN" sz="2000">
-                <a:latin typeface="Times New Roman" panose="02020603050405020304" charset="0"/>
-                <a:cs typeface="Times New Roman" panose="02020603050405020304" charset="0"/>
-              </a:rPr>
-              <a:t>样例输出：10.0000</a:t>
-            </a:r>
-            <a:endParaRPr lang="en-US" altLang="zh-CN" sz="2000">
-              <a:latin typeface="Times New Roman" panose="02020603050405020304" charset="0"/>
-              <a:cs typeface="Times New Roman" panose="02020603050405020304" charset="0"/>
-            </a:endParaRPr>
+            <a:r>
+              <a:rPr lang="zh-CN" altLang="en-US"/>
+              <a:t>第十三届亚洲和太平洋地区信息学奥林匹克（APIO2019）中国区获奖名单</a:t>
+            </a:r>
+            <a:endParaRPr lang="zh-CN" altLang="en-US"/>
+          </a:p>
+          <a:p>
+            <a:r>
+              <a:rPr lang="zh-CN" altLang="en-US"/>
+              <a:t>http://www.noi.cn/RequireFile.do?fid=9n2ebb4m%20&amp;attach=n</a:t>
+            </a:r>
+            <a:endParaRPr lang="zh-CN" altLang="en-US"/>
+          </a:p>
+          <a:p>
+            <a:endParaRPr lang="zh-CN" altLang="en-US"/>
+          </a:p>
+          <a:p>
+            <a:r>
+              <a:rPr lang="zh-CN" altLang="en-US">
+                <a:sym typeface="+mn-ea"/>
+              </a:rPr>
+              <a:t>第31届国际信息学奥林匹克中国队选拔（CCF CTS2019）获奖名单http://www.noi.cn/RequireFile.do?fid=JERYBEbe&amp;attach=n</a:t>
+            </a:r>
+            <a:endParaRPr lang="zh-CN" altLang="en-US">
+              <a:sym typeface="+mn-ea"/>
+            </a:endParaRPr>
+          </a:p>
+          <a:p>
+            <a:endParaRPr lang="zh-CN" altLang="en-US">
+              <a:sym typeface="+mn-ea"/>
+            </a:endParaRPr>
+          </a:p>
+          <a:p>
+            <a:r>
+              <a:rPr lang="zh-CN" altLang="en-US">
+                <a:sym typeface="+mn-ea"/>
+              </a:rPr>
+              <a:t>NOI2019冬令营获奖名单</a:t>
+            </a:r>
+            <a:endParaRPr lang="zh-CN" altLang="en-US"/>
+          </a:p>
+          <a:p>
+            <a:r>
+              <a:rPr lang="zh-CN" altLang="en-US">
+                <a:sym typeface="+mn-ea"/>
+              </a:rPr>
+              <a:t>http://www.noi.cn/RequireFile.do?fid=LHmtdrNB&amp;attach=n</a:t>
+            </a:r>
+            <a:endParaRPr lang="zh-CN" altLang="en-US">
+              <a:sym typeface="+mn-ea"/>
+            </a:endParaRPr>
+          </a:p>
+          <a:p>
+            <a:endParaRPr lang="zh-CN" altLang="en-US">
+              <a:sym typeface="+mn-ea"/>
+            </a:endParaRPr>
+          </a:p>
+          <a:p>
+            <a:r>
+              <a:rPr lang="zh-CN" altLang="en-US">
+                <a:sym typeface="+mn-ea"/>
+              </a:rPr>
+              <a:t>CCF NOIP2018复赛获奖名单</a:t>
+            </a:r>
+            <a:endParaRPr lang="zh-CN" altLang="en-US"/>
+          </a:p>
+          <a:p>
+            <a:r>
+              <a:rPr lang="zh-CN" altLang="en-US">
+                <a:sym typeface="+mn-ea"/>
+              </a:rPr>
+              <a:t>https://www.ccf.org.cn/ccf/preview/zgjsjxh/noi/noi2018/2.htm</a:t>
+            </a:r>
+            <a:endParaRPr lang="zh-CN" altLang="en-US"/>
           </a:p>
         </p:txBody>
       </p:sp>
@@ -3870,8 +3754,8 @@
         </p:nvSpPr>
         <p:spPr>
           <a:xfrm>
-            <a:off x="1056005" y="59690"/>
-            <a:ext cx="10080000" cy="6739255"/>
+            <a:off x="1056005" y="2644775"/>
+            <a:ext cx="10080000" cy="1568450"/>
           </a:xfrm>
           <a:prstGeom prst="rect">
             <a:avLst/>
@@ -3883,162 +3767,41 @@
             <a:spAutoFit/>
           </a:bodyPr>
           <a:p>
-            <a:pPr algn="l"/>
-            <a:r>
-              <a:rPr lang="en-US" altLang="zh-CN" sz="3600">
+            <a:pPr algn="ctr"/>
+            <a:r>
+              <a:rPr lang="en-US" altLang="zh-CN" sz="9600">
+                <a:solidFill>
+                  <a:srgbClr val="666666"/>
+                </a:solidFill>
                 <a:latin typeface="Times New Roman" panose="02020603050405020304" charset="0"/>
                 <a:cs typeface="Times New Roman" panose="02020603050405020304" charset="0"/>
               </a:rPr>
-              <a:t>#include &lt;iostream&gt;</a:t>
-            </a:r>
-            <a:endParaRPr lang="en-US" altLang="zh-CN" sz="3600">
-              <a:latin typeface="Times New Roman" panose="02020603050405020304" charset="0"/>
-              <a:cs typeface="Times New Roman" panose="02020603050405020304" charset="0"/>
-            </a:endParaRPr>
-          </a:p>
-          <a:p>
-            <a:pPr algn="l"/>
-            <a:r>
-              <a:rPr lang="en-US" altLang="zh-CN" sz="3600">
+              <a:t>C/</a:t>
+            </a:r>
+            <a:r>
+              <a:rPr lang="en-US" altLang="zh-CN" sz="9600">
+                <a:solidFill>
+                  <a:srgbClr val="FF0000"/>
+                </a:solidFill>
                 <a:latin typeface="Times New Roman" panose="02020603050405020304" charset="0"/>
                 <a:cs typeface="Times New Roman" panose="02020603050405020304" charset="0"/>
               </a:rPr>
-              <a:t>#include &lt;stdio.h&gt;</a:t>
-            </a:r>
-            <a:endParaRPr lang="en-US" altLang="zh-CN" sz="3600">
-              <a:latin typeface="Times New Roman" panose="02020603050405020304" charset="0"/>
-              <a:cs typeface="Times New Roman" panose="02020603050405020304" charset="0"/>
-            </a:endParaRPr>
-          </a:p>
-          <a:p>
-            <a:pPr algn="l"/>
-            <a:r>
-              <a:rPr lang="en-US" altLang="zh-CN" sz="3600">
+              <a:t>C++</a:t>
+            </a:r>
+            <a:r>
+              <a:rPr lang="en-US" altLang="zh-CN" sz="9600">
+                <a:solidFill>
+                  <a:srgbClr val="666666"/>
+                </a:solidFill>
                 <a:latin typeface="Times New Roman" panose="02020603050405020304" charset="0"/>
                 <a:cs typeface="Times New Roman" panose="02020603050405020304" charset="0"/>
               </a:rPr>
-              <a:t>using namespace std;</a:t>
-            </a:r>
-            <a:endParaRPr lang="en-US" altLang="zh-CN" sz="3600">
-              <a:latin typeface="Times New Roman" panose="02020603050405020304" charset="0"/>
-              <a:cs typeface="Times New Roman" panose="02020603050405020304" charset="0"/>
-            </a:endParaRPr>
-          </a:p>
-          <a:p>
-            <a:pPr algn="l"/>
-            <a:endParaRPr lang="en-US" altLang="zh-CN" sz="3600">
-              <a:latin typeface="Times New Roman" panose="02020603050405020304" charset="0"/>
-              <a:cs typeface="Times New Roman" panose="02020603050405020304" charset="0"/>
-            </a:endParaRPr>
-          </a:p>
-          <a:p>
-            <a:pPr algn="l"/>
-            <a:r>
-              <a:rPr lang="en-US" altLang="zh-CN" sz="3600">
-                <a:latin typeface="Times New Roman" panose="02020603050405020304" charset="0"/>
-                <a:cs typeface="Times New Roman" panose="02020603050405020304" charset="0"/>
-              </a:rPr>
-              <a:t>int main(int argc, char** argv) {</a:t>
-            </a:r>
-            <a:endParaRPr lang="en-US" altLang="zh-CN" sz="3600">
-              <a:latin typeface="Times New Roman" panose="02020603050405020304" charset="0"/>
-              <a:cs typeface="Times New Roman" panose="02020603050405020304" charset="0"/>
-            </a:endParaRPr>
-          </a:p>
-          <a:p>
-            <a:pPr algn="l"/>
-            <a:r>
-              <a:rPr lang="en-US" altLang="zh-CN" sz="3600">
-                <a:latin typeface="Times New Roman" panose="02020603050405020304" charset="0"/>
-                <a:cs typeface="Times New Roman" panose="02020603050405020304" charset="0"/>
-              </a:rPr>
-              <a:t>	float f, c;</a:t>
-            </a:r>
-            <a:endParaRPr lang="en-US" altLang="zh-CN" sz="3600">
-              <a:latin typeface="Times New Roman" panose="02020603050405020304" charset="0"/>
-              <a:cs typeface="Times New Roman" panose="02020603050405020304" charset="0"/>
-            </a:endParaRPr>
-          </a:p>
-          <a:p>
-            <a:pPr algn="l"/>
-            <a:r>
-              <a:rPr lang="en-US" altLang="zh-CN" sz="3600">
-                <a:latin typeface="Times New Roman" panose="02020603050405020304" charset="0"/>
-                <a:cs typeface="Times New Roman" panose="02020603050405020304" charset="0"/>
-              </a:rPr>
-              <a:t>	while(scanf("%f", &amp;f) != EOF) {</a:t>
-            </a:r>
-            <a:endParaRPr lang="en-US" altLang="zh-CN" sz="3600">
-              <a:latin typeface="Times New Roman" panose="02020603050405020304" charset="0"/>
-              <a:cs typeface="Times New Roman" panose="02020603050405020304" charset="0"/>
-            </a:endParaRPr>
-          </a:p>
-          <a:p>
-            <a:pPr algn="l"/>
-            <a:r>
-              <a:rPr lang="en-US" altLang="zh-CN" sz="3600">
-                <a:latin typeface="Times New Roman" panose="02020603050405020304" charset="0"/>
-                <a:cs typeface="Times New Roman" panose="02020603050405020304" charset="0"/>
-              </a:rPr>
-              <a:t>		c = (f - 32) * 5 / 9;</a:t>
-            </a:r>
-            <a:endParaRPr lang="en-US" altLang="zh-CN" sz="3600">
-              <a:latin typeface="Times New Roman" panose="02020603050405020304" charset="0"/>
-              <a:cs typeface="Times New Roman" panose="02020603050405020304" charset="0"/>
-            </a:endParaRPr>
-          </a:p>
-          <a:p>
-            <a:pPr algn="l"/>
-            <a:r>
-              <a:rPr lang="en-US" altLang="zh-CN" sz="3600">
-                <a:latin typeface="Times New Roman" panose="02020603050405020304" charset="0"/>
-                <a:cs typeface="Times New Roman" panose="02020603050405020304" charset="0"/>
-              </a:rPr>
-              <a:t>		printf("%.4f\r\n", c);</a:t>
-            </a:r>
-            <a:endParaRPr lang="en-US" altLang="zh-CN" sz="3600">
-              <a:latin typeface="Times New Roman" panose="02020603050405020304" charset="0"/>
-              <a:cs typeface="Times New Roman" panose="02020603050405020304" charset="0"/>
-            </a:endParaRPr>
-          </a:p>
-          <a:p>
-            <a:pPr algn="l"/>
-            <a:r>
-              <a:rPr lang="en-US" altLang="zh-CN" sz="3600">
-                <a:latin typeface="Times New Roman" panose="02020603050405020304" charset="0"/>
-                <a:cs typeface="Times New Roman" panose="02020603050405020304" charset="0"/>
-              </a:rPr>
-              <a:t>	}</a:t>
-            </a:r>
-            <a:endParaRPr lang="en-US" altLang="zh-CN" sz="3600">
-              <a:latin typeface="Times New Roman" panose="02020603050405020304" charset="0"/>
-              <a:cs typeface="Times New Roman" panose="02020603050405020304" charset="0"/>
-            </a:endParaRPr>
-          </a:p>
-          <a:p>
-            <a:pPr algn="l"/>
-            <a:r>
-              <a:rPr lang="en-US" altLang="zh-CN" sz="3600">
-                <a:latin typeface="Times New Roman" panose="02020603050405020304" charset="0"/>
-                <a:cs typeface="Times New Roman" panose="02020603050405020304" charset="0"/>
-              </a:rPr>
-              <a:t>	return 0;</a:t>
-            </a:r>
-            <a:endParaRPr lang="en-US" altLang="zh-CN" sz="3600">
-              <a:latin typeface="Times New Roman" panose="02020603050405020304" charset="0"/>
-              <a:cs typeface="Times New Roman" panose="02020603050405020304" charset="0"/>
-            </a:endParaRPr>
-          </a:p>
-          <a:p>
-            <a:pPr algn="l"/>
-            <a:r>
-              <a:rPr lang="en-US" altLang="zh-CN" sz="3600">
-                <a:latin typeface="Times New Roman" panose="02020603050405020304" charset="0"/>
-                <a:cs typeface="Times New Roman" panose="02020603050405020304" charset="0"/>
-              </a:rPr>
-              <a:t>}</a:t>
-            </a:r>
-            <a:endParaRPr lang="en-US" altLang="zh-CN" sz="3600">
+              <a:t>/Pascal</a:t>
+            </a:r>
+            <a:endParaRPr lang="zh-CN" altLang="en-US" sz="9600">
+              <a:solidFill>
+                <a:srgbClr val="666666"/>
+              </a:solidFill>
               <a:latin typeface="Times New Roman" panose="02020603050405020304" charset="0"/>
               <a:cs typeface="Times New Roman" panose="02020603050405020304" charset="0"/>
             </a:endParaRPr>
@@ -4054,6 +3817,574 @@
 </file>
 
 <file path=ppt/slides/slide17.xml><?xml version="1.0" encoding="utf-8"?>
+<p:sld xmlns:a="http://schemas.openxmlformats.org/drawingml/2006/main" xmlns:r="http://schemas.openxmlformats.org/officeDocument/2006/relationships" xmlns:p="http://schemas.openxmlformats.org/presentationml/2006/main">
+  <p:cSld>
+    <p:bg>
+      <p:bgPr>
+        <a:solidFill>
+          <a:schemeClr val="accent3">
+            <a:lumMod val="40000"/>
+            <a:lumOff val="60000"/>
+          </a:schemeClr>
+        </a:solidFill>
+        <a:effectLst/>
+      </p:bgPr>
+    </p:bg>
+    <p:spTree>
+      <p:nvGrpSpPr>
+        <p:cNvPr id="1" name=""/>
+        <p:cNvGrpSpPr/>
+        <p:nvPr/>
+      </p:nvGrpSpPr>
+      <p:grpSpPr/>
+      <p:sp>
+        <p:nvSpPr>
+          <p:cNvPr id="4" name="文本框 3"/>
+          <p:cNvSpPr txBox="1"/>
+          <p:nvPr/>
+        </p:nvSpPr>
+        <p:spPr>
+          <a:xfrm>
+            <a:off x="1056005" y="1013460"/>
+            <a:ext cx="10080000" cy="4831080"/>
+          </a:xfrm>
+          <a:prstGeom prst="rect">
+            <a:avLst/>
+          </a:prstGeom>
+          <a:noFill/>
+        </p:spPr>
+        <p:txBody>
+          <a:bodyPr wrap="square" rtlCol="0" anchor="t">
+            <a:spAutoFit/>
+          </a:bodyPr>
+          <a:p>
+            <a:pPr algn="l"/>
+            <a:r>
+              <a:rPr lang="en-US" altLang="zh-CN" sz="4400">
+                <a:latin typeface="Times New Roman" panose="02020603050405020304" charset="0"/>
+                <a:cs typeface="Times New Roman" panose="02020603050405020304" charset="0"/>
+              </a:rPr>
+              <a:t>#include &lt;iostream&gt;</a:t>
+            </a:r>
+            <a:endParaRPr lang="en-US" altLang="zh-CN" sz="4400">
+              <a:latin typeface="Times New Roman" panose="02020603050405020304" charset="0"/>
+              <a:cs typeface="Times New Roman" panose="02020603050405020304" charset="0"/>
+            </a:endParaRPr>
+          </a:p>
+          <a:p>
+            <a:pPr algn="l"/>
+            <a:r>
+              <a:rPr lang="en-US" altLang="zh-CN" sz="4400">
+                <a:latin typeface="Times New Roman" panose="02020603050405020304" charset="0"/>
+                <a:cs typeface="Times New Roman" panose="02020603050405020304" charset="0"/>
+              </a:rPr>
+              <a:t>using namespace std;</a:t>
+            </a:r>
+            <a:endParaRPr lang="en-US" altLang="zh-CN" sz="4400">
+              <a:latin typeface="Times New Roman" panose="02020603050405020304" charset="0"/>
+              <a:cs typeface="Times New Roman" panose="02020603050405020304" charset="0"/>
+            </a:endParaRPr>
+          </a:p>
+          <a:p>
+            <a:pPr algn="l"/>
+            <a:r>
+              <a:rPr lang="en-US" altLang="zh-CN" sz="4400">
+                <a:latin typeface="Times New Roman" panose="02020603050405020304" charset="0"/>
+                <a:cs typeface="Times New Roman" panose="02020603050405020304" charset="0"/>
+              </a:rPr>
+              <a:t>int main()</a:t>
+            </a:r>
+            <a:endParaRPr lang="en-US" altLang="zh-CN" sz="4400">
+              <a:latin typeface="Times New Roman" panose="02020603050405020304" charset="0"/>
+              <a:cs typeface="Times New Roman" panose="02020603050405020304" charset="0"/>
+            </a:endParaRPr>
+          </a:p>
+          <a:p>
+            <a:pPr algn="l"/>
+            <a:r>
+              <a:rPr lang="en-US" altLang="zh-CN" sz="4400">
+                <a:latin typeface="Times New Roman" panose="02020603050405020304" charset="0"/>
+                <a:cs typeface="Times New Roman" panose="02020603050405020304" charset="0"/>
+              </a:rPr>
+              <a:t>{</a:t>
+            </a:r>
+            <a:endParaRPr lang="en-US" altLang="zh-CN" sz="4400">
+              <a:latin typeface="Times New Roman" panose="02020603050405020304" charset="0"/>
+              <a:cs typeface="Times New Roman" panose="02020603050405020304" charset="0"/>
+            </a:endParaRPr>
+          </a:p>
+          <a:p>
+            <a:pPr algn="l"/>
+            <a:r>
+              <a:rPr lang="en-US" altLang="zh-CN" sz="4400">
+                <a:latin typeface="Times New Roman" panose="02020603050405020304" charset="0"/>
+                <a:cs typeface="Times New Roman" panose="02020603050405020304" charset="0"/>
+              </a:rPr>
+              <a:t>    cout &lt;&lt; "Hello, world!" &lt;&lt; endl;</a:t>
+            </a:r>
+            <a:endParaRPr lang="en-US" altLang="zh-CN" sz="4400">
+              <a:latin typeface="Times New Roman" panose="02020603050405020304" charset="0"/>
+              <a:cs typeface="Times New Roman" panose="02020603050405020304" charset="0"/>
+            </a:endParaRPr>
+          </a:p>
+          <a:p>
+            <a:pPr algn="l"/>
+            <a:r>
+              <a:rPr lang="en-US" altLang="zh-CN" sz="4400">
+                <a:latin typeface="Times New Roman" panose="02020603050405020304" charset="0"/>
+                <a:cs typeface="Times New Roman" panose="02020603050405020304" charset="0"/>
+              </a:rPr>
+              <a:t>    return 0;</a:t>
+            </a:r>
+            <a:endParaRPr lang="en-US" altLang="zh-CN" sz="4400">
+              <a:latin typeface="Times New Roman" panose="02020603050405020304" charset="0"/>
+              <a:cs typeface="Times New Roman" panose="02020603050405020304" charset="0"/>
+            </a:endParaRPr>
+          </a:p>
+          <a:p>
+            <a:pPr algn="l"/>
+            <a:r>
+              <a:rPr lang="en-US" altLang="zh-CN" sz="4400">
+                <a:latin typeface="Times New Roman" panose="02020603050405020304" charset="0"/>
+                <a:cs typeface="Times New Roman" panose="02020603050405020304" charset="0"/>
+              </a:rPr>
+              <a:t>}</a:t>
+            </a:r>
+            <a:endParaRPr lang="en-US" altLang="zh-CN" sz="4400">
+              <a:latin typeface="Times New Roman" panose="02020603050405020304" charset="0"/>
+              <a:cs typeface="Times New Roman" panose="02020603050405020304" charset="0"/>
+            </a:endParaRPr>
+          </a:p>
+        </p:txBody>
+      </p:sp>
+    </p:spTree>
+  </p:cSld>
+  <p:clrMapOvr>
+    <a:masterClrMapping/>
+  </p:clrMapOvr>
+</p:sld>
+</file>
+
+<file path=ppt/slides/slide18.xml><?xml version="1.0" encoding="utf-8"?>
+<p:sld xmlns:a="http://schemas.openxmlformats.org/drawingml/2006/main" xmlns:r="http://schemas.openxmlformats.org/officeDocument/2006/relationships" xmlns:p="http://schemas.openxmlformats.org/presentationml/2006/main">
+  <p:cSld>
+    <p:bg>
+      <p:bgPr>
+        <a:solidFill>
+          <a:schemeClr val="accent3">
+            <a:lumMod val="40000"/>
+            <a:lumOff val="60000"/>
+          </a:schemeClr>
+        </a:solidFill>
+        <a:effectLst/>
+      </p:bgPr>
+    </p:bg>
+    <p:spTree>
+      <p:nvGrpSpPr>
+        <p:cNvPr id="1" name=""/>
+        <p:cNvGrpSpPr/>
+        <p:nvPr/>
+      </p:nvGrpSpPr>
+      <p:grpSpPr/>
+      <p:sp>
+        <p:nvSpPr>
+          <p:cNvPr id="4" name="文本框 3"/>
+          <p:cNvSpPr txBox="1"/>
+          <p:nvPr/>
+        </p:nvSpPr>
+        <p:spPr>
+          <a:xfrm>
+            <a:off x="1056005" y="1890395"/>
+            <a:ext cx="10080000" cy="3076575"/>
+          </a:xfrm>
+          <a:prstGeom prst="rect">
+            <a:avLst/>
+          </a:prstGeom>
+          <a:noFill/>
+        </p:spPr>
+        <p:txBody>
+          <a:bodyPr wrap="square" rtlCol="0" anchor="t">
+            <a:spAutoFit/>
+          </a:bodyPr>
+          <a:p>
+            <a:pPr algn="l"/>
+            <a:r>
+              <a:rPr lang="en-US" altLang="zh-CN" sz="5400">
+                <a:latin typeface="Times New Roman" panose="02020603050405020304" charset="0"/>
+                <a:cs typeface="Times New Roman" panose="02020603050405020304" charset="0"/>
+              </a:rPr>
+              <a:t>http://oj.noi.cn/oj/#main/show/1001</a:t>
+            </a:r>
+            <a:endParaRPr lang="en-US" altLang="zh-CN" sz="2800">
+              <a:latin typeface="Times New Roman" panose="02020603050405020304" charset="0"/>
+              <a:cs typeface="Times New Roman" panose="02020603050405020304" charset="0"/>
+            </a:endParaRPr>
+          </a:p>
+          <a:p>
+            <a:pPr algn="l"/>
+            <a:endParaRPr lang="en-US" altLang="zh-CN" sz="2000">
+              <a:latin typeface="Times New Roman" panose="02020603050405020304" charset="0"/>
+              <a:cs typeface="Times New Roman" panose="02020603050405020304" charset="0"/>
+            </a:endParaRPr>
+          </a:p>
+          <a:p>
+            <a:pPr algn="l"/>
+            <a:r>
+              <a:rPr lang="en-US" altLang="zh-CN" sz="2000">
+                <a:latin typeface="Times New Roman" panose="02020603050405020304" charset="0"/>
+                <a:cs typeface="Times New Roman" panose="02020603050405020304" charset="0"/>
+              </a:rPr>
+              <a:t>题目描述：将输入的华氏温度转换为摄氏温度。</a:t>
+            </a:r>
+            <a:endParaRPr lang="en-US" altLang="zh-CN" sz="2000">
+              <a:latin typeface="Times New Roman" panose="02020603050405020304" charset="0"/>
+              <a:cs typeface="Times New Roman" panose="02020603050405020304" charset="0"/>
+            </a:endParaRPr>
+          </a:p>
+          <a:p>
+            <a:pPr algn="l"/>
+            <a:r>
+              <a:rPr lang="en-US" altLang="zh-CN" sz="2000">
+                <a:latin typeface="Times New Roman" panose="02020603050405020304" charset="0"/>
+                <a:cs typeface="Times New Roman" panose="02020603050405020304" charset="0"/>
+              </a:rPr>
+              <a:t>由华氏温度F与摄氏温度C的转换公式为：F＝C×9/5＋32。</a:t>
+            </a:r>
+            <a:endParaRPr lang="en-US" altLang="zh-CN" sz="2000">
+              <a:latin typeface="Times New Roman" panose="02020603050405020304" charset="0"/>
+              <a:cs typeface="Times New Roman" panose="02020603050405020304" charset="0"/>
+            </a:endParaRPr>
+          </a:p>
+          <a:p>
+            <a:pPr algn="l"/>
+            <a:r>
+              <a:rPr lang="en-US" altLang="zh-CN" sz="2000">
+                <a:latin typeface="Times New Roman" panose="02020603050405020304" charset="0"/>
+                <a:cs typeface="Times New Roman" panose="02020603050405020304" charset="0"/>
+              </a:rPr>
+              <a:t>输入：输入一个实数，表示华氏温度</a:t>
+            </a:r>
+            <a:endParaRPr lang="en-US" altLang="zh-CN" sz="2000">
+              <a:latin typeface="Times New Roman" panose="02020603050405020304" charset="0"/>
+              <a:cs typeface="Times New Roman" panose="02020603050405020304" charset="0"/>
+            </a:endParaRPr>
+          </a:p>
+          <a:p>
+            <a:pPr algn="l"/>
+            <a:r>
+              <a:rPr lang="en-US" altLang="zh-CN" sz="2000">
+                <a:latin typeface="Times New Roman" panose="02020603050405020304" charset="0"/>
+                <a:cs typeface="Times New Roman" panose="02020603050405020304" charset="0"/>
+              </a:rPr>
+              <a:t>输出： 输出对应的摄氏温度，答案保留4位小数。</a:t>
+            </a:r>
+            <a:endParaRPr lang="en-US" altLang="zh-CN" sz="2000">
+              <a:latin typeface="Times New Roman" panose="02020603050405020304" charset="0"/>
+              <a:cs typeface="Times New Roman" panose="02020603050405020304" charset="0"/>
+            </a:endParaRPr>
+          </a:p>
+          <a:p>
+            <a:pPr algn="l"/>
+            <a:r>
+              <a:rPr lang="en-US" altLang="zh-CN" sz="2000">
+                <a:latin typeface="Times New Roman" panose="02020603050405020304" charset="0"/>
+                <a:cs typeface="Times New Roman" panose="02020603050405020304" charset="0"/>
+              </a:rPr>
+              <a:t>样例输入：50</a:t>
+            </a:r>
+            <a:endParaRPr lang="en-US" altLang="zh-CN" sz="2000">
+              <a:latin typeface="Times New Roman" panose="02020603050405020304" charset="0"/>
+              <a:cs typeface="Times New Roman" panose="02020603050405020304" charset="0"/>
+            </a:endParaRPr>
+          </a:p>
+          <a:p>
+            <a:pPr algn="l"/>
+            <a:r>
+              <a:rPr lang="en-US" altLang="zh-CN" sz="2000">
+                <a:latin typeface="Times New Roman" panose="02020603050405020304" charset="0"/>
+                <a:cs typeface="Times New Roman" panose="02020603050405020304" charset="0"/>
+              </a:rPr>
+              <a:t>样例输出：10.0000</a:t>
+            </a:r>
+            <a:endParaRPr lang="en-US" altLang="zh-CN" sz="2000">
+              <a:latin typeface="Times New Roman" panose="02020603050405020304" charset="0"/>
+              <a:cs typeface="Times New Roman" panose="02020603050405020304" charset="0"/>
+            </a:endParaRPr>
+          </a:p>
+        </p:txBody>
+      </p:sp>
+    </p:spTree>
+  </p:cSld>
+  <p:clrMapOvr>
+    <a:masterClrMapping/>
+  </p:clrMapOvr>
+</p:sld>
+</file>
+
+<file path=ppt/slides/slide19.xml><?xml version="1.0" encoding="utf-8"?>
+<p:sld xmlns:a="http://schemas.openxmlformats.org/drawingml/2006/main" xmlns:r="http://schemas.openxmlformats.org/officeDocument/2006/relationships" xmlns:p="http://schemas.openxmlformats.org/presentationml/2006/main">
+  <p:cSld>
+    <p:bg>
+      <p:bgPr>
+        <a:solidFill>
+          <a:schemeClr val="accent3">
+            <a:lumMod val="40000"/>
+            <a:lumOff val="60000"/>
+          </a:schemeClr>
+        </a:solidFill>
+        <a:effectLst/>
+      </p:bgPr>
+    </p:bg>
+    <p:spTree>
+      <p:nvGrpSpPr>
+        <p:cNvPr id="1" name=""/>
+        <p:cNvGrpSpPr/>
+        <p:nvPr/>
+      </p:nvGrpSpPr>
+      <p:grpSpPr/>
+      <p:sp>
+        <p:nvSpPr>
+          <p:cNvPr id="4" name="文本框 3"/>
+          <p:cNvSpPr txBox="1"/>
+          <p:nvPr/>
+        </p:nvSpPr>
+        <p:spPr>
+          <a:xfrm>
+            <a:off x="1056005" y="59690"/>
+            <a:ext cx="10080000" cy="6739255"/>
+          </a:xfrm>
+          <a:prstGeom prst="rect">
+            <a:avLst/>
+          </a:prstGeom>
+          <a:noFill/>
+        </p:spPr>
+        <p:txBody>
+          <a:bodyPr wrap="square" rtlCol="0" anchor="t">
+            <a:spAutoFit/>
+          </a:bodyPr>
+          <a:p>
+            <a:pPr algn="l"/>
+            <a:r>
+              <a:rPr lang="en-US" altLang="zh-CN" sz="3600">
+                <a:latin typeface="Times New Roman" panose="02020603050405020304" charset="0"/>
+                <a:cs typeface="Times New Roman" panose="02020603050405020304" charset="0"/>
+              </a:rPr>
+              <a:t>#include &lt;iostream&gt;</a:t>
+            </a:r>
+            <a:endParaRPr lang="en-US" altLang="zh-CN" sz="3600">
+              <a:latin typeface="Times New Roman" panose="02020603050405020304" charset="0"/>
+              <a:cs typeface="Times New Roman" panose="02020603050405020304" charset="0"/>
+            </a:endParaRPr>
+          </a:p>
+          <a:p>
+            <a:pPr algn="l"/>
+            <a:r>
+              <a:rPr lang="en-US" altLang="zh-CN" sz="3600">
+                <a:latin typeface="Times New Roman" panose="02020603050405020304" charset="0"/>
+                <a:cs typeface="Times New Roman" panose="02020603050405020304" charset="0"/>
+              </a:rPr>
+              <a:t>#include &lt;stdio.h&gt;</a:t>
+            </a:r>
+            <a:endParaRPr lang="en-US" altLang="zh-CN" sz="3600">
+              <a:latin typeface="Times New Roman" panose="02020603050405020304" charset="0"/>
+              <a:cs typeface="Times New Roman" panose="02020603050405020304" charset="0"/>
+            </a:endParaRPr>
+          </a:p>
+          <a:p>
+            <a:pPr algn="l"/>
+            <a:r>
+              <a:rPr lang="en-US" altLang="zh-CN" sz="3600">
+                <a:latin typeface="Times New Roman" panose="02020603050405020304" charset="0"/>
+                <a:cs typeface="Times New Roman" panose="02020603050405020304" charset="0"/>
+              </a:rPr>
+              <a:t>using namespace std;</a:t>
+            </a:r>
+            <a:endParaRPr lang="en-US" altLang="zh-CN" sz="3600">
+              <a:latin typeface="Times New Roman" panose="02020603050405020304" charset="0"/>
+              <a:cs typeface="Times New Roman" panose="02020603050405020304" charset="0"/>
+            </a:endParaRPr>
+          </a:p>
+          <a:p>
+            <a:pPr algn="l"/>
+            <a:endParaRPr lang="en-US" altLang="zh-CN" sz="3600">
+              <a:latin typeface="Times New Roman" panose="02020603050405020304" charset="0"/>
+              <a:cs typeface="Times New Roman" panose="02020603050405020304" charset="0"/>
+            </a:endParaRPr>
+          </a:p>
+          <a:p>
+            <a:pPr algn="l"/>
+            <a:r>
+              <a:rPr lang="en-US" altLang="zh-CN" sz="3600">
+                <a:latin typeface="Times New Roman" panose="02020603050405020304" charset="0"/>
+                <a:cs typeface="Times New Roman" panose="02020603050405020304" charset="0"/>
+              </a:rPr>
+              <a:t>int main(int argc, char** argv) {</a:t>
+            </a:r>
+            <a:endParaRPr lang="en-US" altLang="zh-CN" sz="3600">
+              <a:latin typeface="Times New Roman" panose="02020603050405020304" charset="0"/>
+              <a:cs typeface="Times New Roman" panose="02020603050405020304" charset="0"/>
+            </a:endParaRPr>
+          </a:p>
+          <a:p>
+            <a:pPr algn="l"/>
+            <a:r>
+              <a:rPr lang="en-US" altLang="zh-CN" sz="3600">
+                <a:latin typeface="Times New Roman" panose="02020603050405020304" charset="0"/>
+                <a:cs typeface="Times New Roman" panose="02020603050405020304" charset="0"/>
+              </a:rPr>
+              <a:t>	float f, c;</a:t>
+            </a:r>
+            <a:endParaRPr lang="en-US" altLang="zh-CN" sz="3600">
+              <a:latin typeface="Times New Roman" panose="02020603050405020304" charset="0"/>
+              <a:cs typeface="Times New Roman" panose="02020603050405020304" charset="0"/>
+            </a:endParaRPr>
+          </a:p>
+          <a:p>
+            <a:pPr algn="l"/>
+            <a:r>
+              <a:rPr lang="en-US" altLang="zh-CN" sz="3600">
+                <a:latin typeface="Times New Roman" panose="02020603050405020304" charset="0"/>
+                <a:cs typeface="Times New Roman" panose="02020603050405020304" charset="0"/>
+              </a:rPr>
+              <a:t>	while(scanf("%f", &amp;f) != EOF) {</a:t>
+            </a:r>
+            <a:endParaRPr lang="en-US" altLang="zh-CN" sz="3600">
+              <a:latin typeface="Times New Roman" panose="02020603050405020304" charset="0"/>
+              <a:cs typeface="Times New Roman" panose="02020603050405020304" charset="0"/>
+            </a:endParaRPr>
+          </a:p>
+          <a:p>
+            <a:pPr algn="l"/>
+            <a:r>
+              <a:rPr lang="en-US" altLang="zh-CN" sz="3600">
+                <a:latin typeface="Times New Roman" panose="02020603050405020304" charset="0"/>
+                <a:cs typeface="Times New Roman" panose="02020603050405020304" charset="0"/>
+              </a:rPr>
+              <a:t>		c = (f - 32) * 5 / 9;</a:t>
+            </a:r>
+            <a:endParaRPr lang="en-US" altLang="zh-CN" sz="3600">
+              <a:latin typeface="Times New Roman" panose="02020603050405020304" charset="0"/>
+              <a:cs typeface="Times New Roman" panose="02020603050405020304" charset="0"/>
+            </a:endParaRPr>
+          </a:p>
+          <a:p>
+            <a:pPr algn="l"/>
+            <a:r>
+              <a:rPr lang="en-US" altLang="zh-CN" sz="3600">
+                <a:latin typeface="Times New Roman" panose="02020603050405020304" charset="0"/>
+                <a:cs typeface="Times New Roman" panose="02020603050405020304" charset="0"/>
+              </a:rPr>
+              <a:t>		printf("%.4f\r\n", c);</a:t>
+            </a:r>
+            <a:endParaRPr lang="en-US" altLang="zh-CN" sz="3600">
+              <a:latin typeface="Times New Roman" panose="02020603050405020304" charset="0"/>
+              <a:cs typeface="Times New Roman" panose="02020603050405020304" charset="0"/>
+            </a:endParaRPr>
+          </a:p>
+          <a:p>
+            <a:pPr algn="l"/>
+            <a:r>
+              <a:rPr lang="en-US" altLang="zh-CN" sz="3600">
+                <a:latin typeface="Times New Roman" panose="02020603050405020304" charset="0"/>
+                <a:cs typeface="Times New Roman" panose="02020603050405020304" charset="0"/>
+              </a:rPr>
+              <a:t>	}</a:t>
+            </a:r>
+            <a:endParaRPr lang="en-US" altLang="zh-CN" sz="3600">
+              <a:latin typeface="Times New Roman" panose="02020603050405020304" charset="0"/>
+              <a:cs typeface="Times New Roman" panose="02020603050405020304" charset="0"/>
+            </a:endParaRPr>
+          </a:p>
+          <a:p>
+            <a:pPr algn="l"/>
+            <a:r>
+              <a:rPr lang="en-US" altLang="zh-CN" sz="3600">
+                <a:latin typeface="Times New Roman" panose="02020603050405020304" charset="0"/>
+                <a:cs typeface="Times New Roman" panose="02020603050405020304" charset="0"/>
+              </a:rPr>
+              <a:t>	return 0;</a:t>
+            </a:r>
+            <a:endParaRPr lang="en-US" altLang="zh-CN" sz="3600">
+              <a:latin typeface="Times New Roman" panose="02020603050405020304" charset="0"/>
+              <a:cs typeface="Times New Roman" panose="02020603050405020304" charset="0"/>
+            </a:endParaRPr>
+          </a:p>
+          <a:p>
+            <a:pPr algn="l"/>
+            <a:r>
+              <a:rPr lang="en-US" altLang="zh-CN" sz="3600">
+                <a:latin typeface="Times New Roman" panose="02020603050405020304" charset="0"/>
+                <a:cs typeface="Times New Roman" panose="02020603050405020304" charset="0"/>
+              </a:rPr>
+              <a:t>}</a:t>
+            </a:r>
+            <a:endParaRPr lang="en-US" altLang="zh-CN" sz="3600">
+              <a:latin typeface="Times New Roman" panose="02020603050405020304" charset="0"/>
+              <a:cs typeface="Times New Roman" panose="02020603050405020304" charset="0"/>
+            </a:endParaRPr>
+          </a:p>
+        </p:txBody>
+      </p:sp>
+    </p:spTree>
+  </p:cSld>
+  <p:clrMapOvr>
+    <a:masterClrMapping/>
+  </p:clrMapOvr>
+</p:sld>
+</file>
+
+<file path=ppt/slides/slide2.xml><?xml version="1.0" encoding="utf-8"?>
+<p:sld xmlns:a="http://schemas.openxmlformats.org/drawingml/2006/main" xmlns:r="http://schemas.openxmlformats.org/officeDocument/2006/relationships" xmlns:p="http://schemas.openxmlformats.org/presentationml/2006/main">
+  <p:cSld>
+    <p:bg>
+      <p:bgPr>
+        <a:noFill/>
+        <a:effectLst/>
+      </p:bgPr>
+    </p:bg>
+    <p:spTree>
+      <p:nvGrpSpPr>
+        <p:cNvPr id="1" name=""/>
+        <p:cNvGrpSpPr/>
+        <p:nvPr/>
+      </p:nvGrpSpPr>
+      <p:grpSpPr/>
+      <p:pic>
+        <p:nvPicPr>
+          <p:cNvPr id="3" name="图片 2" descr="de498130-1b6e-11e6-9113-05a9365960cd"/>
+          <p:cNvPicPr>
+            <a:picLocks noChangeAspect="1"/>
+          </p:cNvPicPr>
+          <p:nvPr/>
+        </p:nvPicPr>
+        <p:blipFill>
+          <a:blip r:embed="rId1"/>
+          <a:stretch>
+            <a:fillRect/>
+          </a:stretch>
+        </p:blipFill>
+        <p:spPr>
+          <a:xfrm>
+            <a:off x="2495550" y="1591945"/>
+            <a:ext cx="7200000" cy="3673992"/>
+          </a:xfrm>
+          <a:prstGeom prst="rect">
+            <a:avLst/>
+          </a:prstGeom>
+        </p:spPr>
+      </p:pic>
+    </p:spTree>
+    <p:custDataLst>
+      <p:tags r:id="rId2"/>
+    </p:custDataLst>
+  </p:cSld>
+  <p:clrMapOvr>
+    <a:masterClrMapping/>
+  </p:clrMapOvr>
+</p:sld>
+</file>
+
+<file path=ppt/slides/slide20.xml><?xml version="1.0" encoding="utf-8"?>
 <p:sld xmlns:a="http://schemas.openxmlformats.org/drawingml/2006/main" xmlns:r="http://schemas.openxmlformats.org/officeDocument/2006/relationships" xmlns:p="http://schemas.openxmlformats.org/presentationml/2006/main">
   <p:cSld>
     <p:bg>
@@ -4106,7 +4437,7 @@
 </p:sld>
 </file>
 
-<file path=ppt/slides/slide18.xml><?xml version="1.0" encoding="utf-8"?>
+<file path=ppt/slides/slide21.xml><?xml version="1.0" encoding="utf-8"?>
 <p:sld xmlns:a="http://schemas.openxmlformats.org/drawingml/2006/main" xmlns:r="http://schemas.openxmlformats.org/officeDocument/2006/relationships" xmlns:p="http://schemas.openxmlformats.org/presentationml/2006/main">
   <p:cSld>
     <p:bg>
@@ -4159,7 +4490,7 @@
 </p:sld>
 </file>
 
-<file path=ppt/slides/slide19.xml><?xml version="1.0" encoding="utf-8"?>
+<file path=ppt/slides/slide22.xml><?xml version="1.0" encoding="utf-8"?>
 <p:sld xmlns:a="http://schemas.openxmlformats.org/drawingml/2006/main" xmlns:r="http://schemas.openxmlformats.org/officeDocument/2006/relationships" xmlns:p="http://schemas.openxmlformats.org/presentationml/2006/main">
   <p:cSld>
     <p:bg>
@@ -4212,121 +4543,7 @@
 </p:sld>
 </file>
 
-<file path=ppt/slides/slide2.xml><?xml version="1.0" encoding="utf-8"?>
-<p:sld xmlns:a="http://schemas.openxmlformats.org/drawingml/2006/main" xmlns:r="http://schemas.openxmlformats.org/officeDocument/2006/relationships" xmlns:p="http://schemas.openxmlformats.org/presentationml/2006/main">
-  <p:cSld>
-    <p:bg>
-      <p:bgPr>
-        <a:solidFill>
-          <a:schemeClr val="accent3">
-            <a:lumMod val="40000"/>
-            <a:lumOff val="60000"/>
-          </a:schemeClr>
-        </a:solidFill>
-        <a:effectLst/>
-      </p:bgPr>
-    </p:bg>
-    <p:spTree>
-      <p:nvGrpSpPr>
-        <p:cNvPr id="1" name=""/>
-        <p:cNvGrpSpPr/>
-        <p:nvPr/>
-      </p:nvGrpSpPr>
-      <p:grpSpPr/>
-      <p:sp>
-        <p:nvSpPr>
-          <p:cNvPr id="4" name="文本框 3"/>
-          <p:cNvSpPr txBox="1"/>
-          <p:nvPr/>
-        </p:nvSpPr>
-        <p:spPr>
-          <a:xfrm>
-            <a:off x="1056005" y="2275840"/>
-            <a:ext cx="10080000" cy="2306955"/>
-          </a:xfrm>
-          <a:prstGeom prst="rect">
-            <a:avLst/>
-          </a:prstGeom>
-          <a:noFill/>
-        </p:spPr>
-        <p:txBody>
-          <a:bodyPr wrap="square" rtlCol="0" anchor="t">
-            <a:spAutoFit/>
-          </a:bodyPr>
-          <a:p>
-            <a:r>
-              <a:rPr lang="zh-CN" altLang="en-US" sz="7200">
-                <a:solidFill>
-                  <a:srgbClr val="666666"/>
-                </a:solidFill>
-                <a:latin typeface="Times New Roman" panose="02020603050405020304" charset="0"/>
-                <a:ea typeface="楷体" panose="02010609060101010101" charset="-122"/>
-                <a:cs typeface="Times New Roman" panose="02020603050405020304" charset="0"/>
-              </a:rPr>
-              <a:t>NOIP</a:t>
-            </a:r>
-            <a:endParaRPr lang="zh-CN" altLang="en-US" sz="3600">
-              <a:solidFill>
-                <a:srgbClr val="666666"/>
-              </a:solidFill>
-              <a:latin typeface="Times New Roman" panose="02020603050405020304" charset="0"/>
-              <a:ea typeface="楷体" panose="02010609060101010101" charset="-122"/>
-              <a:cs typeface="Times New Roman" panose="02020603050405020304" charset="0"/>
-            </a:endParaRPr>
-          </a:p>
-          <a:p>
-            <a:r>
-              <a:rPr lang="zh-CN" altLang="en-US" sz="3600">
-                <a:solidFill>
-                  <a:srgbClr val="666666"/>
-                </a:solidFill>
-                <a:latin typeface="Times New Roman" panose="02020603050405020304" charset="0"/>
-                <a:ea typeface="楷体" panose="02010609060101010101" charset="-122"/>
-                <a:cs typeface="Times New Roman" panose="02020603050405020304" charset="0"/>
-              </a:rPr>
-              <a:t>National Olympic Informatics in Provinces</a:t>
-            </a:r>
-            <a:endParaRPr lang="zh-CN" altLang="en-US" sz="3600">
-              <a:solidFill>
-                <a:srgbClr val="666666"/>
-              </a:solidFill>
-              <a:latin typeface="Times New Roman" panose="02020603050405020304" charset="0"/>
-              <a:ea typeface="楷体" panose="02010609060101010101" charset="-122"/>
-              <a:cs typeface="Times New Roman" panose="02020603050405020304" charset="0"/>
-            </a:endParaRPr>
-          </a:p>
-          <a:p>
-            <a:r>
-              <a:rPr lang="zh-CN" altLang="en-US" sz="3600">
-                <a:solidFill>
-                  <a:srgbClr val="666666"/>
-                </a:solidFill>
-                <a:latin typeface="楷体" panose="02010609060101010101" charset="-122"/>
-                <a:ea typeface="楷体" panose="02010609060101010101" charset="-122"/>
-                <a:cs typeface="楷体" panose="02010609060101010101" charset="-122"/>
-              </a:rPr>
-              <a:t>全国青少年信息学奥林匹克联赛</a:t>
-            </a:r>
-            <a:endParaRPr lang="zh-CN" altLang="en-US" sz="3600">
-              <a:solidFill>
-                <a:srgbClr val="666666"/>
-              </a:solidFill>
-              <a:latin typeface="楷体" panose="02010609060101010101" charset="-122"/>
-              <a:ea typeface="楷体" panose="02010609060101010101" charset="-122"/>
-              <a:cs typeface="楷体" panose="02010609060101010101" charset="-122"/>
-            </a:endParaRPr>
-          </a:p>
-        </p:txBody>
-      </p:sp>
-    </p:spTree>
-  </p:cSld>
-  <p:clrMapOvr>
-    <a:masterClrMapping/>
-  </p:clrMapOvr>
-</p:sld>
-</file>
-
-<file path=ppt/slides/slide20.xml><?xml version="1.0" encoding="utf-8"?>
+<file path=ppt/slides/slide23.xml><?xml version="1.0" encoding="utf-8"?>
 <p:sld xmlns:a="http://schemas.openxmlformats.org/drawingml/2006/main" xmlns:r="http://schemas.openxmlformats.org/officeDocument/2006/relationships" xmlns:p="http://schemas.openxmlformats.org/presentationml/2006/main">
   <p:cSld>
     <p:bg>
@@ -4379,7 +4596,7 @@
 </p:sld>
 </file>
 
-<file path=ppt/slides/slide21.xml><?xml version="1.0" encoding="utf-8"?>
+<file path=ppt/slides/slide24.xml><?xml version="1.0" encoding="utf-8"?>
 <p:sld xmlns:a="http://schemas.openxmlformats.org/drawingml/2006/main" xmlns:r="http://schemas.openxmlformats.org/officeDocument/2006/relationships" xmlns:p="http://schemas.openxmlformats.org/presentationml/2006/main">
   <p:cSld>
     <p:bg>
@@ -4432,7 +4649,7 @@
 </p:sld>
 </file>
 
-<file path=ppt/slides/slide22.xml><?xml version="1.0" encoding="utf-8"?>
+<file path=ppt/slides/slide25.xml><?xml version="1.0" encoding="utf-8"?>
 <p:sld xmlns:a="http://schemas.openxmlformats.org/drawingml/2006/main" xmlns:r="http://schemas.openxmlformats.org/officeDocument/2006/relationships" xmlns:p="http://schemas.openxmlformats.org/presentationml/2006/main">
   <p:cSld>
     <p:bg>
@@ -4485,201 +4702,6 @@
 </p:sld>
 </file>
 
-<file path=ppt/slides/slide23.xml><?xml version="1.0" encoding="utf-8"?>
-<p:sld xmlns:a="http://schemas.openxmlformats.org/drawingml/2006/main" xmlns:r="http://schemas.openxmlformats.org/officeDocument/2006/relationships" xmlns:p="http://schemas.openxmlformats.org/presentationml/2006/main">
-  <p:cSld>
-    <p:bg>
-      <p:bgPr>
-        <a:solidFill>
-          <a:schemeClr val="accent3">
-            <a:lumMod val="40000"/>
-            <a:lumOff val="60000"/>
-          </a:schemeClr>
-        </a:solidFill>
-        <a:effectLst/>
-      </p:bgPr>
-    </p:bg>
-    <p:spTree>
-      <p:nvGrpSpPr>
-        <p:cNvPr id="1" name=""/>
-        <p:cNvGrpSpPr/>
-        <p:nvPr/>
-      </p:nvGrpSpPr>
-      <p:grpSpPr/>
-      <p:sp>
-        <p:nvSpPr>
-          <p:cNvPr id="2" name="文本框 1"/>
-          <p:cNvSpPr txBox="1"/>
-          <p:nvPr/>
-        </p:nvSpPr>
-        <p:spPr>
-          <a:xfrm>
-            <a:off x="3062605" y="2644775"/>
-            <a:ext cx="6067425" cy="1568450"/>
-          </a:xfrm>
-          <a:prstGeom prst="rect">
-            <a:avLst/>
-          </a:prstGeom>
-          <a:noFill/>
-        </p:spPr>
-        <p:txBody>
-          <a:bodyPr wrap="square" rtlCol="0">
-            <a:spAutoFit/>
-          </a:bodyPr>
-          <a:p>
-            <a:pPr algn="ctr"/>
-            <a:r>
-              <a:rPr lang="en-US" altLang="zh-CN" sz="9600">
-                <a:latin typeface="Times New Roman" panose="02020603050405020304" charset="0"/>
-                <a:cs typeface="Times New Roman" panose="02020603050405020304" charset="0"/>
-              </a:rPr>
-              <a:t>main</a:t>
-            </a:r>
-            <a:endParaRPr lang="en-US" altLang="zh-CN" sz="9600">
-              <a:latin typeface="Times New Roman" panose="02020603050405020304" charset="0"/>
-              <a:cs typeface="Times New Roman" panose="02020603050405020304" charset="0"/>
-            </a:endParaRPr>
-          </a:p>
-        </p:txBody>
-      </p:sp>
-    </p:spTree>
-  </p:cSld>
-  <p:clrMapOvr>
-    <a:masterClrMapping/>
-  </p:clrMapOvr>
-</p:sld>
-</file>
-
-<file path=ppt/slides/slide24.xml><?xml version="1.0" encoding="utf-8"?>
-<p:sld xmlns:a="http://schemas.openxmlformats.org/drawingml/2006/main" xmlns:r="http://schemas.openxmlformats.org/officeDocument/2006/relationships" xmlns:p="http://schemas.openxmlformats.org/presentationml/2006/main">
-  <p:cSld>
-    <p:bg>
-      <p:bgPr>
-        <a:solidFill>
-          <a:schemeClr val="accent3">
-            <a:lumMod val="40000"/>
-            <a:lumOff val="60000"/>
-          </a:schemeClr>
-        </a:solidFill>
-        <a:effectLst/>
-      </p:bgPr>
-    </p:bg>
-    <p:spTree>
-      <p:nvGrpSpPr>
-        <p:cNvPr id="1" name=""/>
-        <p:cNvGrpSpPr/>
-        <p:nvPr/>
-      </p:nvGrpSpPr>
-      <p:grpSpPr/>
-      <p:sp>
-        <p:nvSpPr>
-          <p:cNvPr id="2" name="文本框 1"/>
-          <p:cNvSpPr txBox="1"/>
-          <p:nvPr/>
-        </p:nvSpPr>
-        <p:spPr>
-          <a:xfrm>
-            <a:off x="3061970" y="2644775"/>
-            <a:ext cx="6067425" cy="1568450"/>
-          </a:xfrm>
-          <a:prstGeom prst="rect">
-            <a:avLst/>
-          </a:prstGeom>
-          <a:noFill/>
-        </p:spPr>
-        <p:txBody>
-          <a:bodyPr wrap="square" rtlCol="0">
-            <a:spAutoFit/>
-          </a:bodyPr>
-          <a:p>
-            <a:pPr algn="ctr"/>
-            <a:r>
-              <a:rPr lang="en-US" altLang="zh-CN" sz="9600">
-                <a:latin typeface="Times New Roman" panose="02020603050405020304" charset="0"/>
-                <a:cs typeface="Times New Roman" panose="02020603050405020304" charset="0"/>
-              </a:rPr>
-              <a:t>cin &gt;&gt;</a:t>
-            </a:r>
-            <a:endParaRPr lang="en-US" altLang="zh-CN" sz="9600">
-              <a:latin typeface="Times New Roman" panose="02020603050405020304" charset="0"/>
-              <a:cs typeface="Times New Roman" panose="02020603050405020304" charset="0"/>
-            </a:endParaRPr>
-          </a:p>
-        </p:txBody>
-      </p:sp>
-    </p:spTree>
-  </p:cSld>
-  <p:clrMapOvr>
-    <a:masterClrMapping/>
-  </p:clrMapOvr>
-</p:sld>
-</file>
-
-<file path=ppt/slides/slide25.xml><?xml version="1.0" encoding="utf-8"?>
-<p:sld xmlns:a="http://schemas.openxmlformats.org/drawingml/2006/main" xmlns:r="http://schemas.openxmlformats.org/officeDocument/2006/relationships" xmlns:p="http://schemas.openxmlformats.org/presentationml/2006/main">
-  <p:cSld>
-    <p:bg>
-      <p:bgPr>
-        <a:solidFill>
-          <a:schemeClr val="accent3">
-            <a:lumMod val="40000"/>
-            <a:lumOff val="60000"/>
-          </a:schemeClr>
-        </a:solidFill>
-        <a:effectLst/>
-      </p:bgPr>
-    </p:bg>
-    <p:spTree>
-      <p:nvGrpSpPr>
-        <p:cNvPr id="1" name=""/>
-        <p:cNvGrpSpPr/>
-        <p:nvPr/>
-      </p:nvGrpSpPr>
-      <p:grpSpPr/>
-      <p:sp>
-        <p:nvSpPr>
-          <p:cNvPr id="2" name="文本框 1"/>
-          <p:cNvSpPr txBox="1"/>
-          <p:nvPr/>
-        </p:nvSpPr>
-        <p:spPr>
-          <a:xfrm>
-            <a:off x="3061970" y="2644775"/>
-            <a:ext cx="6067425" cy="1568450"/>
-          </a:xfrm>
-          <a:prstGeom prst="rect">
-            <a:avLst/>
-          </a:prstGeom>
-          <a:noFill/>
-        </p:spPr>
-        <p:txBody>
-          <a:bodyPr wrap="square" rtlCol="0">
-            <a:spAutoFit/>
-          </a:bodyPr>
-          <a:p>
-            <a:pPr algn="ctr"/>
-            <a:r>
-              <a:rPr lang="en-US" altLang="zh-CN" sz="9600">
-                <a:latin typeface="Times New Roman" panose="02020603050405020304" charset="0"/>
-                <a:cs typeface="Times New Roman" panose="02020603050405020304" charset="0"/>
-              </a:rPr>
-              <a:t>cout &lt;&lt;</a:t>
-            </a:r>
-            <a:endParaRPr lang="en-US" altLang="zh-CN" sz="9600">
-              <a:latin typeface="Times New Roman" panose="02020603050405020304" charset="0"/>
-              <a:cs typeface="Times New Roman" panose="02020603050405020304" charset="0"/>
-            </a:endParaRPr>
-          </a:p>
-        </p:txBody>
-      </p:sp>
-    </p:spTree>
-  </p:cSld>
-  <p:clrMapOvr>
-    <a:masterClrMapping/>
-  </p:clrMapOvr>
-</p:sld>
-</file>
-
 <file path=ppt/slides/slide26.xml><?xml version="1.0" encoding="utf-8"?>
 <p:sld xmlns:a="http://schemas.openxmlformats.org/drawingml/2006/main" xmlns:r="http://schemas.openxmlformats.org/officeDocument/2006/relationships" xmlns:p="http://schemas.openxmlformats.org/presentationml/2006/main">
   <p:cSld>
@@ -4709,7 +4731,7 @@
         </p:nvSpPr>
         <p:spPr>
           <a:xfrm>
-            <a:off x="3061970" y="2644775"/>
+            <a:off x="3062605" y="2644775"/>
             <a:ext cx="6067425" cy="1568450"/>
           </a:xfrm>
           <a:prstGeom prst="rect">
@@ -4728,7 +4750,7 @@
                 <a:latin typeface="Times New Roman" panose="02020603050405020304" charset="0"/>
                 <a:cs typeface="Times New Roman" panose="02020603050405020304" charset="0"/>
               </a:rPr>
-              <a:t>int</a:t>
+              <a:t>main</a:t>
             </a:r>
             <a:endParaRPr lang="en-US" altLang="zh-CN" sz="9600">
               <a:latin typeface="Times New Roman" panose="02020603050405020304" charset="0"/>
@@ -4793,7 +4815,7 @@
                 <a:latin typeface="Times New Roman" panose="02020603050405020304" charset="0"/>
                 <a:cs typeface="Times New Roman" panose="02020603050405020304" charset="0"/>
               </a:rPr>
-              <a:t>float</a:t>
+              <a:t>cin &gt;&gt;</a:t>
             </a:r>
             <a:endParaRPr lang="en-US" altLang="zh-CN" sz="9600">
               <a:latin typeface="Times New Roman" panose="02020603050405020304" charset="0"/>
@@ -4858,7 +4880,7 @@
                 <a:latin typeface="Times New Roman" panose="02020603050405020304" charset="0"/>
                 <a:cs typeface="Times New Roman" panose="02020603050405020304" charset="0"/>
               </a:rPr>
-              <a:t>=</a:t>
+              <a:t>cout &lt;&lt;</a:t>
             </a:r>
             <a:endParaRPr lang="en-US" altLang="zh-CN" sz="9600">
               <a:latin typeface="Times New Roman" panose="02020603050405020304" charset="0"/>
@@ -4919,16 +4941,14 @@
           <a:p>
             <a:pPr algn="ctr"/>
             <a:r>
-              <a:rPr lang="zh-CN" altLang="en-US" sz="9600">
-                <a:latin typeface="楷体" panose="02010609060101010101" charset="-122"/>
-                <a:ea typeface="楷体" panose="02010609060101010101" charset="-122"/>
+              <a:rPr lang="en-US" altLang="zh-CN" sz="9600">
+                <a:latin typeface="Times New Roman" panose="02020603050405020304" charset="0"/>
                 <a:cs typeface="Times New Roman" panose="02020603050405020304" charset="0"/>
               </a:rPr>
-              <a:t>加法</a:t>
-            </a:r>
-            <a:endParaRPr lang="zh-CN" altLang="en-US" sz="9600">
-              <a:latin typeface="楷体" panose="02010609060101010101" charset="-122"/>
-              <a:ea typeface="楷体" panose="02010609060101010101" charset="-122"/>
+              <a:t>int</a:t>
+            </a:r>
+            <a:endParaRPr lang="en-US" altLang="zh-CN" sz="9600">
+              <a:latin typeface="Times New Roman" panose="02020603050405020304" charset="0"/>
               <a:cs typeface="Times New Roman" panose="02020603050405020304" charset="0"/>
             </a:endParaRPr>
           </a:p>
@@ -4945,17 +4965,6 @@
 <file path=ppt/slides/slide3.xml><?xml version="1.0" encoding="utf-8"?>
 <p:sld xmlns:a="http://schemas.openxmlformats.org/drawingml/2006/main" xmlns:r="http://schemas.openxmlformats.org/officeDocument/2006/relationships" xmlns:p="http://schemas.openxmlformats.org/presentationml/2006/main">
   <p:cSld>
-    <p:bg>
-      <p:bgPr>
-        <a:solidFill>
-          <a:schemeClr val="accent3">
-            <a:lumMod val="40000"/>
-            <a:lumOff val="60000"/>
-          </a:schemeClr>
-        </a:solidFill>
-        <a:effectLst/>
-      </p:bgPr>
-    </p:bg>
     <p:spTree>
       <p:nvGrpSpPr>
         <p:cNvPr id="1" name=""/>
@@ -4963,133 +4972,6 @@
         <p:nvPr/>
       </p:nvGrpSpPr>
       <p:grpSpPr/>
-      <p:sp>
-        <p:nvSpPr>
-          <p:cNvPr id="4" name="文本框 3"/>
-          <p:cNvSpPr txBox="1"/>
-          <p:nvPr/>
-        </p:nvSpPr>
-        <p:spPr>
-          <a:xfrm>
-            <a:off x="1056005" y="2091055"/>
-            <a:ext cx="10080000" cy="2676525"/>
-          </a:xfrm>
-          <a:prstGeom prst="rect">
-            <a:avLst/>
-          </a:prstGeom>
-          <a:noFill/>
-        </p:spPr>
-        <p:txBody>
-          <a:bodyPr wrap="square" rtlCol="0" anchor="t">
-            <a:spAutoFit/>
-          </a:bodyPr>
-          <a:p>
-            <a:r>
-              <a:rPr lang="zh-CN" altLang="en-US" sz="2800">
-                <a:solidFill>
-                  <a:srgbClr val="666666"/>
-                </a:solidFill>
-                <a:latin typeface="楷体" panose="02010609060101010101" charset="-122"/>
-                <a:ea typeface="楷体" panose="02010609060101010101" charset="-122"/>
-                <a:cs typeface="楷体" panose="02010609060101010101" charset="-122"/>
-              </a:rPr>
-              <a:t>初赛：考察通用和实用的计算机科学知识，以笔试为主；</a:t>
-            </a:r>
-            <a:endParaRPr lang="zh-CN" altLang="en-US" sz="2800">
-              <a:solidFill>
-                <a:srgbClr val="666666"/>
-              </a:solidFill>
-              <a:latin typeface="楷体" panose="02010609060101010101" charset="-122"/>
-              <a:ea typeface="楷体" panose="02010609060101010101" charset="-122"/>
-              <a:cs typeface="楷体" panose="02010609060101010101" charset="-122"/>
-            </a:endParaRPr>
-          </a:p>
-          <a:p>
-            <a:r>
-              <a:rPr lang="zh-CN" altLang="en-US" sz="2800">
-                <a:solidFill>
-                  <a:srgbClr val="666666"/>
-                </a:solidFill>
-                <a:latin typeface="楷体" panose="02010609060101010101" charset="-122"/>
-                <a:ea typeface="楷体" panose="02010609060101010101" charset="-122"/>
-                <a:cs typeface="楷体" panose="02010609060101010101" charset="-122"/>
-              </a:rPr>
-              <a:t>复赛：程序设计，须在计算机上调试完成。</a:t>
-            </a:r>
-            <a:endParaRPr lang="zh-CN" altLang="en-US" sz="2800">
-              <a:solidFill>
-                <a:srgbClr val="666666"/>
-              </a:solidFill>
-              <a:latin typeface="楷体" panose="02010609060101010101" charset="-122"/>
-              <a:ea typeface="楷体" panose="02010609060101010101" charset="-122"/>
-              <a:cs typeface="楷体" panose="02010609060101010101" charset="-122"/>
-            </a:endParaRPr>
-          </a:p>
-          <a:p>
-            <a:r>
-              <a:rPr lang="zh-CN" altLang="en-US" sz="2800">
-                <a:solidFill>
-                  <a:srgbClr val="666666"/>
-                </a:solidFill>
-                <a:latin typeface="楷体" panose="02010609060101010101" charset="-122"/>
-                <a:ea typeface="楷体" panose="02010609060101010101" charset="-122"/>
-                <a:cs typeface="楷体" panose="02010609060101010101" charset="-122"/>
-              </a:rPr>
-              <a:t>参加初赛者须达到一定分数线后才有资格参加复赛。</a:t>
-            </a:r>
-            <a:endParaRPr lang="zh-CN" altLang="en-US" sz="2800">
-              <a:solidFill>
-                <a:srgbClr val="666666"/>
-              </a:solidFill>
-              <a:latin typeface="楷体" panose="02010609060101010101" charset="-122"/>
-              <a:ea typeface="楷体" panose="02010609060101010101" charset="-122"/>
-              <a:cs typeface="楷体" panose="02010609060101010101" charset="-122"/>
-            </a:endParaRPr>
-          </a:p>
-          <a:p>
-            <a:r>
-              <a:rPr lang="zh-CN" altLang="en-US" sz="2800">
-                <a:solidFill>
-                  <a:srgbClr val="666666"/>
-                </a:solidFill>
-                <a:latin typeface="楷体" panose="02010609060101010101" charset="-122"/>
-                <a:ea typeface="楷体" panose="02010609060101010101" charset="-122"/>
-                <a:cs typeface="楷体" panose="02010609060101010101" charset="-122"/>
-              </a:rPr>
-              <a:t>联赛分普及组和提高组两个组别，难度不同，分别面向初中和高中阶段的学生。</a:t>
-            </a:r>
-            <a:endParaRPr lang="zh-CN" altLang="en-US" sz="2800">
-              <a:solidFill>
-                <a:srgbClr val="666666"/>
-              </a:solidFill>
-              <a:latin typeface="楷体" panose="02010609060101010101" charset="-122"/>
-              <a:ea typeface="楷体" panose="02010609060101010101" charset="-122"/>
-              <a:cs typeface="楷体" panose="02010609060101010101" charset="-122"/>
-            </a:endParaRPr>
-          </a:p>
-          <a:p>
-            <a:r>
-              <a:rPr lang="zh-CN" altLang="en-US" sz="2800">
-                <a:solidFill>
-                  <a:srgbClr val="666666"/>
-                </a:solidFill>
-                <a:latin typeface="楷体" panose="02010609060101010101" charset="-122"/>
-                <a:ea typeface="楷体" panose="02010609060101010101" charset="-122"/>
-                <a:cs typeface="楷体" panose="02010609060101010101" charset="-122"/>
-              </a:rPr>
-              <a:t>获得提高组复赛一等奖的选手即可免试由大学直接录取。</a:t>
-            </a:r>
-            <a:endParaRPr lang="zh-CN" altLang="en-US" sz="2800">
-              <a:solidFill>
-                <a:srgbClr val="666666"/>
-              </a:solidFill>
-              <a:latin typeface="楷体" panose="02010609060101010101" charset="-122"/>
-              <a:ea typeface="楷体" panose="02010609060101010101" charset="-122"/>
-              <a:cs typeface="楷体" panose="02010609060101010101" charset="-122"/>
-            </a:endParaRPr>
-          </a:p>
-        </p:txBody>
-      </p:sp>
     </p:spTree>
   </p:cSld>
   <p:clrMapOvr>
@@ -5142,16 +5024,14 @@
           <a:p>
             <a:pPr algn="ctr"/>
             <a:r>
-              <a:rPr lang="zh-CN" altLang="en-US" sz="9600">
-                <a:latin typeface="楷体" panose="02010609060101010101" charset="-122"/>
-                <a:ea typeface="楷体" panose="02010609060101010101" charset="-122"/>
+              <a:rPr lang="en-US" altLang="zh-CN" sz="9600">
+                <a:latin typeface="Times New Roman" panose="02020603050405020304" charset="0"/>
                 <a:cs typeface="Times New Roman" panose="02020603050405020304" charset="0"/>
               </a:rPr>
-              <a:t>减法</a:t>
-            </a:r>
-            <a:endParaRPr lang="zh-CN" altLang="en-US" sz="9600">
-              <a:latin typeface="楷体" panose="02010609060101010101" charset="-122"/>
-              <a:ea typeface="楷体" panose="02010609060101010101" charset="-122"/>
+              <a:t>float</a:t>
+            </a:r>
+            <a:endParaRPr lang="en-US" altLang="zh-CN" sz="9600">
+              <a:latin typeface="Times New Roman" panose="02020603050405020304" charset="0"/>
               <a:cs typeface="Times New Roman" panose="02020603050405020304" charset="0"/>
             </a:endParaRPr>
           </a:p>
@@ -5209,16 +5089,14 @@
           <a:p>
             <a:pPr algn="ctr"/>
             <a:r>
-              <a:rPr lang="zh-CN" altLang="en-US" sz="9600">
-                <a:latin typeface="楷体" panose="02010609060101010101" charset="-122"/>
-                <a:ea typeface="楷体" panose="02010609060101010101" charset="-122"/>
+              <a:rPr lang="en-US" altLang="zh-CN" sz="9600">
+                <a:latin typeface="Times New Roman" panose="02020603050405020304" charset="0"/>
                 <a:cs typeface="Times New Roman" panose="02020603050405020304" charset="0"/>
               </a:rPr>
-              <a:t>乘法</a:t>
-            </a:r>
-            <a:endParaRPr lang="zh-CN" altLang="en-US" sz="9600">
-              <a:latin typeface="楷体" panose="02010609060101010101" charset="-122"/>
-              <a:ea typeface="楷体" panose="02010609060101010101" charset="-122"/>
+              <a:t>=</a:t>
+            </a:r>
+            <a:endParaRPr lang="en-US" altLang="zh-CN" sz="9600">
+              <a:latin typeface="Times New Roman" panose="02020603050405020304" charset="0"/>
               <a:cs typeface="Times New Roman" panose="02020603050405020304" charset="0"/>
             </a:endParaRPr>
           </a:p>
@@ -5281,7 +5159,7 @@
                 <a:ea typeface="楷体" panose="02010609060101010101" charset="-122"/>
                 <a:cs typeface="Times New Roman" panose="02020603050405020304" charset="0"/>
               </a:rPr>
-              <a:t>除法</a:t>
+              <a:t>加法</a:t>
             </a:r>
             <a:endParaRPr lang="zh-CN" altLang="en-US" sz="9600">
               <a:latin typeface="楷体" panose="02010609060101010101" charset="-122"/>
@@ -5300,6 +5178,207 @@
 </file>
 
 <file path=ppt/slides/slide33.xml><?xml version="1.0" encoding="utf-8"?>
+<p:sld xmlns:a="http://schemas.openxmlformats.org/drawingml/2006/main" xmlns:r="http://schemas.openxmlformats.org/officeDocument/2006/relationships" xmlns:p="http://schemas.openxmlformats.org/presentationml/2006/main">
+  <p:cSld>
+    <p:bg>
+      <p:bgPr>
+        <a:solidFill>
+          <a:schemeClr val="accent3">
+            <a:lumMod val="40000"/>
+            <a:lumOff val="60000"/>
+          </a:schemeClr>
+        </a:solidFill>
+        <a:effectLst/>
+      </p:bgPr>
+    </p:bg>
+    <p:spTree>
+      <p:nvGrpSpPr>
+        <p:cNvPr id="1" name=""/>
+        <p:cNvGrpSpPr/>
+        <p:nvPr/>
+      </p:nvGrpSpPr>
+      <p:grpSpPr/>
+      <p:sp>
+        <p:nvSpPr>
+          <p:cNvPr id="2" name="文本框 1"/>
+          <p:cNvSpPr txBox="1"/>
+          <p:nvPr/>
+        </p:nvSpPr>
+        <p:spPr>
+          <a:xfrm>
+            <a:off x="3061970" y="2644775"/>
+            <a:ext cx="6067425" cy="1568450"/>
+          </a:xfrm>
+          <a:prstGeom prst="rect">
+            <a:avLst/>
+          </a:prstGeom>
+          <a:noFill/>
+        </p:spPr>
+        <p:txBody>
+          <a:bodyPr wrap="square" rtlCol="0">
+            <a:spAutoFit/>
+          </a:bodyPr>
+          <a:p>
+            <a:pPr algn="ctr"/>
+            <a:r>
+              <a:rPr lang="zh-CN" altLang="en-US" sz="9600">
+                <a:latin typeface="楷体" panose="02010609060101010101" charset="-122"/>
+                <a:ea typeface="楷体" panose="02010609060101010101" charset="-122"/>
+                <a:cs typeface="Times New Roman" panose="02020603050405020304" charset="0"/>
+              </a:rPr>
+              <a:t>减法</a:t>
+            </a:r>
+            <a:endParaRPr lang="zh-CN" altLang="en-US" sz="9600">
+              <a:latin typeface="楷体" panose="02010609060101010101" charset="-122"/>
+              <a:ea typeface="楷体" panose="02010609060101010101" charset="-122"/>
+              <a:cs typeface="Times New Roman" panose="02020603050405020304" charset="0"/>
+            </a:endParaRPr>
+          </a:p>
+        </p:txBody>
+      </p:sp>
+    </p:spTree>
+  </p:cSld>
+  <p:clrMapOvr>
+    <a:masterClrMapping/>
+  </p:clrMapOvr>
+</p:sld>
+</file>
+
+<file path=ppt/slides/slide34.xml><?xml version="1.0" encoding="utf-8"?>
+<p:sld xmlns:a="http://schemas.openxmlformats.org/drawingml/2006/main" xmlns:r="http://schemas.openxmlformats.org/officeDocument/2006/relationships" xmlns:p="http://schemas.openxmlformats.org/presentationml/2006/main">
+  <p:cSld>
+    <p:bg>
+      <p:bgPr>
+        <a:solidFill>
+          <a:schemeClr val="accent3">
+            <a:lumMod val="40000"/>
+            <a:lumOff val="60000"/>
+          </a:schemeClr>
+        </a:solidFill>
+        <a:effectLst/>
+      </p:bgPr>
+    </p:bg>
+    <p:spTree>
+      <p:nvGrpSpPr>
+        <p:cNvPr id="1" name=""/>
+        <p:cNvGrpSpPr/>
+        <p:nvPr/>
+      </p:nvGrpSpPr>
+      <p:grpSpPr/>
+      <p:sp>
+        <p:nvSpPr>
+          <p:cNvPr id="2" name="文本框 1"/>
+          <p:cNvSpPr txBox="1"/>
+          <p:nvPr/>
+        </p:nvSpPr>
+        <p:spPr>
+          <a:xfrm>
+            <a:off x="3061970" y="2644775"/>
+            <a:ext cx="6067425" cy="1568450"/>
+          </a:xfrm>
+          <a:prstGeom prst="rect">
+            <a:avLst/>
+          </a:prstGeom>
+          <a:noFill/>
+        </p:spPr>
+        <p:txBody>
+          <a:bodyPr wrap="square" rtlCol="0">
+            <a:spAutoFit/>
+          </a:bodyPr>
+          <a:p>
+            <a:pPr algn="ctr"/>
+            <a:r>
+              <a:rPr lang="zh-CN" altLang="en-US" sz="9600">
+                <a:latin typeface="楷体" panose="02010609060101010101" charset="-122"/>
+                <a:ea typeface="楷体" panose="02010609060101010101" charset="-122"/>
+                <a:cs typeface="Times New Roman" panose="02020603050405020304" charset="0"/>
+              </a:rPr>
+              <a:t>乘法</a:t>
+            </a:r>
+            <a:endParaRPr lang="zh-CN" altLang="en-US" sz="9600">
+              <a:latin typeface="楷体" panose="02010609060101010101" charset="-122"/>
+              <a:ea typeface="楷体" panose="02010609060101010101" charset="-122"/>
+              <a:cs typeface="Times New Roman" panose="02020603050405020304" charset="0"/>
+            </a:endParaRPr>
+          </a:p>
+        </p:txBody>
+      </p:sp>
+    </p:spTree>
+  </p:cSld>
+  <p:clrMapOvr>
+    <a:masterClrMapping/>
+  </p:clrMapOvr>
+</p:sld>
+</file>
+
+<file path=ppt/slides/slide35.xml><?xml version="1.0" encoding="utf-8"?>
+<p:sld xmlns:a="http://schemas.openxmlformats.org/drawingml/2006/main" xmlns:r="http://schemas.openxmlformats.org/officeDocument/2006/relationships" xmlns:p="http://schemas.openxmlformats.org/presentationml/2006/main">
+  <p:cSld>
+    <p:bg>
+      <p:bgPr>
+        <a:solidFill>
+          <a:schemeClr val="accent3">
+            <a:lumMod val="40000"/>
+            <a:lumOff val="60000"/>
+          </a:schemeClr>
+        </a:solidFill>
+        <a:effectLst/>
+      </p:bgPr>
+    </p:bg>
+    <p:spTree>
+      <p:nvGrpSpPr>
+        <p:cNvPr id="1" name=""/>
+        <p:cNvGrpSpPr/>
+        <p:nvPr/>
+      </p:nvGrpSpPr>
+      <p:grpSpPr/>
+      <p:sp>
+        <p:nvSpPr>
+          <p:cNvPr id="2" name="文本框 1"/>
+          <p:cNvSpPr txBox="1"/>
+          <p:nvPr/>
+        </p:nvSpPr>
+        <p:spPr>
+          <a:xfrm>
+            <a:off x="3061970" y="2644775"/>
+            <a:ext cx="6067425" cy="1568450"/>
+          </a:xfrm>
+          <a:prstGeom prst="rect">
+            <a:avLst/>
+          </a:prstGeom>
+          <a:noFill/>
+        </p:spPr>
+        <p:txBody>
+          <a:bodyPr wrap="square" rtlCol="0">
+            <a:spAutoFit/>
+          </a:bodyPr>
+          <a:p>
+            <a:pPr algn="ctr"/>
+            <a:r>
+              <a:rPr lang="zh-CN" altLang="en-US" sz="9600">
+                <a:latin typeface="楷体" panose="02010609060101010101" charset="-122"/>
+                <a:ea typeface="楷体" panose="02010609060101010101" charset="-122"/>
+                <a:cs typeface="Times New Roman" panose="02020603050405020304" charset="0"/>
+              </a:rPr>
+              <a:t>除法</a:t>
+            </a:r>
+            <a:endParaRPr lang="zh-CN" altLang="en-US" sz="9600">
+              <a:latin typeface="楷体" panose="02010609060101010101" charset="-122"/>
+              <a:ea typeface="楷体" panose="02010609060101010101" charset="-122"/>
+              <a:cs typeface="Times New Roman" panose="02020603050405020304" charset="0"/>
+            </a:endParaRPr>
+          </a:p>
+        </p:txBody>
+      </p:sp>
+    </p:spTree>
+  </p:cSld>
+  <p:clrMapOvr>
+    <a:masterClrMapping/>
+  </p:clrMapOvr>
+</p:sld>
+</file>
+
+<file path=ppt/slides/slide36.xml><?xml version="1.0" encoding="utf-8"?>
 <p:sld xmlns:a="http://schemas.openxmlformats.org/drawingml/2006/main" xmlns:r="http://schemas.openxmlformats.org/officeDocument/2006/relationships" xmlns:p="http://schemas.openxmlformats.org/presentationml/2006/main">
   <p:cSld>
     <p:bg>
@@ -5513,7 +5592,7 @@
 </p:sld>
 </file>
 
-<file path=ppt/slides/slide34.xml><?xml version="1.0" encoding="utf-8"?>
+<file path=ppt/slides/slide37.xml><?xml version="1.0" encoding="utf-8"?>
 <p:sld xmlns:a="http://schemas.openxmlformats.org/drawingml/2006/main" xmlns:r="http://schemas.openxmlformats.org/officeDocument/2006/relationships" xmlns:p="http://schemas.openxmlformats.org/presentationml/2006/main">
   <p:cSld>
     <p:bg>
@@ -5813,7 +5892,7 @@
 </p:sld>
 </file>
 
-<file path=ppt/slides/slide35.xml><?xml version="1.0" encoding="utf-8"?>
+<file path=ppt/slides/slide38.xml><?xml version="1.0" encoding="utf-8"?>
 <p:sld xmlns:a="http://schemas.openxmlformats.org/drawingml/2006/main" xmlns:r="http://schemas.openxmlformats.org/officeDocument/2006/relationships" xmlns:p="http://schemas.openxmlformats.org/presentationml/2006/main">
   <p:cSld>
     <p:bg>
@@ -5861,7 +5940,7 @@
 </p:sld>
 </file>
 
-<file path=ppt/slides/slide36.xml><?xml version="1.0" encoding="utf-8"?>
+<file path=ppt/slides/slide39.xml><?xml version="1.0" encoding="utf-8"?>
 <p:sld xmlns:a="http://schemas.openxmlformats.org/drawingml/2006/main" xmlns:r="http://schemas.openxmlformats.org/officeDocument/2006/relationships" xmlns:p="http://schemas.openxmlformats.org/presentationml/2006/main">
   <p:cSld>
     <p:bg>
@@ -5938,89 +6017,50 @@
         </p:nvSpPr>
         <p:spPr>
           <a:xfrm>
-            <a:off x="1056005" y="2275205"/>
-            <a:ext cx="10080000" cy="2306955"/>
+            <a:off x="1056005" y="2829560"/>
+            <a:ext cx="10080000" cy="1198880"/>
           </a:xfrm>
           <a:prstGeom prst="rect">
             <a:avLst/>
           </a:prstGeom>
           <a:noFill/>
+          <a:ln w="12700" cmpd="sng">
+            <a:noFill/>
+            <a:prstDash val="solid"/>
+          </a:ln>
         </p:spPr>
         <p:txBody>
-          <a:bodyPr wrap="square" rtlCol="0" anchor="t">
+          <a:bodyPr wrap="square" rtlCol="0">
             <a:spAutoFit/>
           </a:bodyPr>
           <a:p>
-            <a:pPr algn="l"/>
+            <a:pPr algn="ctr"/>
             <a:r>
               <a:rPr lang="zh-CN" altLang="en-US" sz="7200">
-                <a:solidFill>
-                  <a:srgbClr val="666666"/>
-                </a:solidFill>
-                <a:latin typeface="Times New Roman" panose="02020603050405020304" charset="0"/>
-                <a:cs typeface="Times New Roman" panose="02020603050405020304" charset="0"/>
-              </a:rPr>
-              <a:t>NOI</a:t>
-            </a:r>
-            <a:endParaRPr lang="zh-CN" altLang="en-US" sz="3600">
-              <a:solidFill>
-                <a:srgbClr val="666666"/>
-              </a:solidFill>
-              <a:latin typeface="Times New Roman" panose="02020603050405020304" charset="0"/>
-              <a:cs typeface="Times New Roman" panose="02020603050405020304" charset="0"/>
-            </a:endParaRPr>
-          </a:p>
-          <a:p>
-            <a:pPr algn="l"/>
-            <a:r>
-              <a:rPr lang="zh-CN" altLang="en-US" sz="3600">
-                <a:solidFill>
-                  <a:srgbClr val="666666"/>
-                </a:solidFill>
-                <a:latin typeface="Times New Roman" panose="02020603050405020304" charset="0"/>
-                <a:cs typeface="Times New Roman" panose="02020603050405020304" charset="0"/>
-              </a:rPr>
-              <a:t>National Olympic Informatics</a:t>
-            </a:r>
-            <a:r>
-              <a:rPr lang="zh-CN" altLang="en-US" sz="3600">
-                <a:solidFill>
-                  <a:srgbClr val="666666"/>
-                </a:solidFill>
-              </a:rPr>
-              <a:t> </a:t>
-            </a:r>
-            <a:endParaRPr lang="zh-CN" altLang="en-US" sz="3600">
-              <a:solidFill>
-                <a:srgbClr val="666666"/>
-              </a:solidFill>
-            </a:endParaRPr>
-          </a:p>
-          <a:p>
-            <a:pPr algn="l"/>
-            <a:r>
-              <a:rPr lang="zh-CN" altLang="en-US" sz="3600">
                 <a:solidFill>
                   <a:srgbClr val="666666"/>
                 </a:solidFill>
                 <a:latin typeface="楷体" panose="02010609060101010101" charset="-122"/>
                 <a:ea typeface="楷体" panose="02010609060101010101" charset="-122"/>
-                <a:cs typeface="楷体" panose="02010609060101010101" charset="-122"/>
-              </a:rPr>
-              <a:t>全国青少年信息学奥林匹克</a:t>
-            </a:r>
-            <a:endParaRPr lang="zh-CN" altLang="en-US" sz="3600">
+                <a:cs typeface="Times New Roman" panose="02020603050405020304" charset="0"/>
+              </a:rPr>
+              <a:t>信息学奥赛</a:t>
+            </a:r>
+            <a:endParaRPr lang="en-US" altLang="zh-CN" sz="3600">
               <a:solidFill>
                 <a:srgbClr val="666666"/>
               </a:solidFill>
-              <a:latin typeface="楷体" panose="02010609060101010101" charset="-122"/>
+              <a:latin typeface="Times New Roman" panose="02020603050405020304" charset="0"/>
               <a:ea typeface="楷体" panose="02010609060101010101" charset="-122"/>
-              <a:cs typeface="楷体" panose="02010609060101010101" charset="-122"/>
+              <a:cs typeface="Times New Roman" panose="02020603050405020304" charset="0"/>
             </a:endParaRPr>
           </a:p>
         </p:txBody>
       </p:sp>
     </p:spTree>
+    <p:custDataLst>
+      <p:tags r:id="rId1"/>
+    </p:custDataLst>
   </p:cSld>
   <p:clrMapOvr>
     <a:masterClrMapping/>
@@ -6057,8 +6097,8 @@
         </p:nvSpPr>
         <p:spPr>
           <a:xfrm>
-            <a:off x="1056005" y="2552700"/>
-            <a:ext cx="10080000" cy="1753235"/>
+            <a:off x="1056005" y="2275840"/>
+            <a:ext cx="10080000" cy="2306955"/>
           </a:xfrm>
           <a:prstGeom prst="rect">
             <a:avLst/>
@@ -6070,7 +6110,48 @@
             <a:spAutoFit/>
           </a:bodyPr>
           <a:p>
-            <a:pPr algn="l"/>
+            <a:r>
+              <a:rPr lang="zh-CN" altLang="en-US" sz="7200">
+                <a:solidFill>
+                  <a:srgbClr val="666666"/>
+                </a:solidFill>
+                <a:latin typeface="Times New Roman" panose="02020603050405020304" charset="0"/>
+                <a:ea typeface="楷体" panose="02010609060101010101" charset="-122"/>
+                <a:cs typeface="Times New Roman" panose="02020603050405020304" charset="0"/>
+              </a:rPr>
+              <a:t>NOIP</a:t>
+            </a:r>
+            <a:endParaRPr lang="zh-CN" altLang="en-US" sz="3600">
+              <a:solidFill>
+                <a:srgbClr val="666666"/>
+              </a:solidFill>
+              <a:latin typeface="Times New Roman" panose="02020603050405020304" charset="0"/>
+              <a:ea typeface="楷体" panose="02010609060101010101" charset="-122"/>
+              <a:cs typeface="Times New Roman" panose="02020603050405020304" charset="0"/>
+            </a:endParaRPr>
+          </a:p>
+          <a:p>
+            <a:r>
+              <a:rPr lang="zh-CN" altLang="en-US" sz="3600">
+                <a:solidFill>
+                  <a:srgbClr val="666666"/>
+                </a:solidFill>
+                <a:latin typeface="Times New Roman" panose="02020603050405020304" charset="0"/>
+                <a:ea typeface="楷体" panose="02010609060101010101" charset="-122"/>
+                <a:cs typeface="Times New Roman" panose="02020603050405020304" charset="0"/>
+              </a:rPr>
+              <a:t>National Olympic Informatics in Provinces</a:t>
+            </a:r>
+            <a:endParaRPr lang="zh-CN" altLang="en-US" sz="3600">
+              <a:solidFill>
+                <a:srgbClr val="666666"/>
+              </a:solidFill>
+              <a:latin typeface="Times New Roman" panose="02020603050405020304" charset="0"/>
+              <a:ea typeface="楷体" panose="02010609060101010101" charset="-122"/>
+              <a:cs typeface="Times New Roman" panose="02020603050405020304" charset="0"/>
+            </a:endParaRPr>
+          </a:p>
+          <a:p>
             <a:r>
               <a:rPr lang="zh-CN" altLang="en-US" sz="3600">
                 <a:solidFill>
@@ -6080,29 +6161,7 @@
                 <a:ea typeface="楷体" panose="02010609060101010101" charset="-122"/>
                 <a:cs typeface="楷体" panose="02010609060101010101" charset="-122"/>
               </a:rPr>
-              <a:t>国内包括港澳在内的省级代表队最高水平的大赛，</a:t>
-            </a:r>
-            <a:endParaRPr lang="zh-CN" altLang="en-US" sz="3600">
-              <a:solidFill>
-                <a:srgbClr val="666666"/>
-              </a:solidFill>
-              <a:latin typeface="楷体" panose="02010609060101010101" charset="-122"/>
-              <a:ea typeface="楷体" panose="02010609060101010101" charset="-122"/>
-              <a:cs typeface="楷体" panose="02010609060101010101" charset="-122"/>
-            </a:endParaRPr>
-          </a:p>
-          <a:p>
-            <a:pPr algn="l"/>
-            <a:r>
-              <a:rPr lang="zh-CN" altLang="en-US" sz="3600">
-                <a:solidFill>
-                  <a:srgbClr val="666666"/>
-                </a:solidFill>
-                <a:latin typeface="楷体" panose="02010609060101010101" charset="-122"/>
-                <a:ea typeface="楷体" panose="02010609060101010101" charset="-122"/>
-                <a:cs typeface="楷体" panose="02010609060101010101" charset="-122"/>
-              </a:rPr>
-              <a:t>每年经各省选拔产生5名选手（其中一名是女选手）这一竞赛记个人成绩，同时记团体总分。</a:t>
+              <a:t>全国青少年信息学奥林匹克联赛</a:t>
             </a:r>
             <a:endParaRPr lang="zh-CN" altLang="en-US" sz="3600">
               <a:solidFill>
@@ -6152,8 +6211,8 @@
         </p:nvSpPr>
         <p:spPr>
           <a:xfrm>
-            <a:off x="1056005" y="2275205"/>
-            <a:ext cx="10080000" cy="2306955"/>
+            <a:off x="1056005" y="2091055"/>
+            <a:ext cx="10080000" cy="2676525"/>
           </a:xfrm>
           <a:prstGeom prst="rect">
             <a:avLst/>
@@ -6166,67 +6225,107 @@
           </a:bodyPr>
           <a:p>
             <a:r>
-              <a:rPr lang="zh-CN" altLang="en-US" sz="7200">
+              <a:rPr lang="zh-CN" altLang="en-US" sz="2800">
                 <a:solidFill>
                   <a:srgbClr val="666666"/>
                 </a:solidFill>
-                <a:latin typeface="Times New Roman" panose="02020603050405020304" charset="0"/>
+                <a:latin typeface="楷体" panose="02010609060101010101" charset="-122"/>
                 <a:ea typeface="楷体" panose="02010609060101010101" charset="-122"/>
-                <a:cs typeface="Times New Roman" panose="02020603050405020304" charset="0"/>
-              </a:rPr>
-              <a:t>APIO</a:t>
-            </a:r>
-            <a:endParaRPr lang="zh-CN" altLang="en-US" sz="3200">
+                <a:cs typeface="楷体" panose="02010609060101010101" charset="-122"/>
+              </a:rPr>
+              <a:t>初赛：考察通用和实用的计算机科学知识，以笔试为主；</a:t>
+            </a:r>
+            <a:endParaRPr lang="zh-CN" altLang="en-US" sz="2800">
               <a:solidFill>
                 <a:srgbClr val="666666"/>
               </a:solidFill>
-              <a:latin typeface="Times New Roman" panose="02020603050405020304" charset="0"/>
+              <a:latin typeface="楷体" panose="02010609060101010101" charset="-122"/>
               <a:ea typeface="楷体" panose="02010609060101010101" charset="-122"/>
-              <a:cs typeface="Times New Roman" panose="02020603050405020304" charset="0"/>
-            </a:endParaRPr>
-          </a:p>
-          <a:p>
-            <a:r>
-              <a:rPr lang="zh-CN" altLang="en-US" sz="3600">
+              <a:cs typeface="楷体" panose="02010609060101010101" charset="-122"/>
+            </a:endParaRPr>
+          </a:p>
+          <a:p>
+            <a:r>
+              <a:rPr lang="zh-CN" altLang="en-US" sz="2800">
                 <a:solidFill>
                   <a:srgbClr val="666666"/>
                 </a:solidFill>
-                <a:latin typeface="Times New Roman" panose="02020603050405020304" charset="0"/>
+                <a:latin typeface="楷体" panose="02010609060101010101" charset="-122"/>
                 <a:ea typeface="楷体" panose="02010609060101010101" charset="-122"/>
-                <a:cs typeface="Times New Roman" panose="02020603050405020304" charset="0"/>
-                <a:sym typeface="+mn-ea"/>
-              </a:rPr>
-              <a:t>Asia Pacific Informatics Olympiad</a:t>
-            </a:r>
-            <a:endParaRPr lang="zh-CN" altLang="en-US" sz="3600">
+                <a:cs typeface="楷体" panose="02010609060101010101" charset="-122"/>
+              </a:rPr>
+              <a:t>复赛：程序设计，须在计算机上调试完成。</a:t>
+            </a:r>
+            <a:endParaRPr lang="zh-CN" altLang="en-US" sz="2800">
               <a:solidFill>
                 <a:srgbClr val="666666"/>
               </a:solidFill>
-              <a:latin typeface="Times New Roman" panose="02020603050405020304" charset="0"/>
+              <a:latin typeface="楷体" panose="02010609060101010101" charset="-122"/>
               <a:ea typeface="楷体" panose="02010609060101010101" charset="-122"/>
-              <a:cs typeface="Times New Roman" panose="02020603050405020304" charset="0"/>
-              <a:sym typeface="+mn-ea"/>
-            </a:endParaRPr>
-          </a:p>
-          <a:p>
-            <a:r>
-              <a:rPr lang="zh-CN" altLang="en-US" sz="3600">
+              <a:cs typeface="楷体" panose="02010609060101010101" charset="-122"/>
+            </a:endParaRPr>
+          </a:p>
+          <a:p>
+            <a:r>
+              <a:rPr lang="zh-CN" altLang="en-US" sz="2800">
                 <a:solidFill>
                   <a:srgbClr val="666666"/>
                 </a:solidFill>
-                <a:latin typeface="Times New Roman" panose="02020603050405020304" charset="0"/>
+                <a:latin typeface="楷体" panose="02010609060101010101" charset="-122"/>
                 <a:ea typeface="楷体" panose="02010609060101010101" charset="-122"/>
-                <a:cs typeface="Times New Roman" panose="02020603050405020304" charset="0"/>
-              </a:rPr>
-              <a:t>亚洲与太平洋地区信息学奥赛</a:t>
-            </a:r>
-            <a:endParaRPr lang="zh-CN" altLang="en-US" sz="3600">
+                <a:cs typeface="楷体" panose="02010609060101010101" charset="-122"/>
+              </a:rPr>
+              <a:t>参加初赛者须达到一定分数线后才有资格参加复赛。</a:t>
+            </a:r>
+            <a:endParaRPr lang="zh-CN" altLang="en-US" sz="2800">
               <a:solidFill>
                 <a:srgbClr val="666666"/>
               </a:solidFill>
-              <a:latin typeface="Times New Roman" panose="02020603050405020304" charset="0"/>
+              <a:latin typeface="楷体" panose="02010609060101010101" charset="-122"/>
               <a:ea typeface="楷体" panose="02010609060101010101" charset="-122"/>
-              <a:cs typeface="Times New Roman" panose="02020603050405020304" charset="0"/>
+              <a:cs typeface="楷体" panose="02010609060101010101" charset="-122"/>
+            </a:endParaRPr>
+          </a:p>
+          <a:p>
+            <a:r>
+              <a:rPr lang="zh-CN" altLang="en-US" sz="2800">
+                <a:solidFill>
+                  <a:srgbClr val="666666"/>
+                </a:solidFill>
+                <a:latin typeface="楷体" panose="02010609060101010101" charset="-122"/>
+                <a:ea typeface="楷体" panose="02010609060101010101" charset="-122"/>
+                <a:cs typeface="楷体" panose="02010609060101010101" charset="-122"/>
+              </a:rPr>
+              <a:t>联赛分普及组和提高组两个组别，难度不同，分别面向初中和高中阶段的学生。</a:t>
+            </a:r>
+            <a:endParaRPr lang="zh-CN" altLang="en-US" sz="2800">
+              <a:solidFill>
+                <a:srgbClr val="666666"/>
+              </a:solidFill>
+              <a:latin typeface="楷体" panose="02010609060101010101" charset="-122"/>
+              <a:ea typeface="楷体" panose="02010609060101010101" charset="-122"/>
+              <a:cs typeface="楷体" panose="02010609060101010101" charset="-122"/>
+            </a:endParaRPr>
+          </a:p>
+          <a:p>
+            <a:r>
+              <a:rPr lang="zh-CN" altLang="en-US" sz="2800">
+                <a:solidFill>
+                  <a:srgbClr val="666666"/>
+                </a:solidFill>
+                <a:latin typeface="楷体" panose="02010609060101010101" charset="-122"/>
+                <a:ea typeface="楷体" panose="02010609060101010101" charset="-122"/>
+                <a:cs typeface="楷体" panose="02010609060101010101" charset="-122"/>
+              </a:rPr>
+              <a:t>获得提高组复赛一等奖的选手即可免试由大学直接录取。</a:t>
+            </a:r>
+            <a:endParaRPr lang="zh-CN" altLang="en-US" sz="2800">
+              <a:solidFill>
+                <a:srgbClr val="666666"/>
+              </a:solidFill>
+              <a:latin typeface="楷体" panose="02010609060101010101" charset="-122"/>
+              <a:ea typeface="楷体" panose="02010609060101010101" charset="-122"/>
+              <a:cs typeface="楷体" panose="02010609060101010101" charset="-122"/>
             </a:endParaRPr>
           </a:p>
         </p:txBody>
@@ -6268,8 +6367,8 @@
         </p:nvSpPr>
         <p:spPr>
           <a:xfrm>
-            <a:off x="1056005" y="1659890"/>
-            <a:ext cx="10080000" cy="3538220"/>
+            <a:off x="1056005" y="2275205"/>
+            <a:ext cx="10080000" cy="2306955"/>
           </a:xfrm>
           <a:prstGeom prst="rect">
             <a:avLst/>
@@ -6281,87 +6380,71 @@
             <a:spAutoFit/>
           </a:bodyPr>
           <a:p>
-            <a:r>
-              <a:rPr lang="zh-CN" altLang="en-US" sz="3200">
+            <a:pPr algn="l"/>
+            <a:r>
+              <a:rPr lang="zh-CN" altLang="en-US" sz="7200">
                 <a:solidFill>
                   <a:srgbClr val="666666"/>
                 </a:solidFill>
                 <a:latin typeface="Times New Roman" panose="02020603050405020304" charset="0"/>
-                <a:ea typeface="楷体" panose="02010609060101010101" charset="-122"/>
                 <a:cs typeface="Times New Roman" panose="02020603050405020304" charset="0"/>
               </a:rPr>
-              <a:t>该竞赛为区域性的网上准同步赛，是亚洲和太平洋地区每年一次的国际性赛事；</a:t>
-            </a:r>
-            <a:endParaRPr lang="zh-CN" altLang="en-US" sz="3200">
+              <a:t>NOI</a:t>
+            </a:r>
+            <a:endParaRPr lang="zh-CN" altLang="en-US" sz="3600">
               <a:solidFill>
                 <a:srgbClr val="666666"/>
               </a:solidFill>
               <a:latin typeface="Times New Roman" panose="02020603050405020304" charset="0"/>
-              <a:ea typeface="楷体" panose="02010609060101010101" charset="-122"/>
               <a:cs typeface="Times New Roman" panose="02020603050405020304" charset="0"/>
             </a:endParaRPr>
           </a:p>
           <a:p>
-            <a:r>
-              <a:rPr lang="zh-CN" altLang="en-US" sz="3200">
+            <a:pPr algn="l"/>
+            <a:r>
+              <a:rPr lang="zh-CN" altLang="en-US" sz="3600">
                 <a:solidFill>
                   <a:srgbClr val="666666"/>
                 </a:solidFill>
                 <a:latin typeface="Times New Roman" panose="02020603050405020304" charset="0"/>
-                <a:ea typeface="楷体" panose="02010609060101010101" charset="-122"/>
                 <a:cs typeface="Times New Roman" panose="02020603050405020304" charset="0"/>
               </a:rPr>
-              <a:t>APIO每年5月举行，由不同的国家轮流主办。</a:t>
-            </a:r>
-            <a:endParaRPr lang="zh-CN" altLang="en-US" sz="3200">
+              <a:t>National Olympic Informatics</a:t>
+            </a:r>
+            <a:r>
+              <a:rPr lang="zh-CN" altLang="en-US" sz="3600">
+                <a:solidFill>
+                  <a:srgbClr val="666666"/>
+                </a:solidFill>
+              </a:rPr>
+              <a:t> </a:t>
+            </a:r>
+            <a:endParaRPr lang="zh-CN" altLang="en-US" sz="3600">
               <a:solidFill>
                 <a:srgbClr val="666666"/>
               </a:solidFill>
-              <a:latin typeface="Times New Roman" panose="02020603050405020304" charset="0"/>
-              <a:ea typeface="楷体" panose="02010609060101010101" charset="-122"/>
-              <a:cs typeface="Times New Roman" panose="02020603050405020304" charset="0"/>
-            </a:endParaRPr>
-          </a:p>
-          <a:p>
-            <a:r>
-              <a:rPr lang="zh-CN" altLang="en-US" sz="3200">
+            </a:endParaRPr>
+          </a:p>
+          <a:p>
+            <a:pPr algn="l"/>
+            <a:r>
+              <a:rPr lang="zh-CN" altLang="en-US" sz="3600">
                 <a:solidFill>
                   <a:srgbClr val="666666"/>
                 </a:solidFill>
-                <a:latin typeface="Times New Roman" panose="02020603050405020304" charset="0"/>
+                <a:latin typeface="楷体" panose="02010609060101010101" charset="-122"/>
                 <a:ea typeface="楷体" panose="02010609060101010101" charset="-122"/>
-                <a:cs typeface="Times New Roman" panose="02020603050405020304" charset="0"/>
-              </a:rPr>
-              <a:t>每个参赛团参赛选手上限为100名，其中成绩排在前6名的选 手作为代表该参赛团的正式选手统计成绩。</a:t>
-            </a:r>
-            <a:endParaRPr lang="zh-CN" altLang="en-US" sz="3200">
+                <a:cs typeface="楷体" panose="02010609060101010101" charset="-122"/>
+              </a:rPr>
+              <a:t>全国青少年信息学奥林匹克</a:t>
+            </a:r>
+            <a:endParaRPr lang="zh-CN" altLang="en-US" sz="3600">
               <a:solidFill>
                 <a:srgbClr val="666666"/>
               </a:solidFill>
-              <a:latin typeface="Times New Roman" panose="02020603050405020304" charset="0"/>
+              <a:latin typeface="楷体" panose="02010609060101010101" charset="-122"/>
               <a:ea typeface="楷体" panose="02010609060101010101" charset="-122"/>
-              <a:cs typeface="Times New Roman" panose="02020603050405020304" charset="0"/>
-            </a:endParaRPr>
-          </a:p>
-          <a:p>
-            <a:r>
-              <a:rPr lang="zh-CN" altLang="en-US" sz="3200">
-                <a:solidFill>
-                  <a:srgbClr val="666666"/>
-                </a:solidFill>
-                <a:latin typeface="Times New Roman" panose="02020603050405020304" charset="0"/>
-                <a:ea typeface="楷体" panose="02010609060101010101" charset="-122"/>
-                <a:cs typeface="Times New Roman" panose="02020603050405020304" charset="0"/>
-              </a:rPr>
-              <a:t>APIO中国赛区由中国计算机学会组织参赛，获奖比例将参照IOI。</a:t>
-            </a:r>
-            <a:endParaRPr lang="zh-CN" altLang="en-US" sz="3200">
-              <a:solidFill>
-                <a:srgbClr val="666666"/>
-              </a:solidFill>
-              <a:latin typeface="Times New Roman" panose="02020603050405020304" charset="0"/>
-              <a:ea typeface="楷体" panose="02010609060101010101" charset="-122"/>
-              <a:cs typeface="Times New Roman" panose="02020603050405020304" charset="0"/>
+              <a:cs typeface="楷体" panose="02010609060101010101" charset="-122"/>
             </a:endParaRPr>
           </a:p>
         </p:txBody>
@@ -6403,8 +6486,8 @@
         </p:nvSpPr>
         <p:spPr>
           <a:xfrm>
-            <a:off x="1056005" y="2598420"/>
-            <a:ext cx="10080000" cy="1660525"/>
+            <a:off x="1056005" y="2552700"/>
+            <a:ext cx="10080000" cy="1753235"/>
           </a:xfrm>
           <a:prstGeom prst="rect">
             <a:avLst/>
@@ -6416,45 +6499,47 @@
             <a:spAutoFit/>
           </a:bodyPr>
           <a:p>
-            <a:r>
-              <a:rPr lang="zh-CN" altLang="en-US" sz="6600">
+            <a:pPr algn="l"/>
+            <a:r>
+              <a:rPr lang="zh-CN" altLang="en-US" sz="3600">
                 <a:solidFill>
                   <a:srgbClr val="666666"/>
                 </a:solidFill>
-                <a:latin typeface="Times New Roman" panose="02020603050405020304" charset="0"/>
+                <a:latin typeface="楷体" panose="02010609060101010101" charset="-122"/>
                 <a:ea typeface="楷体" panose="02010609060101010101" charset="-122"/>
-                <a:cs typeface="Times New Roman" panose="02020603050405020304" charset="0"/>
-              </a:rPr>
-              <a:t>选拔赛</a:t>
+                <a:cs typeface="楷体" panose="02010609060101010101" charset="-122"/>
+              </a:rPr>
+              <a:t>国内包括港澳在内的省级代表队最高水平的大赛，</a:t>
             </a:r>
             <a:endParaRPr lang="zh-CN" altLang="en-US" sz="3600">
               <a:solidFill>
                 <a:srgbClr val="666666"/>
               </a:solidFill>
-              <a:latin typeface="Times New Roman" panose="02020603050405020304" charset="0"/>
+              <a:latin typeface="楷体" panose="02010609060101010101" charset="-122"/>
               <a:ea typeface="楷体" panose="02010609060101010101" charset="-122"/>
-              <a:cs typeface="Times New Roman" panose="02020603050405020304" charset="0"/>
-            </a:endParaRPr>
-          </a:p>
-          <a:p>
+              <a:cs typeface="楷体" panose="02010609060101010101" charset="-122"/>
+            </a:endParaRPr>
+          </a:p>
+          <a:p>
+            <a:pPr algn="l"/>
             <a:r>
               <a:rPr lang="zh-CN" altLang="en-US" sz="3600">
                 <a:solidFill>
                   <a:srgbClr val="666666"/>
                 </a:solidFill>
-                <a:latin typeface="Times New Roman" panose="02020603050405020304" charset="0"/>
+                <a:latin typeface="楷体" panose="02010609060101010101" charset="-122"/>
                 <a:ea typeface="楷体" panose="02010609060101010101" charset="-122"/>
-                <a:cs typeface="Times New Roman" panose="02020603050405020304" charset="0"/>
-              </a:rPr>
-              <a:t>选拔参加国际信息学奥林匹克中国代表队的竞赛</a:t>
+                <a:cs typeface="楷体" panose="02010609060101010101" charset="-122"/>
+              </a:rPr>
+              <a:t>每年经各省选拔产生5名选手（其中一名是女选手）这一竞赛记个人成绩，同时记团体总分。</a:t>
             </a:r>
             <a:endParaRPr lang="zh-CN" altLang="en-US" sz="3600">
               <a:solidFill>
                 <a:srgbClr val="666666"/>
               </a:solidFill>
-              <a:latin typeface="Times New Roman" panose="02020603050405020304" charset="0"/>
+              <a:latin typeface="楷体" panose="02010609060101010101" charset="-122"/>
               <a:ea typeface="楷体" panose="02010609060101010101" charset="-122"/>
-              <a:cs typeface="Times New Roman" panose="02020603050405020304" charset="0"/>
+              <a:cs typeface="楷体" panose="02010609060101010101" charset="-122"/>
             </a:endParaRPr>
           </a:p>
         </p:txBody>
@@ -6496,8 +6581,8 @@
         </p:nvSpPr>
         <p:spPr>
           <a:xfrm>
-            <a:off x="1056005" y="1998345"/>
-            <a:ext cx="10080000" cy="2861310"/>
+            <a:off x="1056005" y="2275205"/>
+            <a:ext cx="10080000" cy="2306955"/>
           </a:xfrm>
           <a:prstGeom prst="rect">
             <a:avLst/>
@@ -6508,6 +6593,27 @@
           <a:bodyPr wrap="square" rtlCol="0" anchor="t">
             <a:spAutoFit/>
           </a:bodyPr>
+          <a:p>
+            <a:r>
+              <a:rPr lang="zh-CN" altLang="en-US" sz="7200">
+                <a:solidFill>
+                  <a:srgbClr val="666666"/>
+                </a:solidFill>
+                <a:latin typeface="Times New Roman" panose="02020603050405020304" charset="0"/>
+                <a:ea typeface="楷体" panose="02010609060101010101" charset="-122"/>
+                <a:cs typeface="Times New Roman" panose="02020603050405020304" charset="0"/>
+              </a:rPr>
+              <a:t>APIO</a:t>
+            </a:r>
+            <a:endParaRPr lang="zh-CN" altLang="en-US" sz="3200">
+              <a:solidFill>
+                <a:srgbClr val="666666"/>
+              </a:solidFill>
+              <a:latin typeface="Times New Roman" panose="02020603050405020304" charset="0"/>
+              <a:ea typeface="楷体" panose="02010609060101010101" charset="-122"/>
+              <a:cs typeface="Times New Roman" panose="02020603050405020304" charset="0"/>
+            </a:endParaRPr>
+          </a:p>
           <a:p>
             <a:r>
               <a:rPr lang="zh-CN" altLang="en-US" sz="3600">
@@ -6517,8 +6623,9 @@
                 <a:latin typeface="Times New Roman" panose="02020603050405020304" charset="0"/>
                 <a:ea typeface="楷体" panose="02010609060101010101" charset="-122"/>
                 <a:cs typeface="Times New Roman" panose="02020603050405020304" charset="0"/>
-              </a:rPr>
-              <a:t>IOI的选手是从获NOI前20名选手中选拔出来的，获得前4名的优胜者代表中国参 加国际竞赛。</a:t>
+                <a:sym typeface="+mn-ea"/>
+              </a:rPr>
+              <a:t>Asia Pacific Informatics Olympiad</a:t>
             </a:r>
             <a:endParaRPr lang="zh-CN" altLang="en-US" sz="3600">
               <a:solidFill>
@@ -6527,6 +6634,7 @@
               <a:latin typeface="Times New Roman" panose="02020603050405020304" charset="0"/>
               <a:ea typeface="楷体" panose="02010609060101010101" charset="-122"/>
               <a:cs typeface="Times New Roman" panose="02020603050405020304" charset="0"/>
+              <a:sym typeface="+mn-ea"/>
             </a:endParaRPr>
           </a:p>
           <a:p>
@@ -6539,7 +6647,7 @@
                 <a:ea typeface="楷体" panose="02010609060101010101" charset="-122"/>
                 <a:cs typeface="Times New Roman" panose="02020603050405020304" charset="0"/>
               </a:rPr>
-              <a:t>选拔科目包括：NOI成绩、冬令营成绩、论文和答辩、平时作业、选拔赛成绩、口试。上述项目加权产生最后成绩。</a:t>
+              <a:t>亚洲与太平洋地区信息学奥赛</a:t>
             </a:r>
             <a:endParaRPr lang="zh-CN" altLang="en-US" sz="3600">
               <a:solidFill>
@@ -6561,6 +6669,18 @@
 </file>
 
 <file path=ppt/tags/tag1.xml><?xml version="1.0" encoding="utf-8"?>
+<p:tagLst xmlns:p="http://schemas.openxmlformats.org/presentationml/2006/main">
+  <p:tag name="KSO_WM_SLIDE_MODEL_TYPE" val="cover"/>
+</p:tagLst>
+</file>
+
+<file path=ppt/tags/tag2.xml><?xml version="1.0" encoding="utf-8"?>
+<p:tagLst xmlns:p="http://schemas.openxmlformats.org/presentationml/2006/main">
+  <p:tag name="KSO_WM_SLIDE_MODEL_TYPE" val="cover"/>
+</p:tagLst>
+</file>
+
+<file path=ppt/tags/tag3.xml><?xml version="1.0" encoding="utf-8"?>
 <p:tagLst xmlns:p="http://schemas.openxmlformats.org/presentationml/2006/main">
   <p:tag name="KSO_WM_SLIDE_MODEL_TYPE" val="cover"/>
 </p:tagLst>
